--- a/SDD 관련 자료/작업 결과물/대화 모형도/이전 파일/강의평가 수행.pptx
+++ b/SDD 관련 자료/작업 결과물/대화 모형도/이전 파일/강의평가 수행.pptx
@@ -2,18 +2,19 @@
 <file path=ppt/presentation.xml><?xml version="1.0" encoding="utf-8"?>
 <p:presentation xmlns:a="http://schemas.openxmlformats.org/drawingml/2006/main" xmlns:r="http://schemas.openxmlformats.org/officeDocument/2006/relationships" xmlns:p="http://schemas.openxmlformats.org/presentationml/2006/main" saveSubsetFonts="1">
   <p:sldMasterIdLst>
-    <p:sldMasterId id="2147483660" r:id="rId1"/>
+    <p:sldMasterId id="2147483672" r:id="rId1"/>
   </p:sldMasterIdLst>
   <p:sldIdLst>
     <p:sldId id="258" r:id="rId2"/>
+    <p:sldId id="259" r:id="rId3"/>
   </p:sldIdLst>
-  <p:sldSz cx="35999738" cy="35999738"/>
+  <p:sldSz cx="47999650" cy="35999738"/>
   <p:notesSz cx="6858000" cy="9144000"/>
   <p:defaultTextStyle>
     <a:defPPr>
       <a:defRPr lang="en-US"/>
     </a:defPPr>
-    <a:lvl1pPr marL="0" algn="l" defTabSz="457200" rtl="0" eaLnBrk="1" latinLnBrk="0" hangingPunct="1">
+    <a:lvl1pPr marL="0" algn="l" defTabSz="457094" rtl="0" eaLnBrk="1" latinLnBrk="0" hangingPunct="1">
       <a:defRPr sz="1800" kern="1200">
         <a:solidFill>
           <a:schemeClr val="tx1"/>
@@ -23,7 +24,7 @@
         <a:cs typeface="+mn-cs"/>
       </a:defRPr>
     </a:lvl1pPr>
-    <a:lvl2pPr marL="457200" algn="l" defTabSz="457200" rtl="0" eaLnBrk="1" latinLnBrk="0" hangingPunct="1">
+    <a:lvl2pPr marL="457094" algn="l" defTabSz="457094" rtl="0" eaLnBrk="1" latinLnBrk="0" hangingPunct="1">
       <a:defRPr sz="1800" kern="1200">
         <a:solidFill>
           <a:schemeClr val="tx1"/>
@@ -33,7 +34,7 @@
         <a:cs typeface="+mn-cs"/>
       </a:defRPr>
     </a:lvl2pPr>
-    <a:lvl3pPr marL="914400" algn="l" defTabSz="457200" rtl="0" eaLnBrk="1" latinLnBrk="0" hangingPunct="1">
+    <a:lvl3pPr marL="914188" algn="l" defTabSz="457094" rtl="0" eaLnBrk="1" latinLnBrk="0" hangingPunct="1">
       <a:defRPr sz="1800" kern="1200">
         <a:solidFill>
           <a:schemeClr val="tx1"/>
@@ -43,7 +44,7 @@
         <a:cs typeface="+mn-cs"/>
       </a:defRPr>
     </a:lvl3pPr>
-    <a:lvl4pPr marL="1371600" algn="l" defTabSz="457200" rtl="0" eaLnBrk="1" latinLnBrk="0" hangingPunct="1">
+    <a:lvl4pPr marL="1371282" algn="l" defTabSz="457094" rtl="0" eaLnBrk="1" latinLnBrk="0" hangingPunct="1">
       <a:defRPr sz="1800" kern="1200">
         <a:solidFill>
           <a:schemeClr val="tx1"/>
@@ -53,7 +54,7 @@
         <a:cs typeface="+mn-cs"/>
       </a:defRPr>
     </a:lvl4pPr>
-    <a:lvl5pPr marL="1828800" algn="l" defTabSz="457200" rtl="0" eaLnBrk="1" latinLnBrk="0" hangingPunct="1">
+    <a:lvl5pPr marL="1828372" algn="l" defTabSz="457094" rtl="0" eaLnBrk="1" latinLnBrk="0" hangingPunct="1">
       <a:defRPr sz="1800" kern="1200">
         <a:solidFill>
           <a:schemeClr val="tx1"/>
@@ -63,7 +64,7 @@
         <a:cs typeface="+mn-cs"/>
       </a:defRPr>
     </a:lvl5pPr>
-    <a:lvl6pPr marL="2286000" algn="l" defTabSz="457200" rtl="0" eaLnBrk="1" latinLnBrk="0" hangingPunct="1">
+    <a:lvl6pPr marL="2285466" algn="l" defTabSz="457094" rtl="0" eaLnBrk="1" latinLnBrk="0" hangingPunct="1">
       <a:defRPr sz="1800" kern="1200">
         <a:solidFill>
           <a:schemeClr val="tx1"/>
@@ -73,7 +74,7 @@
         <a:cs typeface="+mn-cs"/>
       </a:defRPr>
     </a:lvl6pPr>
-    <a:lvl7pPr marL="2743200" algn="l" defTabSz="457200" rtl="0" eaLnBrk="1" latinLnBrk="0" hangingPunct="1">
+    <a:lvl7pPr marL="2742560" algn="l" defTabSz="457094" rtl="0" eaLnBrk="1" latinLnBrk="0" hangingPunct="1">
       <a:defRPr sz="1800" kern="1200">
         <a:solidFill>
           <a:schemeClr val="tx1"/>
@@ -83,7 +84,7 @@
         <a:cs typeface="+mn-cs"/>
       </a:defRPr>
     </a:lvl7pPr>
-    <a:lvl8pPr marL="3200400" algn="l" defTabSz="457200" rtl="0" eaLnBrk="1" latinLnBrk="0" hangingPunct="1">
+    <a:lvl8pPr marL="3199654" algn="l" defTabSz="457094" rtl="0" eaLnBrk="1" latinLnBrk="0" hangingPunct="1">
       <a:defRPr sz="1800" kern="1200">
         <a:solidFill>
           <a:schemeClr val="tx1"/>
@@ -93,7 +94,7 @@
         <a:cs typeface="+mn-cs"/>
       </a:defRPr>
     </a:lvl8pPr>
-    <a:lvl9pPr marL="3657600" algn="l" defTabSz="457200" rtl="0" eaLnBrk="1" latinLnBrk="0" hangingPunct="1">
+    <a:lvl9pPr marL="3656748" algn="l" defTabSz="457094" rtl="0" eaLnBrk="1" latinLnBrk="0" hangingPunct="1">
       <a:defRPr sz="1800" kern="1200">
         <a:solidFill>
           <a:schemeClr val="tx1"/>
@@ -141,20 +142,20 @@
         </p:nvSpPr>
         <p:spPr>
           <a:xfrm>
-            <a:off x="2699981" y="5891626"/>
-            <a:ext cx="30599777" cy="12533242"/>
+            <a:off x="3599974" y="5891626"/>
+            <a:ext cx="40799703" cy="12533242"/>
           </a:xfrm>
         </p:spPr>
         <p:txBody>
           <a:bodyPr anchor="b"/>
           <a:lstStyle>
             <a:lvl1pPr algn="ctr">
-              <a:defRPr sz="23622"/>
+              <a:defRPr sz="31496"/>
             </a:lvl1pPr>
           </a:lstStyle>
           <a:p>
             <a:r>
-              <a:rPr lang="ko-KR" altLang="en-US"/>
+              <a:rPr lang="ko-KR" altLang="en-US" smtClean="0"/>
               <a:t>마스터 제목 스타일 편집</a:t>
             </a:r>
             <a:endParaRPr lang="en-US" dirty="0"/>
@@ -173,8 +174,8 @@
         </p:nvSpPr>
         <p:spPr>
           <a:xfrm>
-            <a:off x="4499967" y="18908198"/>
-            <a:ext cx="26999804" cy="8691601"/>
+            <a:off x="5999956" y="18908198"/>
+            <a:ext cx="35999738" cy="8691601"/>
           </a:xfrm>
         </p:spPr>
         <p:txBody>
@@ -182,44 +183,44 @@
           <a:lstStyle>
             <a:lvl1pPr marL="0" indent="0" algn="ctr">
               <a:buNone/>
+              <a:defRPr sz="12598"/>
+            </a:lvl1pPr>
+            <a:lvl2pPr marL="2399980" indent="0" algn="ctr">
+              <a:buNone/>
+              <a:defRPr sz="10499"/>
+            </a:lvl2pPr>
+            <a:lvl3pPr marL="4799960" indent="0" algn="ctr">
+              <a:buNone/>
               <a:defRPr sz="9449"/>
-            </a:lvl1pPr>
-            <a:lvl2pPr marL="1799996" indent="0" algn="ctr">
+            </a:lvl3pPr>
+            <a:lvl4pPr marL="7199940" indent="0" algn="ctr">
               <a:buNone/>
-              <a:defRPr sz="7874"/>
-            </a:lvl2pPr>
-            <a:lvl3pPr marL="3599993" indent="0" algn="ctr">
+              <a:defRPr sz="8399"/>
+            </a:lvl4pPr>
+            <a:lvl5pPr marL="9599920" indent="0" algn="ctr">
               <a:buNone/>
-              <a:defRPr sz="7087"/>
-            </a:lvl3pPr>
-            <a:lvl4pPr marL="5399989" indent="0" algn="ctr">
+              <a:defRPr sz="8399"/>
+            </a:lvl5pPr>
+            <a:lvl6pPr marL="11999900" indent="0" algn="ctr">
               <a:buNone/>
-              <a:defRPr sz="6299"/>
-            </a:lvl4pPr>
-            <a:lvl5pPr marL="7199986" indent="0" algn="ctr">
+              <a:defRPr sz="8399"/>
+            </a:lvl6pPr>
+            <a:lvl7pPr marL="14399880" indent="0" algn="ctr">
               <a:buNone/>
-              <a:defRPr sz="6299"/>
-            </a:lvl5pPr>
-            <a:lvl6pPr marL="8999982" indent="0" algn="ctr">
+              <a:defRPr sz="8399"/>
+            </a:lvl7pPr>
+            <a:lvl8pPr marL="16799860" indent="0" algn="ctr">
               <a:buNone/>
-              <a:defRPr sz="6299"/>
-            </a:lvl6pPr>
-            <a:lvl7pPr marL="10799978" indent="0" algn="ctr">
+              <a:defRPr sz="8399"/>
+            </a:lvl8pPr>
+            <a:lvl9pPr marL="19199840" indent="0" algn="ctr">
               <a:buNone/>
-              <a:defRPr sz="6299"/>
-            </a:lvl7pPr>
-            <a:lvl8pPr marL="12599975" indent="0" algn="ctr">
-              <a:buNone/>
-              <a:defRPr sz="6299"/>
-            </a:lvl8pPr>
-            <a:lvl9pPr marL="14399971" indent="0" algn="ctr">
-              <a:buNone/>
-              <a:defRPr sz="6299"/>
+              <a:defRPr sz="8399"/>
             </a:lvl9pPr>
           </a:lstStyle>
           <a:p>
             <a:r>
-              <a:rPr lang="ko-KR" altLang="en-US"/>
+              <a:rPr lang="ko-KR" altLang="en-US" smtClean="0"/>
               <a:t>클릭하여 마스터 부제목 스타일 편집</a:t>
             </a:r>
             <a:endParaRPr lang="en-US" dirty="0"/>
@@ -243,7 +244,7 @@
           <a:p>
             <a:fld id="{FEB97611-7D34-4565-8BE2-EC668B9DC89E}" type="datetimeFigureOut">
               <a:rPr lang="ko-KR" altLang="en-US" smtClean="0"/>
-              <a:t>2016-05-24</a:t>
+              <a:t>2016-05-30</a:t>
             </a:fld>
             <a:endParaRPr lang="ko-KR" altLang="en-US"/>
           </a:p>
@@ -294,7 +295,7 @@
     </p:spTree>
     <p:extLst>
       <p:ext uri="{BB962C8B-B14F-4D97-AF65-F5344CB8AC3E}">
-        <p14:creationId xmlns:p14="http://schemas.microsoft.com/office/powerpoint/2010/main" val="4171467523"/>
+        <p14:creationId xmlns:p14="http://schemas.microsoft.com/office/powerpoint/2010/main" val="2670875342"/>
       </p:ext>
     </p:extLst>
   </p:cSld>
@@ -337,7 +338,7 @@
           <a:lstStyle/>
           <a:p>
             <a:r>
-              <a:rPr lang="ko-KR" altLang="en-US"/>
+              <a:rPr lang="ko-KR" altLang="en-US" smtClean="0"/>
               <a:t>마스터 제목 스타일 편집</a:t>
             </a:r>
             <a:endParaRPr lang="en-US" dirty="0"/>
@@ -361,35 +362,35 @@
           <a:p>
             <a:pPr lvl="0"/>
             <a:r>
-              <a:rPr lang="ko-KR" altLang="en-US"/>
+              <a:rPr lang="ko-KR" altLang="en-US" smtClean="0"/>
               <a:t>마스터 텍스트 스타일 편집</a:t>
             </a:r>
           </a:p>
           <a:p>
             <a:pPr lvl="1"/>
             <a:r>
-              <a:rPr lang="ko-KR" altLang="en-US"/>
+              <a:rPr lang="ko-KR" altLang="en-US" smtClean="0"/>
               <a:t>둘째 수준</a:t>
             </a:r>
           </a:p>
           <a:p>
             <a:pPr lvl="2"/>
             <a:r>
-              <a:rPr lang="ko-KR" altLang="en-US"/>
+              <a:rPr lang="ko-KR" altLang="en-US" smtClean="0"/>
               <a:t>셋째 수준</a:t>
             </a:r>
           </a:p>
           <a:p>
             <a:pPr lvl="3"/>
             <a:r>
-              <a:rPr lang="ko-KR" altLang="en-US"/>
+              <a:rPr lang="ko-KR" altLang="en-US" smtClean="0"/>
               <a:t>넷째 수준</a:t>
             </a:r>
           </a:p>
           <a:p>
             <a:pPr lvl="4"/>
             <a:r>
-              <a:rPr lang="ko-KR" altLang="en-US"/>
+              <a:rPr lang="ko-KR" altLang="en-US" smtClean="0"/>
               <a:t>다섯째 수준</a:t>
             </a:r>
             <a:endParaRPr lang="en-US" dirty="0"/>
@@ -413,7 +414,7 @@
           <a:p>
             <a:fld id="{FEB97611-7D34-4565-8BE2-EC668B9DC89E}" type="datetimeFigureOut">
               <a:rPr lang="ko-KR" altLang="en-US" smtClean="0"/>
-              <a:t>2016-05-24</a:t>
+              <a:t>2016-05-30</a:t>
             </a:fld>
             <a:endParaRPr lang="ko-KR" altLang="en-US"/>
           </a:p>
@@ -464,7 +465,7 @@
     </p:spTree>
     <p:extLst>
       <p:ext uri="{BB962C8B-B14F-4D97-AF65-F5344CB8AC3E}">
-        <p14:creationId xmlns:p14="http://schemas.microsoft.com/office/powerpoint/2010/main" val="2094692688"/>
+        <p14:creationId xmlns:p14="http://schemas.microsoft.com/office/powerpoint/2010/main" val="2725615455"/>
       </p:ext>
     </p:extLst>
   </p:cSld>
@@ -503,8 +504,8 @@
         </p:nvSpPr>
         <p:spPr>
           <a:xfrm>
-            <a:off x="25762314" y="1916653"/>
-            <a:ext cx="7762444" cy="30508114"/>
+            <a:off x="34349752" y="1916653"/>
+            <a:ext cx="10349925" cy="30508114"/>
           </a:xfrm>
         </p:spPr>
         <p:txBody>
@@ -512,7 +513,7 @@
           <a:lstStyle/>
           <a:p>
             <a:r>
-              <a:rPr lang="ko-KR" altLang="en-US"/>
+              <a:rPr lang="ko-KR" altLang="en-US" smtClean="0"/>
               <a:t>마스터 제목 스타일 편집</a:t>
             </a:r>
             <a:endParaRPr lang="en-US" dirty="0"/>
@@ -531,8 +532,8 @@
         </p:nvSpPr>
         <p:spPr>
           <a:xfrm>
-            <a:off x="2474984" y="1916653"/>
-            <a:ext cx="22837334" cy="30508114"/>
+            <a:off x="3299979" y="1916653"/>
+            <a:ext cx="30449778" cy="30508114"/>
           </a:xfrm>
         </p:spPr>
         <p:txBody>
@@ -541,35 +542,35 @@
           <a:p>
             <a:pPr lvl="0"/>
             <a:r>
-              <a:rPr lang="ko-KR" altLang="en-US"/>
+              <a:rPr lang="ko-KR" altLang="en-US" smtClean="0"/>
               <a:t>마스터 텍스트 스타일 편집</a:t>
             </a:r>
           </a:p>
           <a:p>
             <a:pPr lvl="1"/>
             <a:r>
-              <a:rPr lang="ko-KR" altLang="en-US"/>
+              <a:rPr lang="ko-KR" altLang="en-US" smtClean="0"/>
               <a:t>둘째 수준</a:t>
             </a:r>
           </a:p>
           <a:p>
             <a:pPr lvl="2"/>
             <a:r>
-              <a:rPr lang="ko-KR" altLang="en-US"/>
+              <a:rPr lang="ko-KR" altLang="en-US" smtClean="0"/>
               <a:t>셋째 수준</a:t>
             </a:r>
           </a:p>
           <a:p>
             <a:pPr lvl="3"/>
             <a:r>
-              <a:rPr lang="ko-KR" altLang="en-US"/>
+              <a:rPr lang="ko-KR" altLang="en-US" smtClean="0"/>
               <a:t>넷째 수준</a:t>
             </a:r>
           </a:p>
           <a:p>
             <a:pPr lvl="4"/>
             <a:r>
-              <a:rPr lang="ko-KR" altLang="en-US"/>
+              <a:rPr lang="ko-KR" altLang="en-US" smtClean="0"/>
               <a:t>다섯째 수준</a:t>
             </a:r>
             <a:endParaRPr lang="en-US" dirty="0"/>
@@ -593,7 +594,7 @@
           <a:p>
             <a:fld id="{FEB97611-7D34-4565-8BE2-EC668B9DC89E}" type="datetimeFigureOut">
               <a:rPr lang="ko-KR" altLang="en-US" smtClean="0"/>
-              <a:t>2016-05-24</a:t>
+              <a:t>2016-05-30</a:t>
             </a:fld>
             <a:endParaRPr lang="ko-KR" altLang="en-US"/>
           </a:p>
@@ -644,7 +645,7 @@
     </p:spTree>
     <p:extLst>
       <p:ext uri="{BB962C8B-B14F-4D97-AF65-F5344CB8AC3E}">
-        <p14:creationId xmlns:p14="http://schemas.microsoft.com/office/powerpoint/2010/main" val="929223054"/>
+        <p14:creationId xmlns:p14="http://schemas.microsoft.com/office/powerpoint/2010/main" val="2765253315"/>
       </p:ext>
     </p:extLst>
   </p:cSld>
@@ -687,7 +688,7 @@
           <a:lstStyle/>
           <a:p>
             <a:r>
-              <a:rPr lang="ko-KR" altLang="en-US"/>
+              <a:rPr lang="ko-KR" altLang="en-US" smtClean="0"/>
               <a:t>마스터 제목 스타일 편집</a:t>
             </a:r>
             <a:endParaRPr lang="en-US" dirty="0"/>
@@ -711,35 +712,35 @@
           <a:p>
             <a:pPr lvl="0"/>
             <a:r>
-              <a:rPr lang="ko-KR" altLang="en-US"/>
+              <a:rPr lang="ko-KR" altLang="en-US" smtClean="0"/>
               <a:t>마스터 텍스트 스타일 편집</a:t>
             </a:r>
           </a:p>
           <a:p>
             <a:pPr lvl="1"/>
             <a:r>
-              <a:rPr lang="ko-KR" altLang="en-US"/>
+              <a:rPr lang="ko-KR" altLang="en-US" smtClean="0"/>
               <a:t>둘째 수준</a:t>
             </a:r>
           </a:p>
           <a:p>
             <a:pPr lvl="2"/>
             <a:r>
-              <a:rPr lang="ko-KR" altLang="en-US"/>
+              <a:rPr lang="ko-KR" altLang="en-US" smtClean="0"/>
               <a:t>셋째 수준</a:t>
             </a:r>
           </a:p>
           <a:p>
             <a:pPr lvl="3"/>
             <a:r>
-              <a:rPr lang="ko-KR" altLang="en-US"/>
+              <a:rPr lang="ko-KR" altLang="en-US" smtClean="0"/>
               <a:t>넷째 수준</a:t>
             </a:r>
           </a:p>
           <a:p>
             <a:pPr lvl="4"/>
             <a:r>
-              <a:rPr lang="ko-KR" altLang="en-US"/>
+              <a:rPr lang="ko-KR" altLang="en-US" smtClean="0"/>
               <a:t>다섯째 수준</a:t>
             </a:r>
             <a:endParaRPr lang="en-US" dirty="0"/>
@@ -763,7 +764,7 @@
           <a:p>
             <a:fld id="{FEB97611-7D34-4565-8BE2-EC668B9DC89E}" type="datetimeFigureOut">
               <a:rPr lang="ko-KR" altLang="en-US" smtClean="0"/>
-              <a:t>2016-05-24</a:t>
+              <a:t>2016-05-30</a:t>
             </a:fld>
             <a:endParaRPr lang="ko-KR" altLang="en-US"/>
           </a:p>
@@ -814,7 +815,7 @@
     </p:spTree>
     <p:extLst>
       <p:ext uri="{BB962C8B-B14F-4D97-AF65-F5344CB8AC3E}">
-        <p14:creationId xmlns:p14="http://schemas.microsoft.com/office/powerpoint/2010/main" val="845491960"/>
+        <p14:creationId xmlns:p14="http://schemas.microsoft.com/office/powerpoint/2010/main" val="4292754034"/>
       </p:ext>
     </p:extLst>
   </p:cSld>
@@ -853,20 +854,20 @@
         </p:nvSpPr>
         <p:spPr>
           <a:xfrm>
-            <a:off x="2456234" y="8974945"/>
-            <a:ext cx="31049774" cy="14974888"/>
+            <a:off x="3274979" y="8974945"/>
+            <a:ext cx="41399698" cy="14974888"/>
           </a:xfrm>
         </p:spPr>
         <p:txBody>
           <a:bodyPr anchor="b"/>
           <a:lstStyle>
             <a:lvl1pPr>
-              <a:defRPr sz="23622"/>
+              <a:defRPr sz="31496"/>
             </a:lvl1pPr>
           </a:lstStyle>
           <a:p>
             <a:r>
-              <a:rPr lang="ko-KR" altLang="en-US"/>
+              <a:rPr lang="ko-KR" altLang="en-US" smtClean="0"/>
               <a:t>마스터 제목 스타일 편집</a:t>
             </a:r>
             <a:endParaRPr lang="en-US" dirty="0"/>
@@ -885,8 +886,8 @@
         </p:nvSpPr>
         <p:spPr>
           <a:xfrm>
-            <a:off x="2456234" y="24091502"/>
-            <a:ext cx="31049774" cy="7874940"/>
+            <a:off x="3274979" y="24091502"/>
+            <a:ext cx="41399698" cy="7874940"/>
           </a:xfrm>
         </p:spPr>
         <p:txBody>
@@ -894,15 +895,15 @@
           <a:lstStyle>
             <a:lvl1pPr marL="0" indent="0">
               <a:buNone/>
-              <a:defRPr sz="9449">
+              <a:defRPr sz="12598">
                 <a:solidFill>
                   <a:schemeClr val="tx1"/>
                 </a:solidFill>
               </a:defRPr>
             </a:lvl1pPr>
-            <a:lvl2pPr marL="1799996" indent="0">
+            <a:lvl2pPr marL="2399980" indent="0">
               <a:buNone/>
-              <a:defRPr sz="7874">
+              <a:defRPr sz="10499">
                 <a:solidFill>
                   <a:schemeClr val="tx1">
                     <a:tint val="75000"/>
@@ -910,9 +911,9 @@
                 </a:solidFill>
               </a:defRPr>
             </a:lvl2pPr>
-            <a:lvl3pPr marL="3599993" indent="0">
+            <a:lvl3pPr marL="4799960" indent="0">
               <a:buNone/>
-              <a:defRPr sz="7087">
+              <a:defRPr sz="9449">
                 <a:solidFill>
                   <a:schemeClr val="tx1">
                     <a:tint val="75000"/>
@@ -920,9 +921,9 @@
                 </a:solidFill>
               </a:defRPr>
             </a:lvl3pPr>
-            <a:lvl4pPr marL="5399989" indent="0">
+            <a:lvl4pPr marL="7199940" indent="0">
               <a:buNone/>
-              <a:defRPr sz="6299">
+              <a:defRPr sz="8399">
                 <a:solidFill>
                   <a:schemeClr val="tx1">
                     <a:tint val="75000"/>
@@ -930,9 +931,9 @@
                 </a:solidFill>
               </a:defRPr>
             </a:lvl4pPr>
-            <a:lvl5pPr marL="7199986" indent="0">
+            <a:lvl5pPr marL="9599920" indent="0">
               <a:buNone/>
-              <a:defRPr sz="6299">
+              <a:defRPr sz="8399">
                 <a:solidFill>
                   <a:schemeClr val="tx1">
                     <a:tint val="75000"/>
@@ -940,9 +941,9 @@
                 </a:solidFill>
               </a:defRPr>
             </a:lvl5pPr>
-            <a:lvl6pPr marL="8999982" indent="0">
+            <a:lvl6pPr marL="11999900" indent="0">
               <a:buNone/>
-              <a:defRPr sz="6299">
+              <a:defRPr sz="8399">
                 <a:solidFill>
                   <a:schemeClr val="tx1">
                     <a:tint val="75000"/>
@@ -950,9 +951,9 @@
                 </a:solidFill>
               </a:defRPr>
             </a:lvl6pPr>
-            <a:lvl7pPr marL="10799978" indent="0">
+            <a:lvl7pPr marL="14399880" indent="0">
               <a:buNone/>
-              <a:defRPr sz="6299">
+              <a:defRPr sz="8399">
                 <a:solidFill>
                   <a:schemeClr val="tx1">
                     <a:tint val="75000"/>
@@ -960,9 +961,9 @@
                 </a:solidFill>
               </a:defRPr>
             </a:lvl7pPr>
-            <a:lvl8pPr marL="12599975" indent="0">
+            <a:lvl8pPr marL="16799860" indent="0">
               <a:buNone/>
-              <a:defRPr sz="6299">
+              <a:defRPr sz="8399">
                 <a:solidFill>
                   <a:schemeClr val="tx1">
                     <a:tint val="75000"/>
@@ -970,9 +971,9 @@
                 </a:solidFill>
               </a:defRPr>
             </a:lvl8pPr>
-            <a:lvl9pPr marL="14399971" indent="0">
+            <a:lvl9pPr marL="19199840" indent="0">
               <a:buNone/>
-              <a:defRPr sz="6299">
+              <a:defRPr sz="8399">
                 <a:solidFill>
                   <a:schemeClr val="tx1">
                     <a:tint val="75000"/>
@@ -984,7 +985,7 @@
           <a:p>
             <a:pPr lvl="0"/>
             <a:r>
-              <a:rPr lang="ko-KR" altLang="en-US"/>
+              <a:rPr lang="ko-KR" altLang="en-US" smtClean="0"/>
               <a:t>마스터 텍스트 스타일 편집</a:t>
             </a:r>
           </a:p>
@@ -1007,7 +1008,7 @@
           <a:p>
             <a:fld id="{FEB97611-7D34-4565-8BE2-EC668B9DC89E}" type="datetimeFigureOut">
               <a:rPr lang="ko-KR" altLang="en-US" smtClean="0"/>
-              <a:t>2016-05-24</a:t>
+              <a:t>2016-05-30</a:t>
             </a:fld>
             <a:endParaRPr lang="ko-KR" altLang="en-US"/>
           </a:p>
@@ -1058,7 +1059,7 @@
     </p:spTree>
     <p:extLst>
       <p:ext uri="{BB962C8B-B14F-4D97-AF65-F5344CB8AC3E}">
-        <p14:creationId xmlns:p14="http://schemas.microsoft.com/office/powerpoint/2010/main" val="1305332477"/>
+        <p14:creationId xmlns:p14="http://schemas.microsoft.com/office/powerpoint/2010/main" val="3251525272"/>
       </p:ext>
     </p:extLst>
   </p:cSld>
@@ -1101,7 +1102,7 @@
           <a:lstStyle/>
           <a:p>
             <a:r>
-              <a:rPr lang="ko-KR" altLang="en-US"/>
+              <a:rPr lang="ko-KR" altLang="en-US" smtClean="0"/>
               <a:t>마스터 제목 스타일 편집</a:t>
             </a:r>
             <a:endParaRPr lang="en-US" dirty="0"/>
@@ -1120,8 +1121,8 @@
         </p:nvSpPr>
         <p:spPr>
           <a:xfrm>
-            <a:off x="2474982" y="9583264"/>
-            <a:ext cx="15299889" cy="22841503"/>
+            <a:off x="3299976" y="9583264"/>
+            <a:ext cx="20399851" cy="22841503"/>
           </a:xfrm>
         </p:spPr>
         <p:txBody>
@@ -1130,35 +1131,35 @@
           <a:p>
             <a:pPr lvl="0"/>
             <a:r>
-              <a:rPr lang="ko-KR" altLang="en-US"/>
+              <a:rPr lang="ko-KR" altLang="en-US" smtClean="0"/>
               <a:t>마스터 텍스트 스타일 편집</a:t>
             </a:r>
           </a:p>
           <a:p>
             <a:pPr lvl="1"/>
             <a:r>
-              <a:rPr lang="ko-KR" altLang="en-US"/>
+              <a:rPr lang="ko-KR" altLang="en-US" smtClean="0"/>
               <a:t>둘째 수준</a:t>
             </a:r>
           </a:p>
           <a:p>
             <a:pPr lvl="2"/>
             <a:r>
-              <a:rPr lang="ko-KR" altLang="en-US"/>
+              <a:rPr lang="ko-KR" altLang="en-US" smtClean="0"/>
               <a:t>셋째 수준</a:t>
             </a:r>
           </a:p>
           <a:p>
             <a:pPr lvl="3"/>
             <a:r>
-              <a:rPr lang="ko-KR" altLang="en-US"/>
+              <a:rPr lang="ko-KR" altLang="en-US" smtClean="0"/>
               <a:t>넷째 수준</a:t>
             </a:r>
           </a:p>
           <a:p>
             <a:pPr lvl="4"/>
             <a:r>
-              <a:rPr lang="ko-KR" altLang="en-US"/>
+              <a:rPr lang="ko-KR" altLang="en-US" smtClean="0"/>
               <a:t>다섯째 수준</a:t>
             </a:r>
             <a:endParaRPr lang="en-US" dirty="0"/>
@@ -1177,8 +1178,8 @@
         </p:nvSpPr>
         <p:spPr>
           <a:xfrm>
-            <a:off x="18224867" y="9583264"/>
-            <a:ext cx="15299889" cy="22841503"/>
+            <a:off x="24299823" y="9583264"/>
+            <a:ext cx="20399851" cy="22841503"/>
           </a:xfrm>
         </p:spPr>
         <p:txBody>
@@ -1187,35 +1188,35 @@
           <a:p>
             <a:pPr lvl="0"/>
             <a:r>
-              <a:rPr lang="ko-KR" altLang="en-US"/>
+              <a:rPr lang="ko-KR" altLang="en-US" smtClean="0"/>
               <a:t>마스터 텍스트 스타일 편집</a:t>
             </a:r>
           </a:p>
           <a:p>
             <a:pPr lvl="1"/>
             <a:r>
-              <a:rPr lang="ko-KR" altLang="en-US"/>
+              <a:rPr lang="ko-KR" altLang="en-US" smtClean="0"/>
               <a:t>둘째 수준</a:t>
             </a:r>
           </a:p>
           <a:p>
             <a:pPr lvl="2"/>
             <a:r>
-              <a:rPr lang="ko-KR" altLang="en-US"/>
+              <a:rPr lang="ko-KR" altLang="en-US" smtClean="0"/>
               <a:t>셋째 수준</a:t>
             </a:r>
           </a:p>
           <a:p>
             <a:pPr lvl="3"/>
             <a:r>
-              <a:rPr lang="ko-KR" altLang="en-US"/>
+              <a:rPr lang="ko-KR" altLang="en-US" smtClean="0"/>
               <a:t>넷째 수준</a:t>
             </a:r>
           </a:p>
           <a:p>
             <a:pPr lvl="4"/>
             <a:r>
-              <a:rPr lang="ko-KR" altLang="en-US"/>
+              <a:rPr lang="ko-KR" altLang="en-US" smtClean="0"/>
               <a:t>다섯째 수준</a:t>
             </a:r>
             <a:endParaRPr lang="en-US" dirty="0"/>
@@ -1239,7 +1240,7 @@
           <a:p>
             <a:fld id="{FEB97611-7D34-4565-8BE2-EC668B9DC89E}" type="datetimeFigureOut">
               <a:rPr lang="ko-KR" altLang="en-US" smtClean="0"/>
-              <a:t>2016-05-24</a:t>
+              <a:t>2016-05-30</a:t>
             </a:fld>
             <a:endParaRPr lang="ko-KR" altLang="en-US"/>
           </a:p>
@@ -1290,7 +1291,7 @@
     </p:spTree>
     <p:extLst>
       <p:ext uri="{BB962C8B-B14F-4D97-AF65-F5344CB8AC3E}">
-        <p14:creationId xmlns:p14="http://schemas.microsoft.com/office/powerpoint/2010/main" val="1687923238"/>
+        <p14:creationId xmlns:p14="http://schemas.microsoft.com/office/powerpoint/2010/main" val="649166837"/>
       </p:ext>
     </p:extLst>
   </p:cSld>
@@ -1329,8 +1330,8 @@
         </p:nvSpPr>
         <p:spPr>
           <a:xfrm>
-            <a:off x="2479671" y="1916661"/>
-            <a:ext cx="31049774" cy="6958285"/>
+            <a:off x="3306228" y="1916661"/>
+            <a:ext cx="41399698" cy="6958285"/>
           </a:xfrm>
         </p:spPr>
         <p:txBody>
@@ -1338,7 +1339,7 @@
           <a:lstStyle/>
           <a:p>
             <a:r>
-              <a:rPr lang="ko-KR" altLang="en-US"/>
+              <a:rPr lang="ko-KR" altLang="en-US" smtClean="0"/>
               <a:t>마스터 제목 스타일 편집</a:t>
             </a:r>
             <a:endParaRPr lang="en-US" dirty="0"/>
@@ -1357,8 +1358,8 @@
         </p:nvSpPr>
         <p:spPr>
           <a:xfrm>
-            <a:off x="2479675" y="8824938"/>
-            <a:ext cx="15229574" cy="4324966"/>
+            <a:off x="3306233" y="8824938"/>
+            <a:ext cx="20306099" cy="4324966"/>
           </a:xfrm>
         </p:spPr>
         <p:txBody>
@@ -1366,45 +1367,45 @@
           <a:lstStyle>
             <a:lvl1pPr marL="0" indent="0">
               <a:buNone/>
+              <a:defRPr sz="12598" b="1"/>
+            </a:lvl1pPr>
+            <a:lvl2pPr marL="2399980" indent="0">
+              <a:buNone/>
+              <a:defRPr sz="10499" b="1"/>
+            </a:lvl2pPr>
+            <a:lvl3pPr marL="4799960" indent="0">
+              <a:buNone/>
               <a:defRPr sz="9449" b="1"/>
-            </a:lvl1pPr>
-            <a:lvl2pPr marL="1799996" indent="0">
+            </a:lvl3pPr>
+            <a:lvl4pPr marL="7199940" indent="0">
               <a:buNone/>
-              <a:defRPr sz="7874" b="1"/>
-            </a:lvl2pPr>
-            <a:lvl3pPr marL="3599993" indent="0">
+              <a:defRPr sz="8399" b="1"/>
+            </a:lvl4pPr>
+            <a:lvl5pPr marL="9599920" indent="0">
               <a:buNone/>
-              <a:defRPr sz="7087" b="1"/>
-            </a:lvl3pPr>
-            <a:lvl4pPr marL="5399989" indent="0">
+              <a:defRPr sz="8399" b="1"/>
+            </a:lvl5pPr>
+            <a:lvl6pPr marL="11999900" indent="0">
               <a:buNone/>
-              <a:defRPr sz="6299" b="1"/>
-            </a:lvl4pPr>
-            <a:lvl5pPr marL="7199986" indent="0">
+              <a:defRPr sz="8399" b="1"/>
+            </a:lvl6pPr>
+            <a:lvl7pPr marL="14399880" indent="0">
               <a:buNone/>
-              <a:defRPr sz="6299" b="1"/>
-            </a:lvl5pPr>
-            <a:lvl6pPr marL="8999982" indent="0">
+              <a:defRPr sz="8399" b="1"/>
+            </a:lvl7pPr>
+            <a:lvl8pPr marL="16799860" indent="0">
               <a:buNone/>
-              <a:defRPr sz="6299" b="1"/>
-            </a:lvl6pPr>
-            <a:lvl7pPr marL="10799978" indent="0">
+              <a:defRPr sz="8399" b="1"/>
+            </a:lvl8pPr>
+            <a:lvl9pPr marL="19199840" indent="0">
               <a:buNone/>
-              <a:defRPr sz="6299" b="1"/>
-            </a:lvl7pPr>
-            <a:lvl8pPr marL="12599975" indent="0">
-              <a:buNone/>
-              <a:defRPr sz="6299" b="1"/>
-            </a:lvl8pPr>
-            <a:lvl9pPr marL="14399971" indent="0">
-              <a:buNone/>
-              <a:defRPr sz="6299" b="1"/>
+              <a:defRPr sz="8399" b="1"/>
             </a:lvl9pPr>
           </a:lstStyle>
           <a:p>
             <a:pPr lvl="0"/>
             <a:r>
-              <a:rPr lang="ko-KR" altLang="en-US"/>
+              <a:rPr lang="ko-KR" altLang="en-US" smtClean="0"/>
               <a:t>마스터 텍스트 스타일 편집</a:t>
             </a:r>
           </a:p>
@@ -1422,8 +1423,8 @@
         </p:nvSpPr>
         <p:spPr>
           <a:xfrm>
-            <a:off x="2479675" y="13149904"/>
-            <a:ext cx="15229574" cy="19341529"/>
+            <a:off x="3306233" y="13149904"/>
+            <a:ext cx="20306099" cy="19341529"/>
           </a:xfrm>
         </p:spPr>
         <p:txBody>
@@ -1432,35 +1433,35 @@
           <a:p>
             <a:pPr lvl="0"/>
             <a:r>
-              <a:rPr lang="ko-KR" altLang="en-US"/>
+              <a:rPr lang="ko-KR" altLang="en-US" smtClean="0"/>
               <a:t>마스터 텍스트 스타일 편집</a:t>
             </a:r>
           </a:p>
           <a:p>
             <a:pPr lvl="1"/>
             <a:r>
-              <a:rPr lang="ko-KR" altLang="en-US"/>
+              <a:rPr lang="ko-KR" altLang="en-US" smtClean="0"/>
               <a:t>둘째 수준</a:t>
             </a:r>
           </a:p>
           <a:p>
             <a:pPr lvl="2"/>
             <a:r>
-              <a:rPr lang="ko-KR" altLang="en-US"/>
+              <a:rPr lang="ko-KR" altLang="en-US" smtClean="0"/>
               <a:t>셋째 수준</a:t>
             </a:r>
           </a:p>
           <a:p>
             <a:pPr lvl="3"/>
             <a:r>
-              <a:rPr lang="ko-KR" altLang="en-US"/>
+              <a:rPr lang="ko-KR" altLang="en-US" smtClean="0"/>
               <a:t>넷째 수준</a:t>
             </a:r>
           </a:p>
           <a:p>
             <a:pPr lvl="4"/>
             <a:r>
-              <a:rPr lang="ko-KR" altLang="en-US"/>
+              <a:rPr lang="ko-KR" altLang="en-US" smtClean="0"/>
               <a:t>다섯째 수준</a:t>
             </a:r>
             <a:endParaRPr lang="en-US" dirty="0"/>
@@ -1479,8 +1480,8 @@
         </p:nvSpPr>
         <p:spPr>
           <a:xfrm>
-            <a:off x="18224869" y="8824938"/>
-            <a:ext cx="15304578" cy="4324966"/>
+            <a:off x="24299826" y="8824938"/>
+            <a:ext cx="20406103" cy="4324966"/>
           </a:xfrm>
         </p:spPr>
         <p:txBody>
@@ -1488,45 +1489,45 @@
           <a:lstStyle>
             <a:lvl1pPr marL="0" indent="0">
               <a:buNone/>
+              <a:defRPr sz="12598" b="1"/>
+            </a:lvl1pPr>
+            <a:lvl2pPr marL="2399980" indent="0">
+              <a:buNone/>
+              <a:defRPr sz="10499" b="1"/>
+            </a:lvl2pPr>
+            <a:lvl3pPr marL="4799960" indent="0">
+              <a:buNone/>
               <a:defRPr sz="9449" b="1"/>
-            </a:lvl1pPr>
-            <a:lvl2pPr marL="1799996" indent="0">
+            </a:lvl3pPr>
+            <a:lvl4pPr marL="7199940" indent="0">
               <a:buNone/>
-              <a:defRPr sz="7874" b="1"/>
-            </a:lvl2pPr>
-            <a:lvl3pPr marL="3599993" indent="0">
+              <a:defRPr sz="8399" b="1"/>
+            </a:lvl4pPr>
+            <a:lvl5pPr marL="9599920" indent="0">
               <a:buNone/>
-              <a:defRPr sz="7087" b="1"/>
-            </a:lvl3pPr>
-            <a:lvl4pPr marL="5399989" indent="0">
+              <a:defRPr sz="8399" b="1"/>
+            </a:lvl5pPr>
+            <a:lvl6pPr marL="11999900" indent="0">
               <a:buNone/>
-              <a:defRPr sz="6299" b="1"/>
-            </a:lvl4pPr>
-            <a:lvl5pPr marL="7199986" indent="0">
+              <a:defRPr sz="8399" b="1"/>
+            </a:lvl6pPr>
+            <a:lvl7pPr marL="14399880" indent="0">
               <a:buNone/>
-              <a:defRPr sz="6299" b="1"/>
-            </a:lvl5pPr>
-            <a:lvl6pPr marL="8999982" indent="0">
+              <a:defRPr sz="8399" b="1"/>
+            </a:lvl7pPr>
+            <a:lvl8pPr marL="16799860" indent="0">
               <a:buNone/>
-              <a:defRPr sz="6299" b="1"/>
-            </a:lvl6pPr>
-            <a:lvl7pPr marL="10799978" indent="0">
+              <a:defRPr sz="8399" b="1"/>
+            </a:lvl8pPr>
+            <a:lvl9pPr marL="19199840" indent="0">
               <a:buNone/>
-              <a:defRPr sz="6299" b="1"/>
-            </a:lvl7pPr>
-            <a:lvl8pPr marL="12599975" indent="0">
-              <a:buNone/>
-              <a:defRPr sz="6299" b="1"/>
-            </a:lvl8pPr>
-            <a:lvl9pPr marL="14399971" indent="0">
-              <a:buNone/>
-              <a:defRPr sz="6299" b="1"/>
+              <a:defRPr sz="8399" b="1"/>
             </a:lvl9pPr>
           </a:lstStyle>
           <a:p>
             <a:pPr lvl="0"/>
             <a:r>
-              <a:rPr lang="ko-KR" altLang="en-US"/>
+              <a:rPr lang="ko-KR" altLang="en-US" smtClean="0"/>
               <a:t>마스터 텍스트 스타일 편집</a:t>
             </a:r>
           </a:p>
@@ -1544,8 +1545,8 @@
         </p:nvSpPr>
         <p:spPr>
           <a:xfrm>
-            <a:off x="18224869" y="13149904"/>
-            <a:ext cx="15304578" cy="19341529"/>
+            <a:off x="24299826" y="13149904"/>
+            <a:ext cx="20406103" cy="19341529"/>
           </a:xfrm>
         </p:spPr>
         <p:txBody>
@@ -1554,35 +1555,35 @@
           <a:p>
             <a:pPr lvl="0"/>
             <a:r>
-              <a:rPr lang="ko-KR" altLang="en-US"/>
+              <a:rPr lang="ko-KR" altLang="en-US" smtClean="0"/>
               <a:t>마스터 텍스트 스타일 편집</a:t>
             </a:r>
           </a:p>
           <a:p>
             <a:pPr lvl="1"/>
             <a:r>
-              <a:rPr lang="ko-KR" altLang="en-US"/>
+              <a:rPr lang="ko-KR" altLang="en-US" smtClean="0"/>
               <a:t>둘째 수준</a:t>
             </a:r>
           </a:p>
           <a:p>
             <a:pPr lvl="2"/>
             <a:r>
-              <a:rPr lang="ko-KR" altLang="en-US"/>
+              <a:rPr lang="ko-KR" altLang="en-US" smtClean="0"/>
               <a:t>셋째 수준</a:t>
             </a:r>
           </a:p>
           <a:p>
             <a:pPr lvl="3"/>
             <a:r>
-              <a:rPr lang="ko-KR" altLang="en-US"/>
+              <a:rPr lang="ko-KR" altLang="en-US" smtClean="0"/>
               <a:t>넷째 수준</a:t>
             </a:r>
           </a:p>
           <a:p>
             <a:pPr lvl="4"/>
             <a:r>
-              <a:rPr lang="ko-KR" altLang="en-US"/>
+              <a:rPr lang="ko-KR" altLang="en-US" smtClean="0"/>
               <a:t>다섯째 수준</a:t>
             </a:r>
             <a:endParaRPr lang="en-US" dirty="0"/>
@@ -1606,7 +1607,7 @@
           <a:p>
             <a:fld id="{FEB97611-7D34-4565-8BE2-EC668B9DC89E}" type="datetimeFigureOut">
               <a:rPr lang="ko-KR" altLang="en-US" smtClean="0"/>
-              <a:t>2016-05-24</a:t>
+              <a:t>2016-05-30</a:t>
             </a:fld>
             <a:endParaRPr lang="ko-KR" altLang="en-US"/>
           </a:p>
@@ -1657,7 +1658,7 @@
     </p:spTree>
     <p:extLst>
       <p:ext uri="{BB962C8B-B14F-4D97-AF65-F5344CB8AC3E}">
-        <p14:creationId xmlns:p14="http://schemas.microsoft.com/office/powerpoint/2010/main" val="2395072011"/>
+        <p14:creationId xmlns:p14="http://schemas.microsoft.com/office/powerpoint/2010/main" val="3391371655"/>
       </p:ext>
     </p:extLst>
   </p:cSld>
@@ -1700,7 +1701,7 @@
           <a:lstStyle/>
           <a:p>
             <a:r>
-              <a:rPr lang="ko-KR" altLang="en-US"/>
+              <a:rPr lang="ko-KR" altLang="en-US" smtClean="0"/>
               <a:t>마스터 제목 스타일 편집</a:t>
             </a:r>
             <a:endParaRPr lang="en-US" dirty="0"/>
@@ -1724,7 +1725,7 @@
           <a:p>
             <a:fld id="{FEB97611-7D34-4565-8BE2-EC668B9DC89E}" type="datetimeFigureOut">
               <a:rPr lang="ko-KR" altLang="en-US" smtClean="0"/>
-              <a:t>2016-05-24</a:t>
+              <a:t>2016-05-30</a:t>
             </a:fld>
             <a:endParaRPr lang="ko-KR" altLang="en-US"/>
           </a:p>
@@ -1775,7 +1776,7 @@
     </p:spTree>
     <p:extLst>
       <p:ext uri="{BB962C8B-B14F-4D97-AF65-F5344CB8AC3E}">
-        <p14:creationId xmlns:p14="http://schemas.microsoft.com/office/powerpoint/2010/main" val="2021860066"/>
+        <p14:creationId xmlns:p14="http://schemas.microsoft.com/office/powerpoint/2010/main" val="887805866"/>
       </p:ext>
     </p:extLst>
   </p:cSld>
@@ -1819,7 +1820,7 @@
           <a:p>
             <a:fld id="{FEB97611-7D34-4565-8BE2-EC668B9DC89E}" type="datetimeFigureOut">
               <a:rPr lang="ko-KR" altLang="en-US" smtClean="0"/>
-              <a:t>2016-05-24</a:t>
+              <a:t>2016-05-30</a:t>
             </a:fld>
             <a:endParaRPr lang="ko-KR" altLang="en-US"/>
           </a:p>
@@ -1870,7 +1871,7 @@
     </p:spTree>
     <p:extLst>
       <p:ext uri="{BB962C8B-B14F-4D97-AF65-F5344CB8AC3E}">
-        <p14:creationId xmlns:p14="http://schemas.microsoft.com/office/powerpoint/2010/main" val="2787611932"/>
+        <p14:creationId xmlns:p14="http://schemas.microsoft.com/office/powerpoint/2010/main" val="527047435"/>
       </p:ext>
     </p:extLst>
   </p:cSld>
@@ -1909,20 +1910,20 @@
         </p:nvSpPr>
         <p:spPr>
           <a:xfrm>
-            <a:off x="2479671" y="2399982"/>
-            <a:ext cx="11610853" cy="8399939"/>
+            <a:off x="3306228" y="2399982"/>
+            <a:ext cx="15481136" cy="8399939"/>
           </a:xfrm>
         </p:spPr>
         <p:txBody>
           <a:bodyPr anchor="b"/>
           <a:lstStyle>
             <a:lvl1pPr>
-              <a:defRPr sz="12598"/>
+              <a:defRPr sz="16798"/>
             </a:lvl1pPr>
           </a:lstStyle>
           <a:p>
             <a:r>
-              <a:rPr lang="ko-KR" altLang="en-US"/>
+              <a:rPr lang="ko-KR" altLang="en-US" smtClean="0"/>
               <a:t>마스터 제목 스타일 편집</a:t>
             </a:r>
             <a:endParaRPr lang="en-US" dirty="0"/>
@@ -1941,73 +1942,73 @@
         </p:nvSpPr>
         <p:spPr>
           <a:xfrm>
-            <a:off x="15304578" y="5183304"/>
-            <a:ext cx="18224867" cy="25583147"/>
+            <a:off x="20406103" y="5183304"/>
+            <a:ext cx="24299823" cy="25583147"/>
           </a:xfrm>
         </p:spPr>
         <p:txBody>
           <a:bodyPr/>
           <a:lstStyle>
             <a:lvl1pPr>
-              <a:defRPr sz="12598"/>
+              <a:defRPr sz="16798"/>
             </a:lvl1pPr>
             <a:lvl2pPr>
-              <a:defRPr sz="11024"/>
+              <a:defRPr sz="14698"/>
             </a:lvl2pPr>
             <a:lvl3pPr>
-              <a:defRPr sz="9449"/>
+              <a:defRPr sz="12598"/>
             </a:lvl3pPr>
             <a:lvl4pPr>
-              <a:defRPr sz="7874"/>
+              <a:defRPr sz="10499"/>
             </a:lvl4pPr>
             <a:lvl5pPr>
-              <a:defRPr sz="7874"/>
+              <a:defRPr sz="10499"/>
             </a:lvl5pPr>
             <a:lvl6pPr>
-              <a:defRPr sz="7874"/>
+              <a:defRPr sz="10499"/>
             </a:lvl6pPr>
             <a:lvl7pPr>
-              <a:defRPr sz="7874"/>
+              <a:defRPr sz="10499"/>
             </a:lvl7pPr>
             <a:lvl8pPr>
-              <a:defRPr sz="7874"/>
+              <a:defRPr sz="10499"/>
             </a:lvl8pPr>
             <a:lvl9pPr>
-              <a:defRPr sz="7874"/>
+              <a:defRPr sz="10499"/>
             </a:lvl9pPr>
           </a:lstStyle>
           <a:p>
             <a:pPr lvl="0"/>
             <a:r>
-              <a:rPr lang="ko-KR" altLang="en-US"/>
+              <a:rPr lang="ko-KR" altLang="en-US" smtClean="0"/>
               <a:t>마스터 텍스트 스타일 편집</a:t>
             </a:r>
           </a:p>
           <a:p>
             <a:pPr lvl="1"/>
             <a:r>
-              <a:rPr lang="ko-KR" altLang="en-US"/>
+              <a:rPr lang="ko-KR" altLang="en-US" smtClean="0"/>
               <a:t>둘째 수준</a:t>
             </a:r>
           </a:p>
           <a:p>
             <a:pPr lvl="2"/>
             <a:r>
-              <a:rPr lang="ko-KR" altLang="en-US"/>
+              <a:rPr lang="ko-KR" altLang="en-US" smtClean="0"/>
               <a:t>셋째 수준</a:t>
             </a:r>
           </a:p>
           <a:p>
             <a:pPr lvl="3"/>
             <a:r>
-              <a:rPr lang="ko-KR" altLang="en-US"/>
+              <a:rPr lang="ko-KR" altLang="en-US" smtClean="0"/>
               <a:t>넷째 수준</a:t>
             </a:r>
           </a:p>
           <a:p>
             <a:pPr lvl="4"/>
             <a:r>
-              <a:rPr lang="ko-KR" altLang="en-US"/>
+              <a:rPr lang="ko-KR" altLang="en-US" smtClean="0"/>
               <a:t>다섯째 수준</a:t>
             </a:r>
             <a:endParaRPr lang="en-US" dirty="0"/>
@@ -2026,8 +2027,8 @@
         </p:nvSpPr>
         <p:spPr>
           <a:xfrm>
-            <a:off x="2479671" y="10799922"/>
-            <a:ext cx="11610853" cy="20008190"/>
+            <a:off x="3306228" y="10799922"/>
+            <a:ext cx="15481136" cy="20008190"/>
           </a:xfrm>
         </p:spPr>
         <p:txBody>
@@ -2035,45 +2036,45 @@
           <a:lstStyle>
             <a:lvl1pPr marL="0" indent="0">
               <a:buNone/>
+              <a:defRPr sz="8399"/>
+            </a:lvl1pPr>
+            <a:lvl2pPr marL="2399980" indent="0">
+              <a:buNone/>
+              <a:defRPr sz="7349"/>
+            </a:lvl2pPr>
+            <a:lvl3pPr marL="4799960" indent="0">
+              <a:buNone/>
               <a:defRPr sz="6299"/>
-            </a:lvl1pPr>
-            <a:lvl2pPr marL="1799996" indent="0">
+            </a:lvl3pPr>
+            <a:lvl4pPr marL="7199940" indent="0">
               <a:buNone/>
-              <a:defRPr sz="5512"/>
-            </a:lvl2pPr>
-            <a:lvl3pPr marL="3599993" indent="0">
+              <a:defRPr sz="5249"/>
+            </a:lvl4pPr>
+            <a:lvl5pPr marL="9599920" indent="0">
               <a:buNone/>
-              <a:defRPr sz="4724"/>
-            </a:lvl3pPr>
-            <a:lvl4pPr marL="5399989" indent="0">
+              <a:defRPr sz="5249"/>
+            </a:lvl5pPr>
+            <a:lvl6pPr marL="11999900" indent="0">
               <a:buNone/>
-              <a:defRPr sz="3937"/>
-            </a:lvl4pPr>
-            <a:lvl5pPr marL="7199986" indent="0">
+              <a:defRPr sz="5249"/>
+            </a:lvl6pPr>
+            <a:lvl7pPr marL="14399880" indent="0">
               <a:buNone/>
-              <a:defRPr sz="3937"/>
-            </a:lvl5pPr>
-            <a:lvl6pPr marL="8999982" indent="0">
+              <a:defRPr sz="5249"/>
+            </a:lvl7pPr>
+            <a:lvl8pPr marL="16799860" indent="0">
               <a:buNone/>
-              <a:defRPr sz="3937"/>
-            </a:lvl6pPr>
-            <a:lvl7pPr marL="10799978" indent="0">
+              <a:defRPr sz="5249"/>
+            </a:lvl8pPr>
+            <a:lvl9pPr marL="19199840" indent="0">
               <a:buNone/>
-              <a:defRPr sz="3937"/>
-            </a:lvl7pPr>
-            <a:lvl8pPr marL="12599975" indent="0">
-              <a:buNone/>
-              <a:defRPr sz="3937"/>
-            </a:lvl8pPr>
-            <a:lvl9pPr marL="14399971" indent="0">
-              <a:buNone/>
-              <a:defRPr sz="3937"/>
+              <a:defRPr sz="5249"/>
             </a:lvl9pPr>
           </a:lstStyle>
           <a:p>
             <a:pPr lvl="0"/>
             <a:r>
-              <a:rPr lang="ko-KR" altLang="en-US"/>
+              <a:rPr lang="ko-KR" altLang="en-US" smtClean="0"/>
               <a:t>마스터 텍스트 스타일 편집</a:t>
             </a:r>
           </a:p>
@@ -2096,7 +2097,7 @@
           <a:p>
             <a:fld id="{FEB97611-7D34-4565-8BE2-EC668B9DC89E}" type="datetimeFigureOut">
               <a:rPr lang="ko-KR" altLang="en-US" smtClean="0"/>
-              <a:t>2016-05-24</a:t>
+              <a:t>2016-05-30</a:t>
             </a:fld>
             <a:endParaRPr lang="ko-KR" altLang="en-US"/>
           </a:p>
@@ -2147,7 +2148,7 @@
     </p:spTree>
     <p:extLst>
       <p:ext uri="{BB962C8B-B14F-4D97-AF65-F5344CB8AC3E}">
-        <p14:creationId xmlns:p14="http://schemas.microsoft.com/office/powerpoint/2010/main" val="478914223"/>
+        <p14:creationId xmlns:p14="http://schemas.microsoft.com/office/powerpoint/2010/main" val="67376132"/>
       </p:ext>
     </p:extLst>
   </p:cSld>
@@ -2186,20 +2187,20 @@
         </p:nvSpPr>
         <p:spPr>
           <a:xfrm>
-            <a:off x="2479671" y="2399982"/>
-            <a:ext cx="11610853" cy="8399939"/>
+            <a:off x="3306228" y="2399982"/>
+            <a:ext cx="15481136" cy="8399939"/>
           </a:xfrm>
         </p:spPr>
         <p:txBody>
           <a:bodyPr anchor="b"/>
           <a:lstStyle>
             <a:lvl1pPr>
-              <a:defRPr sz="12598"/>
+              <a:defRPr sz="16798"/>
             </a:lvl1pPr>
           </a:lstStyle>
           <a:p>
             <a:r>
-              <a:rPr lang="ko-KR" altLang="en-US"/>
+              <a:rPr lang="ko-KR" altLang="en-US" smtClean="0"/>
               <a:t>마스터 제목 스타일 편집</a:t>
             </a:r>
             <a:endParaRPr lang="en-US" dirty="0"/>
@@ -2218,8 +2219,8 @@
         </p:nvSpPr>
         <p:spPr>
           <a:xfrm>
-            <a:off x="15304578" y="5183304"/>
-            <a:ext cx="18224867" cy="25583147"/>
+            <a:off x="20406103" y="5183304"/>
+            <a:ext cx="24299823" cy="25583147"/>
           </a:xfrm>
         </p:spPr>
         <p:txBody>
@@ -2227,44 +2228,44 @@
           <a:lstStyle>
             <a:lvl1pPr marL="0" indent="0">
               <a:buNone/>
+              <a:defRPr sz="16798"/>
+            </a:lvl1pPr>
+            <a:lvl2pPr marL="2399980" indent="0">
+              <a:buNone/>
+              <a:defRPr sz="14698"/>
+            </a:lvl2pPr>
+            <a:lvl3pPr marL="4799960" indent="0">
+              <a:buNone/>
               <a:defRPr sz="12598"/>
-            </a:lvl1pPr>
-            <a:lvl2pPr marL="1799996" indent="0">
+            </a:lvl3pPr>
+            <a:lvl4pPr marL="7199940" indent="0">
               <a:buNone/>
-              <a:defRPr sz="11024"/>
-            </a:lvl2pPr>
-            <a:lvl3pPr marL="3599993" indent="0">
+              <a:defRPr sz="10499"/>
+            </a:lvl4pPr>
+            <a:lvl5pPr marL="9599920" indent="0">
               <a:buNone/>
-              <a:defRPr sz="9449"/>
-            </a:lvl3pPr>
-            <a:lvl4pPr marL="5399989" indent="0">
+              <a:defRPr sz="10499"/>
+            </a:lvl5pPr>
+            <a:lvl6pPr marL="11999900" indent="0">
               <a:buNone/>
-              <a:defRPr sz="7874"/>
-            </a:lvl4pPr>
-            <a:lvl5pPr marL="7199986" indent="0">
+              <a:defRPr sz="10499"/>
+            </a:lvl6pPr>
+            <a:lvl7pPr marL="14399880" indent="0">
               <a:buNone/>
-              <a:defRPr sz="7874"/>
-            </a:lvl5pPr>
-            <a:lvl6pPr marL="8999982" indent="0">
+              <a:defRPr sz="10499"/>
+            </a:lvl7pPr>
+            <a:lvl8pPr marL="16799860" indent="0">
               <a:buNone/>
-              <a:defRPr sz="7874"/>
-            </a:lvl6pPr>
-            <a:lvl7pPr marL="10799978" indent="0">
+              <a:defRPr sz="10499"/>
+            </a:lvl8pPr>
+            <a:lvl9pPr marL="19199840" indent="0">
               <a:buNone/>
-              <a:defRPr sz="7874"/>
-            </a:lvl7pPr>
-            <a:lvl8pPr marL="12599975" indent="0">
-              <a:buNone/>
-              <a:defRPr sz="7874"/>
-            </a:lvl8pPr>
-            <a:lvl9pPr marL="14399971" indent="0">
-              <a:buNone/>
-              <a:defRPr sz="7874"/>
+              <a:defRPr sz="10499"/>
             </a:lvl9pPr>
           </a:lstStyle>
           <a:p>
             <a:r>
-              <a:rPr lang="ko-KR" altLang="en-US"/>
+              <a:rPr lang="ko-KR" altLang="en-US" smtClean="0"/>
               <a:t>그림을 추가하려면 아이콘을 클릭하십시오</a:t>
             </a:r>
             <a:endParaRPr lang="en-US" dirty="0"/>
@@ -2283,8 +2284,8 @@
         </p:nvSpPr>
         <p:spPr>
           <a:xfrm>
-            <a:off x="2479671" y="10799922"/>
-            <a:ext cx="11610853" cy="20008190"/>
+            <a:off x="3306228" y="10799922"/>
+            <a:ext cx="15481136" cy="20008190"/>
           </a:xfrm>
         </p:spPr>
         <p:txBody>
@@ -2292,45 +2293,45 @@
           <a:lstStyle>
             <a:lvl1pPr marL="0" indent="0">
               <a:buNone/>
+              <a:defRPr sz="8399"/>
+            </a:lvl1pPr>
+            <a:lvl2pPr marL="2399980" indent="0">
+              <a:buNone/>
+              <a:defRPr sz="7349"/>
+            </a:lvl2pPr>
+            <a:lvl3pPr marL="4799960" indent="0">
+              <a:buNone/>
               <a:defRPr sz="6299"/>
-            </a:lvl1pPr>
-            <a:lvl2pPr marL="1799996" indent="0">
+            </a:lvl3pPr>
+            <a:lvl4pPr marL="7199940" indent="0">
               <a:buNone/>
-              <a:defRPr sz="5512"/>
-            </a:lvl2pPr>
-            <a:lvl3pPr marL="3599993" indent="0">
+              <a:defRPr sz="5249"/>
+            </a:lvl4pPr>
+            <a:lvl5pPr marL="9599920" indent="0">
               <a:buNone/>
-              <a:defRPr sz="4724"/>
-            </a:lvl3pPr>
-            <a:lvl4pPr marL="5399989" indent="0">
+              <a:defRPr sz="5249"/>
+            </a:lvl5pPr>
+            <a:lvl6pPr marL="11999900" indent="0">
               <a:buNone/>
-              <a:defRPr sz="3937"/>
-            </a:lvl4pPr>
-            <a:lvl5pPr marL="7199986" indent="0">
+              <a:defRPr sz="5249"/>
+            </a:lvl6pPr>
+            <a:lvl7pPr marL="14399880" indent="0">
               <a:buNone/>
-              <a:defRPr sz="3937"/>
-            </a:lvl5pPr>
-            <a:lvl6pPr marL="8999982" indent="0">
+              <a:defRPr sz="5249"/>
+            </a:lvl7pPr>
+            <a:lvl8pPr marL="16799860" indent="0">
               <a:buNone/>
-              <a:defRPr sz="3937"/>
-            </a:lvl6pPr>
-            <a:lvl7pPr marL="10799978" indent="0">
+              <a:defRPr sz="5249"/>
+            </a:lvl8pPr>
+            <a:lvl9pPr marL="19199840" indent="0">
               <a:buNone/>
-              <a:defRPr sz="3937"/>
-            </a:lvl7pPr>
-            <a:lvl8pPr marL="12599975" indent="0">
-              <a:buNone/>
-              <a:defRPr sz="3937"/>
-            </a:lvl8pPr>
-            <a:lvl9pPr marL="14399971" indent="0">
-              <a:buNone/>
-              <a:defRPr sz="3937"/>
+              <a:defRPr sz="5249"/>
             </a:lvl9pPr>
           </a:lstStyle>
           <a:p>
             <a:pPr lvl="0"/>
             <a:r>
-              <a:rPr lang="ko-KR" altLang="en-US"/>
+              <a:rPr lang="ko-KR" altLang="en-US" smtClean="0"/>
               <a:t>마스터 텍스트 스타일 편집</a:t>
             </a:r>
           </a:p>
@@ -2353,7 +2354,7 @@
           <a:p>
             <a:fld id="{FEB97611-7D34-4565-8BE2-EC668B9DC89E}" type="datetimeFigureOut">
               <a:rPr lang="ko-KR" altLang="en-US" smtClean="0"/>
-              <a:t>2016-05-24</a:t>
+              <a:t>2016-05-30</a:t>
             </a:fld>
             <a:endParaRPr lang="ko-KR" altLang="en-US"/>
           </a:p>
@@ -2404,7 +2405,7 @@
     </p:spTree>
     <p:extLst>
       <p:ext uri="{BB962C8B-B14F-4D97-AF65-F5344CB8AC3E}">
-        <p14:creationId xmlns:p14="http://schemas.microsoft.com/office/powerpoint/2010/main" val="2373045268"/>
+        <p14:creationId xmlns:p14="http://schemas.microsoft.com/office/powerpoint/2010/main" val="3309930572"/>
       </p:ext>
     </p:extLst>
   </p:cSld>
@@ -2448,8 +2449,8 @@
         </p:nvSpPr>
         <p:spPr>
           <a:xfrm>
-            <a:off x="2474982" y="1916661"/>
-            <a:ext cx="31049774" cy="6958285"/>
+            <a:off x="3299976" y="1916661"/>
+            <a:ext cx="41399698" cy="6958285"/>
           </a:xfrm>
           <a:prstGeom prst="rect">
             <a:avLst/>
@@ -2462,7 +2463,7 @@
           <a:lstStyle/>
           <a:p>
             <a:r>
-              <a:rPr lang="ko-KR" altLang="en-US"/>
+              <a:rPr lang="ko-KR" altLang="en-US" smtClean="0"/>
               <a:t>마스터 제목 스타일 편집</a:t>
             </a:r>
             <a:endParaRPr lang="en-US" dirty="0"/>
@@ -2481,8 +2482,8 @@
         </p:nvSpPr>
         <p:spPr>
           <a:xfrm>
-            <a:off x="2474982" y="9583264"/>
-            <a:ext cx="31049774" cy="22841503"/>
+            <a:off x="3299976" y="9583264"/>
+            <a:ext cx="41399698" cy="22841503"/>
           </a:xfrm>
           <a:prstGeom prst="rect">
             <a:avLst/>
@@ -2496,35 +2497,35 @@
           <a:p>
             <a:pPr lvl="0"/>
             <a:r>
-              <a:rPr lang="ko-KR" altLang="en-US"/>
+              <a:rPr lang="ko-KR" altLang="en-US" smtClean="0"/>
               <a:t>마스터 텍스트 스타일 편집</a:t>
             </a:r>
           </a:p>
           <a:p>
             <a:pPr lvl="1"/>
             <a:r>
-              <a:rPr lang="ko-KR" altLang="en-US"/>
+              <a:rPr lang="ko-KR" altLang="en-US" smtClean="0"/>
               <a:t>둘째 수준</a:t>
             </a:r>
           </a:p>
           <a:p>
             <a:pPr lvl="2"/>
             <a:r>
-              <a:rPr lang="ko-KR" altLang="en-US"/>
+              <a:rPr lang="ko-KR" altLang="en-US" smtClean="0"/>
               <a:t>셋째 수준</a:t>
             </a:r>
           </a:p>
           <a:p>
             <a:pPr lvl="3"/>
             <a:r>
-              <a:rPr lang="ko-KR" altLang="en-US"/>
+              <a:rPr lang="ko-KR" altLang="en-US" smtClean="0"/>
               <a:t>넷째 수준</a:t>
             </a:r>
           </a:p>
           <a:p>
             <a:pPr lvl="4"/>
             <a:r>
-              <a:rPr lang="ko-KR" altLang="en-US"/>
+              <a:rPr lang="ko-KR" altLang="en-US" smtClean="0"/>
               <a:t>다섯째 수준</a:t>
             </a:r>
             <a:endParaRPr lang="en-US" dirty="0"/>
@@ -2543,8 +2544,8 @@
         </p:nvSpPr>
         <p:spPr>
           <a:xfrm>
-            <a:off x="2474982" y="33366432"/>
-            <a:ext cx="8099941" cy="1916653"/>
+            <a:off x="3299976" y="33366432"/>
+            <a:ext cx="10799921" cy="1916653"/>
           </a:xfrm>
           <a:prstGeom prst="rect">
             <a:avLst/>
@@ -2554,7 +2555,7 @@
           <a:bodyPr vert="horz" lIns="91440" tIns="45720" rIns="91440" bIns="45720" rtlCol="0" anchor="ctr"/>
           <a:lstStyle>
             <a:lvl1pPr algn="l">
-              <a:defRPr sz="4724">
+              <a:defRPr sz="6299">
                 <a:solidFill>
                   <a:schemeClr val="tx1">
                     <a:tint val="75000"/>
@@ -2566,7 +2567,7 @@
           <a:p>
             <a:fld id="{FEB97611-7D34-4565-8BE2-EC668B9DC89E}" type="datetimeFigureOut">
               <a:rPr lang="ko-KR" altLang="en-US" smtClean="0"/>
-              <a:t>2016-05-24</a:t>
+              <a:t>2016-05-30</a:t>
             </a:fld>
             <a:endParaRPr lang="ko-KR" altLang="en-US"/>
           </a:p>
@@ -2584,8 +2585,8 @@
         </p:nvSpPr>
         <p:spPr>
           <a:xfrm>
-            <a:off x="11924913" y="33366432"/>
-            <a:ext cx="12149912" cy="1916653"/>
+            <a:off x="15899884" y="33366432"/>
+            <a:ext cx="16199882" cy="1916653"/>
           </a:xfrm>
           <a:prstGeom prst="rect">
             <a:avLst/>
@@ -2595,7 +2596,7 @@
           <a:bodyPr vert="horz" lIns="91440" tIns="45720" rIns="91440" bIns="45720" rtlCol="0" anchor="ctr"/>
           <a:lstStyle>
             <a:lvl1pPr algn="ctr">
-              <a:defRPr sz="4724">
+              <a:defRPr sz="6299">
                 <a:solidFill>
                   <a:schemeClr val="tx1">
                     <a:tint val="75000"/>
@@ -2621,8 +2622,8 @@
         </p:nvSpPr>
         <p:spPr>
           <a:xfrm>
-            <a:off x="25424815" y="33366432"/>
-            <a:ext cx="8099941" cy="1916653"/>
+            <a:off x="33899753" y="33366432"/>
+            <a:ext cx="10799921" cy="1916653"/>
           </a:xfrm>
           <a:prstGeom prst="rect">
             <a:avLst/>
@@ -2632,7 +2633,7 @@
           <a:bodyPr vert="horz" lIns="91440" tIns="45720" rIns="91440" bIns="45720" rtlCol="0" anchor="ctr"/>
           <a:lstStyle>
             <a:lvl1pPr algn="r">
-              <a:defRPr sz="4724">
+              <a:defRPr sz="6299">
                 <a:solidFill>
                   <a:schemeClr val="tx1">
                     <a:tint val="75000"/>
@@ -2653,27 +2654,27 @@
     </p:spTree>
     <p:extLst>
       <p:ext uri="{BB962C8B-B14F-4D97-AF65-F5344CB8AC3E}">
-        <p14:creationId xmlns:p14="http://schemas.microsoft.com/office/powerpoint/2010/main" val="3796727942"/>
+        <p14:creationId xmlns:p14="http://schemas.microsoft.com/office/powerpoint/2010/main" val="2063741595"/>
       </p:ext>
     </p:extLst>
   </p:cSld>
   <p:clrMap bg1="lt1" tx1="dk1" bg2="lt2" tx2="dk2" accent1="accent1" accent2="accent2" accent3="accent3" accent4="accent4" accent5="accent5" accent6="accent6" hlink="hlink" folHlink="folHlink"/>
   <p:sldLayoutIdLst>
-    <p:sldLayoutId id="2147483661" r:id="rId1"/>
-    <p:sldLayoutId id="2147483662" r:id="rId2"/>
-    <p:sldLayoutId id="2147483663" r:id="rId3"/>
-    <p:sldLayoutId id="2147483664" r:id="rId4"/>
-    <p:sldLayoutId id="2147483665" r:id="rId5"/>
-    <p:sldLayoutId id="2147483666" r:id="rId6"/>
-    <p:sldLayoutId id="2147483667" r:id="rId7"/>
-    <p:sldLayoutId id="2147483668" r:id="rId8"/>
-    <p:sldLayoutId id="2147483669" r:id="rId9"/>
-    <p:sldLayoutId id="2147483670" r:id="rId10"/>
-    <p:sldLayoutId id="2147483671" r:id="rId11"/>
+    <p:sldLayoutId id="2147483673" r:id="rId1"/>
+    <p:sldLayoutId id="2147483674" r:id="rId2"/>
+    <p:sldLayoutId id="2147483675" r:id="rId3"/>
+    <p:sldLayoutId id="2147483676" r:id="rId4"/>
+    <p:sldLayoutId id="2147483677" r:id="rId5"/>
+    <p:sldLayoutId id="2147483678" r:id="rId6"/>
+    <p:sldLayoutId id="2147483679" r:id="rId7"/>
+    <p:sldLayoutId id="2147483680" r:id="rId8"/>
+    <p:sldLayoutId id="2147483681" r:id="rId9"/>
+    <p:sldLayoutId id="2147483682" r:id="rId10"/>
+    <p:sldLayoutId id="2147483683" r:id="rId11"/>
   </p:sldLayoutIdLst>
   <p:txStyles>
     <p:titleStyle>
-      <a:lvl1pPr algn="l" defTabSz="3599993" rtl="0" eaLnBrk="1" latinLnBrk="1" hangingPunct="1">
+      <a:lvl1pPr algn="l" defTabSz="4799960" rtl="0" eaLnBrk="1" latinLnBrk="1" hangingPunct="1">
         <a:lnSpc>
           <a:spcPct val="90000"/>
         </a:lnSpc>
@@ -2681,7 +2682,7 @@
           <a:spcPct val="0"/>
         </a:spcBef>
         <a:buNone/>
-        <a:defRPr sz="17323" kern="1200">
+        <a:defRPr sz="23097" kern="1200">
           <a:solidFill>
             <a:schemeClr val="tx1"/>
           </a:solidFill>
@@ -2692,16 +2693,16 @@
       </a:lvl1pPr>
     </p:titleStyle>
     <p:bodyStyle>
-      <a:lvl1pPr marL="899998" indent="-899998" algn="l" defTabSz="3599993" rtl="0" eaLnBrk="1" latinLnBrk="1" hangingPunct="1">
+      <a:lvl1pPr marL="1199990" indent="-1199990" algn="l" defTabSz="4799960" rtl="0" eaLnBrk="1" latinLnBrk="1" hangingPunct="1">
         <a:lnSpc>
           <a:spcPct val="90000"/>
         </a:lnSpc>
         <a:spcBef>
-          <a:spcPts val="3937"/>
+          <a:spcPts val="5249"/>
         </a:spcBef>
         <a:buFont typeface="Arial" panose="020B0604020202020204" pitchFamily="34" charset="0"/>
         <a:buChar char="•"/>
-        <a:defRPr sz="11024" kern="1200">
+        <a:defRPr sz="14698" kern="1200">
           <a:solidFill>
             <a:schemeClr val="tx1"/>
           </a:solidFill>
@@ -2710,12 +2711,48 @@
           <a:cs typeface="+mn-cs"/>
         </a:defRPr>
       </a:lvl1pPr>
-      <a:lvl2pPr marL="2699995" indent="-899998" algn="l" defTabSz="3599993" rtl="0" eaLnBrk="1" latinLnBrk="1" hangingPunct="1">
+      <a:lvl2pPr marL="3599970" indent="-1199990" algn="l" defTabSz="4799960" rtl="0" eaLnBrk="1" latinLnBrk="1" hangingPunct="1">
         <a:lnSpc>
           <a:spcPct val="90000"/>
         </a:lnSpc>
         <a:spcBef>
-          <a:spcPts val="1968"/>
+          <a:spcPts val="2625"/>
+        </a:spcBef>
+        <a:buFont typeface="Arial" panose="020B0604020202020204" pitchFamily="34" charset="0"/>
+        <a:buChar char="•"/>
+        <a:defRPr sz="12598" kern="1200">
+          <a:solidFill>
+            <a:schemeClr val="tx1"/>
+          </a:solidFill>
+          <a:latin typeface="+mn-lt"/>
+          <a:ea typeface="+mn-ea"/>
+          <a:cs typeface="+mn-cs"/>
+        </a:defRPr>
+      </a:lvl2pPr>
+      <a:lvl3pPr marL="5999950" indent="-1199990" algn="l" defTabSz="4799960" rtl="0" eaLnBrk="1" latinLnBrk="1" hangingPunct="1">
+        <a:lnSpc>
+          <a:spcPct val="90000"/>
+        </a:lnSpc>
+        <a:spcBef>
+          <a:spcPts val="2625"/>
+        </a:spcBef>
+        <a:buFont typeface="Arial" panose="020B0604020202020204" pitchFamily="34" charset="0"/>
+        <a:buChar char="•"/>
+        <a:defRPr sz="10499" kern="1200">
+          <a:solidFill>
+            <a:schemeClr val="tx1"/>
+          </a:solidFill>
+          <a:latin typeface="+mn-lt"/>
+          <a:ea typeface="+mn-ea"/>
+          <a:cs typeface="+mn-cs"/>
+        </a:defRPr>
+      </a:lvl3pPr>
+      <a:lvl4pPr marL="8399930" indent="-1199990" algn="l" defTabSz="4799960" rtl="0" eaLnBrk="1" latinLnBrk="1" hangingPunct="1">
+        <a:lnSpc>
+          <a:spcPct val="90000"/>
+        </a:lnSpc>
+        <a:spcBef>
+          <a:spcPts val="2625"/>
         </a:spcBef>
         <a:buFont typeface="Arial" panose="020B0604020202020204" pitchFamily="34" charset="0"/>
         <a:buChar char="•"/>
@@ -2727,53 +2764,17 @@
           <a:ea typeface="+mn-ea"/>
           <a:cs typeface="+mn-cs"/>
         </a:defRPr>
-      </a:lvl2pPr>
-      <a:lvl3pPr marL="4499991" indent="-899998" algn="l" defTabSz="3599993" rtl="0" eaLnBrk="1" latinLnBrk="1" hangingPunct="1">
+      </a:lvl4pPr>
+      <a:lvl5pPr marL="10799910" indent="-1199990" algn="l" defTabSz="4799960" rtl="0" eaLnBrk="1" latinLnBrk="1" hangingPunct="1">
         <a:lnSpc>
           <a:spcPct val="90000"/>
         </a:lnSpc>
         <a:spcBef>
-          <a:spcPts val="1968"/>
+          <a:spcPts val="2625"/>
         </a:spcBef>
         <a:buFont typeface="Arial" panose="020B0604020202020204" pitchFamily="34" charset="0"/>
         <a:buChar char="•"/>
-        <a:defRPr sz="7874" kern="1200">
-          <a:solidFill>
-            <a:schemeClr val="tx1"/>
-          </a:solidFill>
-          <a:latin typeface="+mn-lt"/>
-          <a:ea typeface="+mn-ea"/>
-          <a:cs typeface="+mn-cs"/>
-        </a:defRPr>
-      </a:lvl3pPr>
-      <a:lvl4pPr marL="6299987" indent="-899998" algn="l" defTabSz="3599993" rtl="0" eaLnBrk="1" latinLnBrk="1" hangingPunct="1">
-        <a:lnSpc>
-          <a:spcPct val="90000"/>
-        </a:lnSpc>
-        <a:spcBef>
-          <a:spcPts val="1968"/>
-        </a:spcBef>
-        <a:buFont typeface="Arial" panose="020B0604020202020204" pitchFamily="34" charset="0"/>
-        <a:buChar char="•"/>
-        <a:defRPr sz="7087" kern="1200">
-          <a:solidFill>
-            <a:schemeClr val="tx1"/>
-          </a:solidFill>
-          <a:latin typeface="+mn-lt"/>
-          <a:ea typeface="+mn-ea"/>
-          <a:cs typeface="+mn-cs"/>
-        </a:defRPr>
-      </a:lvl4pPr>
-      <a:lvl5pPr marL="8099984" indent="-899998" algn="l" defTabSz="3599993" rtl="0" eaLnBrk="1" latinLnBrk="1" hangingPunct="1">
-        <a:lnSpc>
-          <a:spcPct val="90000"/>
-        </a:lnSpc>
-        <a:spcBef>
-          <a:spcPts val="1968"/>
-        </a:spcBef>
-        <a:buFont typeface="Arial" panose="020B0604020202020204" pitchFamily="34" charset="0"/>
-        <a:buChar char="•"/>
-        <a:defRPr sz="7087" kern="1200">
+        <a:defRPr sz="9449" kern="1200">
           <a:solidFill>
             <a:schemeClr val="tx1"/>
           </a:solidFill>
@@ -2782,16 +2783,16 @@
           <a:cs typeface="+mn-cs"/>
         </a:defRPr>
       </a:lvl5pPr>
-      <a:lvl6pPr marL="9899980" indent="-899998" algn="l" defTabSz="3599993" rtl="0" eaLnBrk="1" latinLnBrk="1" hangingPunct="1">
+      <a:lvl6pPr marL="13199890" indent="-1199990" algn="l" defTabSz="4799960" rtl="0" eaLnBrk="1" latinLnBrk="1" hangingPunct="1">
         <a:lnSpc>
           <a:spcPct val="90000"/>
         </a:lnSpc>
         <a:spcBef>
-          <a:spcPts val="1968"/>
+          <a:spcPts val="2625"/>
         </a:spcBef>
         <a:buFont typeface="Arial" panose="020B0604020202020204" pitchFamily="34" charset="0"/>
         <a:buChar char="•"/>
-        <a:defRPr sz="7087" kern="1200">
+        <a:defRPr sz="9449" kern="1200">
           <a:solidFill>
             <a:schemeClr val="tx1"/>
           </a:solidFill>
@@ -2800,16 +2801,16 @@
           <a:cs typeface="+mn-cs"/>
         </a:defRPr>
       </a:lvl6pPr>
-      <a:lvl7pPr marL="11699977" indent="-899998" algn="l" defTabSz="3599993" rtl="0" eaLnBrk="1" latinLnBrk="1" hangingPunct="1">
+      <a:lvl7pPr marL="15599870" indent="-1199990" algn="l" defTabSz="4799960" rtl="0" eaLnBrk="1" latinLnBrk="1" hangingPunct="1">
         <a:lnSpc>
           <a:spcPct val="90000"/>
         </a:lnSpc>
         <a:spcBef>
-          <a:spcPts val="1968"/>
+          <a:spcPts val="2625"/>
         </a:spcBef>
         <a:buFont typeface="Arial" panose="020B0604020202020204" pitchFamily="34" charset="0"/>
         <a:buChar char="•"/>
-        <a:defRPr sz="7087" kern="1200">
+        <a:defRPr sz="9449" kern="1200">
           <a:solidFill>
             <a:schemeClr val="tx1"/>
           </a:solidFill>
@@ -2818,16 +2819,16 @@
           <a:cs typeface="+mn-cs"/>
         </a:defRPr>
       </a:lvl7pPr>
-      <a:lvl8pPr marL="13499973" indent="-899998" algn="l" defTabSz="3599993" rtl="0" eaLnBrk="1" latinLnBrk="1" hangingPunct="1">
+      <a:lvl8pPr marL="17999850" indent="-1199990" algn="l" defTabSz="4799960" rtl="0" eaLnBrk="1" latinLnBrk="1" hangingPunct="1">
         <a:lnSpc>
           <a:spcPct val="90000"/>
         </a:lnSpc>
         <a:spcBef>
-          <a:spcPts val="1968"/>
+          <a:spcPts val="2625"/>
         </a:spcBef>
         <a:buFont typeface="Arial" panose="020B0604020202020204" pitchFamily="34" charset="0"/>
         <a:buChar char="•"/>
-        <a:defRPr sz="7087" kern="1200">
+        <a:defRPr sz="9449" kern="1200">
           <a:solidFill>
             <a:schemeClr val="tx1"/>
           </a:solidFill>
@@ -2836,16 +2837,16 @@
           <a:cs typeface="+mn-cs"/>
         </a:defRPr>
       </a:lvl8pPr>
-      <a:lvl9pPr marL="15299969" indent="-899998" algn="l" defTabSz="3599993" rtl="0" eaLnBrk="1" latinLnBrk="1" hangingPunct="1">
+      <a:lvl9pPr marL="20399830" indent="-1199990" algn="l" defTabSz="4799960" rtl="0" eaLnBrk="1" latinLnBrk="1" hangingPunct="1">
         <a:lnSpc>
           <a:spcPct val="90000"/>
         </a:lnSpc>
         <a:spcBef>
-          <a:spcPts val="1968"/>
+          <a:spcPts val="2625"/>
         </a:spcBef>
         <a:buFont typeface="Arial" panose="020B0604020202020204" pitchFamily="34" charset="0"/>
         <a:buChar char="•"/>
-        <a:defRPr sz="7087" kern="1200">
+        <a:defRPr sz="9449" kern="1200">
           <a:solidFill>
             <a:schemeClr val="tx1"/>
           </a:solidFill>
@@ -2859,8 +2860,8 @@
       <a:defPPr>
         <a:defRPr lang="en-US"/>
       </a:defPPr>
-      <a:lvl1pPr marL="0" algn="l" defTabSz="3599993" rtl="0" eaLnBrk="1" latinLnBrk="1" hangingPunct="1">
-        <a:defRPr sz="7087" kern="1200">
+      <a:lvl1pPr marL="0" algn="l" defTabSz="4799960" rtl="0" eaLnBrk="1" latinLnBrk="1" hangingPunct="1">
+        <a:defRPr sz="9449" kern="1200">
           <a:solidFill>
             <a:schemeClr val="tx1"/>
           </a:solidFill>
@@ -2869,8 +2870,8 @@
           <a:cs typeface="+mn-cs"/>
         </a:defRPr>
       </a:lvl1pPr>
-      <a:lvl2pPr marL="1799996" algn="l" defTabSz="3599993" rtl="0" eaLnBrk="1" latinLnBrk="1" hangingPunct="1">
-        <a:defRPr sz="7087" kern="1200">
+      <a:lvl2pPr marL="2399980" algn="l" defTabSz="4799960" rtl="0" eaLnBrk="1" latinLnBrk="1" hangingPunct="1">
+        <a:defRPr sz="9449" kern="1200">
           <a:solidFill>
             <a:schemeClr val="tx1"/>
           </a:solidFill>
@@ -2879,8 +2880,8 @@
           <a:cs typeface="+mn-cs"/>
         </a:defRPr>
       </a:lvl2pPr>
-      <a:lvl3pPr marL="3599993" algn="l" defTabSz="3599993" rtl="0" eaLnBrk="1" latinLnBrk="1" hangingPunct="1">
-        <a:defRPr sz="7087" kern="1200">
+      <a:lvl3pPr marL="4799960" algn="l" defTabSz="4799960" rtl="0" eaLnBrk="1" latinLnBrk="1" hangingPunct="1">
+        <a:defRPr sz="9449" kern="1200">
           <a:solidFill>
             <a:schemeClr val="tx1"/>
           </a:solidFill>
@@ -2889,8 +2890,8 @@
           <a:cs typeface="+mn-cs"/>
         </a:defRPr>
       </a:lvl3pPr>
-      <a:lvl4pPr marL="5399989" algn="l" defTabSz="3599993" rtl="0" eaLnBrk="1" latinLnBrk="1" hangingPunct="1">
-        <a:defRPr sz="7087" kern="1200">
+      <a:lvl4pPr marL="7199940" algn="l" defTabSz="4799960" rtl="0" eaLnBrk="1" latinLnBrk="1" hangingPunct="1">
+        <a:defRPr sz="9449" kern="1200">
           <a:solidFill>
             <a:schemeClr val="tx1"/>
           </a:solidFill>
@@ -2899,8 +2900,8 @@
           <a:cs typeface="+mn-cs"/>
         </a:defRPr>
       </a:lvl4pPr>
-      <a:lvl5pPr marL="7199986" algn="l" defTabSz="3599993" rtl="0" eaLnBrk="1" latinLnBrk="1" hangingPunct="1">
-        <a:defRPr sz="7087" kern="1200">
+      <a:lvl5pPr marL="9599920" algn="l" defTabSz="4799960" rtl="0" eaLnBrk="1" latinLnBrk="1" hangingPunct="1">
+        <a:defRPr sz="9449" kern="1200">
           <a:solidFill>
             <a:schemeClr val="tx1"/>
           </a:solidFill>
@@ -2909,8 +2910,8 @@
           <a:cs typeface="+mn-cs"/>
         </a:defRPr>
       </a:lvl5pPr>
-      <a:lvl6pPr marL="8999982" algn="l" defTabSz="3599993" rtl="0" eaLnBrk="1" latinLnBrk="1" hangingPunct="1">
-        <a:defRPr sz="7087" kern="1200">
+      <a:lvl6pPr marL="11999900" algn="l" defTabSz="4799960" rtl="0" eaLnBrk="1" latinLnBrk="1" hangingPunct="1">
+        <a:defRPr sz="9449" kern="1200">
           <a:solidFill>
             <a:schemeClr val="tx1"/>
           </a:solidFill>
@@ -2919,8 +2920,8 @@
           <a:cs typeface="+mn-cs"/>
         </a:defRPr>
       </a:lvl6pPr>
-      <a:lvl7pPr marL="10799978" algn="l" defTabSz="3599993" rtl="0" eaLnBrk="1" latinLnBrk="1" hangingPunct="1">
-        <a:defRPr sz="7087" kern="1200">
+      <a:lvl7pPr marL="14399880" algn="l" defTabSz="4799960" rtl="0" eaLnBrk="1" latinLnBrk="1" hangingPunct="1">
+        <a:defRPr sz="9449" kern="1200">
           <a:solidFill>
             <a:schemeClr val="tx1"/>
           </a:solidFill>
@@ -2929,8 +2930,8 @@
           <a:cs typeface="+mn-cs"/>
         </a:defRPr>
       </a:lvl7pPr>
-      <a:lvl8pPr marL="12599975" algn="l" defTabSz="3599993" rtl="0" eaLnBrk="1" latinLnBrk="1" hangingPunct="1">
-        <a:defRPr sz="7087" kern="1200">
+      <a:lvl8pPr marL="16799860" algn="l" defTabSz="4799960" rtl="0" eaLnBrk="1" latinLnBrk="1" hangingPunct="1">
+        <a:defRPr sz="9449" kern="1200">
           <a:solidFill>
             <a:schemeClr val="tx1"/>
           </a:solidFill>
@@ -2939,8 +2940,8 @@
           <a:cs typeface="+mn-cs"/>
         </a:defRPr>
       </a:lvl8pPr>
-      <a:lvl9pPr marL="14399971" algn="l" defTabSz="3599993" rtl="0" eaLnBrk="1" latinLnBrk="1" hangingPunct="1">
-        <a:defRPr sz="7087" kern="1200">
+      <a:lvl9pPr marL="19199840" algn="l" defTabSz="4799960" rtl="0" eaLnBrk="1" latinLnBrk="1" hangingPunct="1">
+        <a:defRPr sz="9449" kern="1200">
           <a:solidFill>
             <a:schemeClr val="tx1"/>
           </a:solidFill>
@@ -2979,8 +2980,8 @@
         </p:nvSpPr>
         <p:spPr>
           <a:xfrm>
-            <a:off x="16829738" y="13935521"/>
-            <a:ext cx="1959009" cy="726131"/>
+            <a:off x="22439648" y="12580742"/>
+            <a:ext cx="2612012" cy="968175"/>
           </a:xfrm>
           <a:prstGeom prst="rect">
             <a:avLst/>
@@ -3016,14 +3017,14 @@
           <a:p>
             <a:pPr algn="ctr"/>
             <a:r>
-              <a:rPr lang="ko-KR" altLang="en-US" sz="1100" dirty="0">
+              <a:rPr lang="ko-KR" altLang="en-US" sz="1469" dirty="0">
                 <a:solidFill>
                   <a:sysClr val="windowText" lastClr="000000"/>
                 </a:solidFill>
               </a:rPr>
               <a:t>강의평가</a:t>
             </a:r>
-            <a:endParaRPr lang="en-US" altLang="ko-KR" sz="1100" dirty="0">
+            <a:endParaRPr lang="en-US" altLang="ko-KR" sz="1469" dirty="0">
               <a:solidFill>
                 <a:sysClr val="windowText" lastClr="000000"/>
               </a:solidFill>
@@ -3032,7 +3033,7 @@
           <a:p>
             <a:pPr algn="ctr"/>
             <a:r>
-              <a:rPr lang="ko-KR" altLang="en-US" sz="1100" dirty="0">
+              <a:rPr lang="ko-KR" altLang="en-US" sz="1469" dirty="0">
                 <a:solidFill>
                   <a:sysClr val="windowText" lastClr="000000"/>
                 </a:solidFill>
@@ -3050,8 +3051,8 @@
         </p:nvSpPr>
         <p:spPr>
           <a:xfrm>
-            <a:off x="17050214" y="18776311"/>
-            <a:ext cx="1556992" cy="726131"/>
+            <a:off x="22733620" y="19035127"/>
+            <a:ext cx="2075988" cy="968175"/>
           </a:xfrm>
           <a:prstGeom prst="rect">
             <a:avLst/>
@@ -3087,7 +3088,7 @@
           <a:p>
             <a:pPr algn="ctr"/>
             <a:r>
-              <a:rPr lang="ko-KR" altLang="en-US" sz="1100" dirty="0">
+              <a:rPr lang="ko-KR" altLang="en-US" sz="1469" dirty="0">
                 <a:solidFill>
                   <a:schemeClr val="tx1"/>
                 </a:solidFill>
@@ -3105,8 +3106,8 @@
         </p:nvCxnSpPr>
         <p:spPr>
           <a:xfrm>
-            <a:off x="20585985" y="16991338"/>
-            <a:ext cx="870832" cy="1784972"/>
+            <a:off x="27447985" y="16655159"/>
+            <a:ext cx="1161112" cy="2379965"/>
           </a:xfrm>
           <a:prstGeom prst="straightConnector1">
             <a:avLst/>
@@ -3139,8 +3140,8 @@
         </p:nvCxnSpPr>
         <p:spPr>
           <a:xfrm>
-            <a:off x="21404079" y="17003709"/>
-            <a:ext cx="3652553" cy="1742920"/>
+            <a:off x="28538774" y="16671658"/>
+            <a:ext cx="4870068" cy="2323896"/>
           </a:xfrm>
           <a:prstGeom prst="straightConnector1">
             <a:avLst/>
@@ -3173,8 +3174,8 @@
         </p:nvCxnSpPr>
         <p:spPr>
           <a:xfrm flipH="1">
-            <a:off x="17922678" y="17003709"/>
-            <a:ext cx="2355560" cy="1784972"/>
+            <a:off x="23896906" y="16671655"/>
+            <a:ext cx="3140744" cy="2379965"/>
           </a:xfrm>
           <a:prstGeom prst="straightConnector1">
             <a:avLst/>
@@ -3207,8 +3208,8 @@
         </p:nvGrpSpPr>
         <p:grpSpPr>
           <a:xfrm rot="17174790">
-            <a:off x="18071775" y="18051290"/>
-            <a:ext cx="465295" cy="429840"/>
+            <a:off x="24095703" y="18068436"/>
+            <a:ext cx="620391" cy="573119"/>
             <a:chOff x="5764817" y="2081712"/>
             <a:chExt cx="465295" cy="429840"/>
           </a:xfrm>
@@ -3255,7 +3256,7 @@
             <a:lstStyle/>
             <a:p>
               <a:pPr algn="ctr"/>
-              <a:endParaRPr lang="ko-KR" altLang="en-US"/>
+              <a:endParaRPr lang="ko-KR" altLang="en-US" sz="700"/>
             </a:p>
           </p:txBody>
         </p:sp>
@@ -3303,8 +3304,8 @@
         </p:nvGrpSpPr>
         <p:grpSpPr>
           <a:xfrm rot="15548623">
-            <a:off x="19518495" y="17835260"/>
-            <a:ext cx="465295" cy="429840"/>
+            <a:off x="26024668" y="17780396"/>
+            <a:ext cx="620391" cy="573119"/>
             <a:chOff x="5764817" y="2081712"/>
             <a:chExt cx="465295" cy="429840"/>
           </a:xfrm>
@@ -3351,7 +3352,7 @@
             <a:lstStyle/>
             <a:p>
               <a:pPr algn="ctr"/>
-              <a:endParaRPr lang="ko-KR" altLang="en-US"/>
+              <a:endParaRPr lang="ko-KR" altLang="en-US" sz="700"/>
             </a:p>
           </p:txBody>
         </p:sp>
@@ -3399,8 +3400,8 @@
         </p:nvGrpSpPr>
         <p:grpSpPr>
           <a:xfrm rot="20874190">
-            <a:off x="23237445" y="17561016"/>
-            <a:ext cx="465295" cy="429840"/>
+            <a:off x="30983267" y="17414736"/>
+            <a:ext cx="620391" cy="573119"/>
             <a:chOff x="5764817" y="2081712"/>
             <a:chExt cx="465295" cy="429840"/>
           </a:xfrm>
@@ -3447,7 +3448,7 @@
             <a:lstStyle/>
             <a:p>
               <a:pPr algn="ctr"/>
-              <a:endParaRPr lang="ko-KR" altLang="en-US"/>
+              <a:endParaRPr lang="ko-KR" altLang="en-US" sz="700"/>
             </a:p>
           </p:txBody>
         </p:sp>
@@ -3495,8 +3496,8 @@
         </p:nvSpPr>
         <p:spPr>
           <a:xfrm>
-            <a:off x="18858811" y="18776311"/>
-            <a:ext cx="1556992" cy="726131"/>
+            <a:off x="25145088" y="19035127"/>
+            <a:ext cx="2075988" cy="968175"/>
           </a:xfrm>
           <a:prstGeom prst="rect">
             <a:avLst/>
@@ -3532,14 +3533,14 @@
           <a:p>
             <a:pPr algn="ctr"/>
             <a:r>
-              <a:rPr lang="ko-KR" altLang="en-US" sz="1100" dirty="0">
+              <a:rPr lang="ko-KR" altLang="en-US" sz="1469" dirty="0">
                 <a:solidFill>
                   <a:schemeClr val="tx1"/>
                 </a:solidFill>
               </a:rPr>
               <a:t>강의평가</a:t>
             </a:r>
-            <a:endParaRPr lang="en-US" altLang="ko-KR" sz="1100" dirty="0">
+            <a:endParaRPr lang="en-US" altLang="ko-KR" sz="1469" dirty="0">
               <a:solidFill>
                 <a:schemeClr val="tx1"/>
               </a:solidFill>
@@ -3548,7 +3549,7 @@
           <a:p>
             <a:pPr algn="ctr"/>
             <a:r>
-              <a:rPr lang="ko-KR" altLang="en-US" sz="1100" dirty="0">
+              <a:rPr lang="ko-KR" altLang="en-US" sz="1469" dirty="0">
                 <a:solidFill>
                   <a:schemeClr val="tx1"/>
                 </a:solidFill>
@@ -3566,8 +3567,8 @@
         </p:nvSpPr>
         <p:spPr>
           <a:xfrm>
-            <a:off x="20678321" y="18776311"/>
-            <a:ext cx="1556992" cy="726131"/>
+            <a:off x="27571100" y="19035127"/>
+            <a:ext cx="2075988" cy="968175"/>
           </a:xfrm>
           <a:prstGeom prst="rect">
             <a:avLst/>
@@ -3603,7 +3604,7 @@
           <a:p>
             <a:pPr algn="ctr"/>
             <a:r>
-              <a:rPr lang="ko-KR" altLang="en-US" sz="1100" dirty="0">
+              <a:rPr lang="ko-KR" altLang="en-US" sz="1469" dirty="0">
                 <a:solidFill>
                   <a:schemeClr val="tx1"/>
                 </a:solidFill>
@@ -3621,8 +3622,8 @@
         </p:nvSpPr>
         <p:spPr>
           <a:xfrm>
-            <a:off x="22497831" y="18776309"/>
-            <a:ext cx="1556992" cy="726131"/>
+            <a:off x="29997112" y="19035127"/>
+            <a:ext cx="2075988" cy="968175"/>
           </a:xfrm>
           <a:prstGeom prst="rect">
             <a:avLst/>
@@ -3658,7 +3659,7 @@
           <a:p>
             <a:pPr algn="ctr"/>
             <a:r>
-              <a:rPr lang="ko-KR" altLang="en-US" sz="1100" dirty="0">
+              <a:rPr lang="ko-KR" altLang="en-US" sz="1469" dirty="0">
                 <a:solidFill>
                   <a:schemeClr val="tx1"/>
                 </a:solidFill>
@@ -3676,8 +3677,8 @@
         </p:nvSpPr>
         <p:spPr>
           <a:xfrm rot="1863071">
-            <a:off x="22905113" y="17472167"/>
-            <a:ext cx="1553630" cy="261610"/>
+            <a:off x="30589095" y="17311473"/>
+            <a:ext cx="1973617" cy="318421"/>
           </a:xfrm>
           <a:prstGeom prst="rect">
             <a:avLst/>
@@ -3691,10 +3692,10 @@
           <a:lstStyle/>
           <a:p>
             <a:r>
-              <a:rPr lang="ko-KR" altLang="en-US" sz="1100" dirty="0"/>
+              <a:rPr lang="ko-KR" altLang="en-US" sz="1469" dirty="0"/>
               <a:t>등록된 강의평가 결과</a:t>
             </a:r>
-            <a:endParaRPr lang="ko-KR" altLang="en-US" sz="1600" dirty="0"/>
+            <a:endParaRPr lang="ko-KR" altLang="en-US" sz="2135" dirty="0"/>
           </a:p>
         </p:txBody>
       </p:sp>
@@ -3706,8 +3707,8 @@
         </p:nvCxnSpPr>
         <p:spPr>
           <a:xfrm flipH="1">
-            <a:off x="16133962" y="17003709"/>
-            <a:ext cx="3829699" cy="1742920"/>
+            <a:off x="21511953" y="16671658"/>
+            <a:ext cx="5106265" cy="2323896"/>
           </a:xfrm>
           <a:prstGeom prst="straightConnector1">
             <a:avLst/>
@@ -3740,8 +3741,8 @@
         </p:nvSpPr>
         <p:spPr>
           <a:xfrm rot="20174509">
-            <a:off x="17511608" y="17118285"/>
-            <a:ext cx="1553630" cy="261610"/>
+            <a:off x="23397755" y="16839631"/>
+            <a:ext cx="1973617" cy="318421"/>
           </a:xfrm>
           <a:prstGeom prst="rect">
             <a:avLst/>
@@ -3756,10 +3757,10 @@
           <a:p>
             <a:pPr algn="ctr"/>
             <a:r>
-              <a:rPr lang="ko-KR" altLang="en-US" sz="1100" dirty="0"/>
+              <a:rPr lang="ko-KR" altLang="en-US" sz="1469" dirty="0"/>
               <a:t>강의평가 질문 리스트</a:t>
             </a:r>
-            <a:endParaRPr lang="ko-KR" altLang="en-US" sz="1600" dirty="0"/>
+            <a:endParaRPr lang="ko-KR" altLang="en-US" sz="2135" dirty="0"/>
           </a:p>
         </p:txBody>
       </p:sp>
@@ -3771,8 +3772,8 @@
         </p:nvGrpSpPr>
         <p:grpSpPr>
           <a:xfrm rot="17678427">
-            <a:off x="18242820" y="17226120"/>
-            <a:ext cx="465295" cy="429840"/>
+            <a:off x="24323767" y="16968210"/>
+            <a:ext cx="620391" cy="573119"/>
             <a:chOff x="5764817" y="2081712"/>
             <a:chExt cx="465295" cy="429840"/>
           </a:xfrm>
@@ -3819,7 +3820,7 @@
             <a:lstStyle/>
             <a:p>
               <a:pPr algn="ctr"/>
-              <a:endParaRPr lang="ko-KR" altLang="en-US"/>
+              <a:endParaRPr lang="ko-KR" altLang="en-US" sz="700"/>
             </a:p>
           </p:txBody>
         </p:sp>
@@ -3867,8 +3868,8 @@
         </p:nvSpPr>
         <p:spPr>
           <a:xfrm rot="19786301">
-            <a:off x="17573730" y="17865577"/>
-            <a:ext cx="1080745" cy="430887"/>
+            <a:off x="23470702" y="17835813"/>
+            <a:ext cx="1362873" cy="544508"/>
           </a:xfrm>
           <a:prstGeom prst="rect">
             <a:avLst/>
@@ -3883,18 +3884,18 @@
           <a:p>
             <a:pPr algn="ctr"/>
             <a:r>
-              <a:rPr lang="ko-KR" altLang="en-US" sz="1100" dirty="0"/>
+              <a:rPr lang="ko-KR" altLang="en-US" sz="1469" dirty="0"/>
               <a:t>강의평가 대상</a:t>
             </a:r>
-            <a:endParaRPr lang="en-US" altLang="ko-KR" sz="1100" dirty="0"/>
+            <a:endParaRPr lang="en-US" altLang="ko-KR" sz="1469" dirty="0"/>
           </a:p>
           <a:p>
             <a:pPr algn="ctr"/>
             <a:r>
-              <a:rPr lang="ko-KR" altLang="en-US" sz="1100" dirty="0"/>
+              <a:rPr lang="ko-KR" altLang="en-US" sz="1469" dirty="0"/>
               <a:t>입력 정보</a:t>
             </a:r>
-            <a:endParaRPr lang="ko-KR" altLang="en-US" sz="1600" dirty="0"/>
+            <a:endParaRPr lang="ko-KR" altLang="en-US" sz="2135" dirty="0"/>
           </a:p>
         </p:txBody>
       </p:sp>
@@ -3906,8 +3907,8 @@
         </p:nvSpPr>
         <p:spPr>
           <a:xfrm rot="18422831">
-            <a:off x="18827121" y="17739776"/>
-            <a:ext cx="1221809" cy="430887"/>
+            <a:off x="25141361" y="17668080"/>
+            <a:ext cx="1552027" cy="544508"/>
           </a:xfrm>
           <a:prstGeom prst="rect">
             <a:avLst/>
@@ -3922,18 +3923,18 @@
           <a:p>
             <a:pPr algn="ctr"/>
             <a:r>
-              <a:rPr lang="ko-KR" altLang="en-US" sz="1100" dirty="0"/>
+              <a:rPr lang="ko-KR" altLang="en-US" sz="1469" dirty="0"/>
               <a:t>구성된 </a:t>
             </a:r>
-            <a:endParaRPr lang="en-US" altLang="ko-KR" sz="1100" dirty="0"/>
+            <a:endParaRPr lang="en-US" altLang="ko-KR" sz="1469" dirty="0"/>
           </a:p>
           <a:p>
             <a:pPr algn="ctr"/>
             <a:r>
-              <a:rPr lang="ko-KR" altLang="en-US" sz="1100" dirty="0"/>
+              <a:rPr lang="ko-KR" altLang="en-US" sz="1469" dirty="0"/>
               <a:t>강의평가 질문지</a:t>
             </a:r>
-            <a:endParaRPr lang="ko-KR" altLang="en-US" sz="1600" dirty="0"/>
+            <a:endParaRPr lang="ko-KR" altLang="en-US" sz="2135" dirty="0"/>
           </a:p>
         </p:txBody>
       </p:sp>
@@ -3945,8 +3946,8 @@
         </p:nvCxnSpPr>
         <p:spPr>
           <a:xfrm flipH="1">
-            <a:off x="19731275" y="17003709"/>
-            <a:ext cx="756838" cy="1784972"/>
+            <a:off x="26308368" y="16671655"/>
+            <a:ext cx="1009120" cy="2379965"/>
           </a:xfrm>
           <a:prstGeom prst="straightConnector1">
             <a:avLst/>
@@ -3979,8 +3980,8 @@
         </p:nvCxnSpPr>
         <p:spPr>
           <a:xfrm>
-            <a:off x="21122665" y="17003709"/>
-            <a:ext cx="2247631" cy="1784970"/>
+            <a:off x="28163557" y="16671659"/>
+            <a:ext cx="2996843" cy="2379959"/>
           </a:xfrm>
           <a:prstGeom prst="straightConnector1">
             <a:avLst/>
@@ -4013,8 +4014,8 @@
         </p:nvGrpSpPr>
         <p:grpSpPr>
           <a:xfrm rot="12612328">
-            <a:off x="20646196" y="17796282"/>
-            <a:ext cx="465295" cy="429840"/>
+            <a:off x="27528266" y="17728422"/>
+            <a:ext cx="620391" cy="573119"/>
             <a:chOff x="5764817" y="2081712"/>
             <a:chExt cx="465295" cy="429840"/>
           </a:xfrm>
@@ -4061,7 +4062,7 @@
             <a:lstStyle/>
             <a:p>
               <a:pPr algn="ctr"/>
-              <a:endParaRPr lang="ko-KR" altLang="en-US"/>
+              <a:endParaRPr lang="ko-KR" altLang="en-US" sz="700"/>
             </a:p>
           </p:txBody>
         </p:sp>
@@ -4109,8 +4110,8 @@
         </p:nvSpPr>
         <p:spPr>
           <a:xfrm rot="4447922">
-            <a:off x="20063908" y="17957091"/>
-            <a:ext cx="1080745" cy="430887"/>
+            <a:off x="26790937" y="17957835"/>
+            <a:ext cx="1362873" cy="544508"/>
           </a:xfrm>
           <a:prstGeom prst="rect">
             <a:avLst/>
@@ -4125,18 +4126,18 @@
           <a:p>
             <a:pPr algn="ctr"/>
             <a:r>
-              <a:rPr lang="ko-KR" altLang="en-US" sz="1100" dirty="0"/>
+              <a:rPr lang="ko-KR" altLang="en-US" sz="1469" dirty="0"/>
               <a:t>등록할</a:t>
             </a:r>
-            <a:endParaRPr lang="en-US" altLang="ko-KR" sz="1100" dirty="0"/>
+            <a:endParaRPr lang="en-US" altLang="ko-KR" sz="1469" dirty="0"/>
           </a:p>
           <a:p>
             <a:pPr algn="ctr"/>
             <a:r>
-              <a:rPr lang="ko-KR" altLang="en-US" sz="1100" dirty="0"/>
+              <a:rPr lang="ko-KR" altLang="en-US" sz="1469" dirty="0"/>
               <a:t>강의평가 결과</a:t>
             </a:r>
-            <a:endParaRPr lang="ko-KR" altLang="en-US" sz="1600" dirty="0"/>
+            <a:endParaRPr lang="ko-KR" altLang="en-US" sz="2135" dirty="0"/>
           </a:p>
         </p:txBody>
       </p:sp>
@@ -4148,8 +4149,8 @@
         </p:nvSpPr>
         <p:spPr>
           <a:xfrm rot="2900980">
-            <a:off x="20985817" y="17995105"/>
-            <a:ext cx="1553630" cy="261610"/>
+            <a:off x="28030038" y="18008720"/>
+            <a:ext cx="1973617" cy="318421"/>
           </a:xfrm>
           <a:prstGeom prst="rect">
             <a:avLst/>
@@ -4163,10 +4164,10 @@
           <a:lstStyle/>
           <a:p>
             <a:r>
-              <a:rPr lang="ko-KR" altLang="en-US" sz="1100" dirty="0"/>
+              <a:rPr lang="ko-KR" altLang="en-US" sz="1469" dirty="0"/>
               <a:t>등록할 강의평가 결과</a:t>
             </a:r>
-            <a:endParaRPr lang="ko-KR" altLang="en-US" sz="1600" dirty="0"/>
+            <a:endParaRPr lang="ko-KR" altLang="en-US" sz="2135" dirty="0"/>
           </a:p>
         </p:txBody>
       </p:sp>
@@ -4178,8 +4179,8 @@
         </p:nvGrpSpPr>
         <p:grpSpPr>
           <a:xfrm rot="278979">
-            <a:off x="21774046" y="17783020"/>
-            <a:ext cx="465295" cy="429840"/>
+            <a:off x="29032066" y="17710742"/>
+            <a:ext cx="620391" cy="573119"/>
             <a:chOff x="5764817" y="2081712"/>
             <a:chExt cx="465295" cy="429840"/>
           </a:xfrm>
@@ -4226,7 +4227,7 @@
             <a:lstStyle/>
             <a:p>
               <a:pPr algn="ctr"/>
-              <a:endParaRPr lang="ko-KR" altLang="en-US"/>
+              <a:endParaRPr lang="ko-KR" altLang="en-US" sz="700"/>
             </a:p>
           </p:txBody>
         </p:sp>
@@ -4274,8 +4275,8 @@
         </p:nvGrpSpPr>
         <p:grpSpPr>
           <a:xfrm rot="10800000">
-            <a:off x="22369969" y="17783161"/>
-            <a:ext cx="465295" cy="429840"/>
+            <a:off x="29826628" y="17710931"/>
+            <a:ext cx="620391" cy="573119"/>
             <a:chOff x="5764817" y="2081712"/>
             <a:chExt cx="465295" cy="429840"/>
           </a:xfrm>
@@ -4322,7 +4323,7 @@
             <a:lstStyle/>
             <a:p>
               <a:pPr algn="ctr"/>
-              <a:endParaRPr lang="ko-KR" altLang="en-US"/>
+              <a:endParaRPr lang="ko-KR" altLang="en-US" sz="700"/>
             </a:p>
           </p:txBody>
         </p:sp>
@@ -4370,8 +4371,8 @@
         </p:nvSpPr>
         <p:spPr>
           <a:xfrm rot="2306805">
-            <a:off x="22104798" y="17791568"/>
-            <a:ext cx="1553630" cy="261610"/>
+            <a:off x="29522009" y="17737339"/>
+            <a:ext cx="1973617" cy="318421"/>
           </a:xfrm>
           <a:prstGeom prst="rect">
             <a:avLst/>
@@ -4385,10 +4386,10 @@
           <a:lstStyle/>
           <a:p>
             <a:r>
-              <a:rPr lang="ko-KR" altLang="en-US" sz="1100" dirty="0"/>
+              <a:rPr lang="ko-KR" altLang="en-US" sz="1469" dirty="0"/>
               <a:t>등록된 강의평가 결과</a:t>
             </a:r>
-            <a:endParaRPr lang="ko-KR" altLang="en-US" sz="1600" dirty="0"/>
+            <a:endParaRPr lang="ko-KR" altLang="en-US" sz="2135" dirty="0"/>
           </a:p>
         </p:txBody>
       </p:sp>
@@ -4400,8 +4401,8 @@
         </p:nvSpPr>
         <p:spPr>
           <a:xfrm>
-            <a:off x="14567614" y="16190727"/>
-            <a:ext cx="1556992" cy="726131"/>
+            <a:off x="19423492" y="15587684"/>
+            <a:ext cx="2075988" cy="968175"/>
           </a:xfrm>
           <a:prstGeom prst="rect">
             <a:avLst/>
@@ -4437,7 +4438,7 @@
           <a:p>
             <a:pPr algn="ctr"/>
             <a:r>
-              <a:rPr lang="ko-KR" altLang="en-US" sz="1100" dirty="0">
+              <a:rPr lang="ko-KR" altLang="en-US" sz="1469" dirty="0">
                 <a:solidFill>
                   <a:schemeClr val="tx1"/>
                 </a:solidFill>
@@ -4458,8 +4459,8 @@
         </p:nvCxnSpPr>
         <p:spPr>
           <a:xfrm flipH="1">
-            <a:off x="15346110" y="14661652"/>
-            <a:ext cx="2463132" cy="1529075"/>
+            <a:off x="20461478" y="13548918"/>
+            <a:ext cx="3284176" cy="2038767"/>
           </a:xfrm>
           <a:prstGeom prst="straightConnector1">
             <a:avLst/>
@@ -4492,8 +4493,8 @@
         </p:nvSpPr>
         <p:spPr>
           <a:xfrm>
-            <a:off x="17378090" y="16215815"/>
-            <a:ext cx="1556992" cy="726131"/>
+            <a:off x="23170790" y="15621132"/>
+            <a:ext cx="2075988" cy="968175"/>
           </a:xfrm>
           <a:prstGeom prst="rect">
             <a:avLst/>
@@ -4529,7 +4530,7 @@
           <a:p>
             <a:pPr algn="ctr"/>
             <a:r>
-              <a:rPr lang="ko-KR" altLang="en-US" sz="1100" dirty="0">
+              <a:rPr lang="ko-KR" altLang="en-US" sz="1469" dirty="0">
                 <a:solidFill>
                   <a:schemeClr val="tx1"/>
                 </a:solidFill>
@@ -4547,8 +4548,8 @@
         </p:nvGrpSpPr>
         <p:grpSpPr>
           <a:xfrm rot="5672329">
-            <a:off x="15956702" y="15134694"/>
-            <a:ext cx="465295" cy="429840"/>
+            <a:off x="21275608" y="14179639"/>
+            <a:ext cx="620391" cy="573119"/>
             <a:chOff x="5764817" y="2081712"/>
             <a:chExt cx="465295" cy="429840"/>
           </a:xfrm>
@@ -4595,7 +4596,7 @@
             <a:lstStyle/>
             <a:p>
               <a:pPr algn="ctr"/>
-              <a:endParaRPr lang="ko-KR" altLang="en-US"/>
+              <a:endParaRPr lang="ko-KR" altLang="en-US" sz="700"/>
             </a:p>
           </p:txBody>
         </p:sp>
@@ -4643,8 +4644,8 @@
         </p:nvSpPr>
         <p:spPr>
           <a:xfrm rot="19188507">
-            <a:off x="15173859" y="15038805"/>
-            <a:ext cx="1412566" cy="261610"/>
+            <a:off x="20281304" y="14066989"/>
+            <a:ext cx="1784463" cy="318421"/>
           </a:xfrm>
           <a:prstGeom prst="rect">
             <a:avLst/>
@@ -4659,10 +4660,10 @@
           <a:p>
             <a:pPr algn="ctr"/>
             <a:r>
-              <a:rPr lang="ko-KR" altLang="en-US" sz="1100" dirty="0"/>
+              <a:rPr lang="ko-KR" altLang="en-US" sz="1469" dirty="0"/>
               <a:t>강의평가 화면 정보</a:t>
             </a:r>
-            <a:endParaRPr lang="ko-KR" altLang="en-US" sz="1600" dirty="0"/>
+            <a:endParaRPr lang="ko-KR" altLang="en-US" sz="2135" dirty="0"/>
           </a:p>
         </p:txBody>
       </p:sp>
@@ -4677,8 +4678,8 @@
         </p:nvCxnSpPr>
         <p:spPr>
           <a:xfrm>
-            <a:off x="17809242" y="14661652"/>
-            <a:ext cx="347344" cy="1554163"/>
+            <a:off x="23745654" y="13548913"/>
+            <a:ext cx="463129" cy="2072216"/>
           </a:xfrm>
           <a:prstGeom prst="straightConnector1">
             <a:avLst/>
@@ -4711,8 +4712,8 @@
         </p:nvGrpSpPr>
         <p:grpSpPr>
           <a:xfrm rot="2052325">
-            <a:off x="18027386" y="15201879"/>
-            <a:ext cx="465295" cy="429840"/>
+            <a:off x="24036519" y="14269220"/>
+            <a:ext cx="620391" cy="573119"/>
             <a:chOff x="5764817" y="2081712"/>
             <a:chExt cx="465295" cy="429840"/>
           </a:xfrm>
@@ -4759,7 +4760,7 @@
             <a:lstStyle/>
             <a:p>
               <a:pPr algn="ctr"/>
-              <a:endParaRPr lang="ko-KR" altLang="en-US"/>
+              <a:endParaRPr lang="ko-KR" altLang="en-US" sz="700"/>
             </a:p>
           </p:txBody>
         </p:sp>
@@ -4807,8 +4808,8 @@
         </p:nvSpPr>
         <p:spPr>
           <a:xfrm rot="4709987">
-            <a:off x="18146528" y="15247581"/>
-            <a:ext cx="798617" cy="261610"/>
+            <a:off x="24235496" y="14345356"/>
+            <a:ext cx="984565" cy="318421"/>
           </a:xfrm>
           <a:prstGeom prst="rect">
             <a:avLst/>
@@ -4823,10 +4824,10 @@
           <a:p>
             <a:pPr algn="ctr"/>
             <a:r>
-              <a:rPr lang="ko-KR" altLang="en-US" sz="1100" dirty="0"/>
+              <a:rPr lang="ko-KR" altLang="en-US" sz="1469" dirty="0"/>
               <a:t>회원 정보</a:t>
             </a:r>
-            <a:endParaRPr lang="ko-KR" altLang="en-US" sz="1600" dirty="0"/>
+            <a:endParaRPr lang="ko-KR" altLang="en-US" sz="2135" dirty="0"/>
           </a:p>
         </p:txBody>
       </p:sp>
@@ -4838,8 +4839,8 @@
         </p:nvGrpSpPr>
         <p:grpSpPr>
           <a:xfrm rot="13016792">
-            <a:off x="17538195" y="15353052"/>
-            <a:ext cx="465295" cy="429840"/>
+            <a:off x="23384268" y="14470786"/>
+            <a:ext cx="620391" cy="573119"/>
             <a:chOff x="5764817" y="2081712"/>
             <a:chExt cx="465295" cy="429840"/>
           </a:xfrm>
@@ -4886,7 +4887,7 @@
             <a:lstStyle/>
             <a:p>
               <a:pPr algn="ctr"/>
-              <a:endParaRPr lang="ko-KR" altLang="en-US"/>
+              <a:endParaRPr lang="ko-KR" altLang="en-US" sz="700"/>
             </a:p>
           </p:txBody>
         </p:sp>
@@ -4934,8 +4935,8 @@
         </p:nvSpPr>
         <p:spPr>
           <a:xfrm rot="4709987">
-            <a:off x="17105164" y="15538272"/>
-            <a:ext cx="798617" cy="261610"/>
+            <a:off x="22847012" y="14732944"/>
+            <a:ext cx="984565" cy="318421"/>
           </a:xfrm>
           <a:prstGeom prst="rect">
             <a:avLst/>
@@ -4950,10 +4951,10 @@
           <a:p>
             <a:pPr algn="ctr"/>
             <a:r>
-              <a:rPr lang="ko-KR" altLang="en-US" sz="1100" dirty="0"/>
+              <a:rPr lang="ko-KR" altLang="en-US" sz="1469" dirty="0"/>
               <a:t>수강 정보</a:t>
             </a:r>
-            <a:endParaRPr lang="ko-KR" altLang="en-US" sz="1600" dirty="0"/>
+            <a:endParaRPr lang="ko-KR" altLang="en-US" sz="2135" dirty="0"/>
           </a:p>
         </p:txBody>
       </p:sp>
@@ -4965,8 +4966,8 @@
         </p:nvSpPr>
         <p:spPr>
           <a:xfrm>
-            <a:off x="19883369" y="16219261"/>
-            <a:ext cx="1556992" cy="726131"/>
+            <a:off x="26511160" y="15625731"/>
+            <a:ext cx="2075988" cy="968175"/>
           </a:xfrm>
           <a:prstGeom prst="rect">
             <a:avLst/>
@@ -5002,7 +5003,7 @@
           <a:p>
             <a:pPr algn="ctr"/>
             <a:r>
-              <a:rPr lang="ko-KR" altLang="en-US" sz="1100" dirty="0">
+              <a:rPr lang="ko-KR" altLang="en-US" sz="1469" dirty="0">
                 <a:solidFill>
                   <a:schemeClr val="tx1"/>
                 </a:solidFill>
@@ -5023,8 +5024,8 @@
         </p:nvCxnSpPr>
         <p:spPr>
           <a:xfrm>
-            <a:off x="17809243" y="14661652"/>
-            <a:ext cx="2852623" cy="1557609"/>
+            <a:off x="23745658" y="13548916"/>
+            <a:ext cx="3803500" cy="2076815"/>
           </a:xfrm>
           <a:prstGeom prst="straightConnector1">
             <a:avLst/>
@@ -5057,8 +5058,8 @@
         </p:nvGrpSpPr>
         <p:grpSpPr>
           <a:xfrm rot="367939">
-            <a:off x="19344736" y="15056181"/>
-            <a:ext cx="465295" cy="429840"/>
+            <a:off x="25792986" y="14074954"/>
+            <a:ext cx="620391" cy="573119"/>
             <a:chOff x="5764817" y="2081712"/>
             <a:chExt cx="465295" cy="429840"/>
           </a:xfrm>
@@ -5105,7 +5106,7 @@
             <a:lstStyle/>
             <a:p>
               <a:pPr algn="ctr"/>
-              <a:endParaRPr lang="ko-KR" altLang="en-US"/>
+              <a:endParaRPr lang="ko-KR" altLang="en-US" sz="700"/>
             </a:p>
           </p:txBody>
         </p:sp>
@@ -5153,8 +5154,8 @@
         </p:nvSpPr>
         <p:spPr>
           <a:xfrm rot="3004916">
-            <a:off x="19336079" y="14966208"/>
-            <a:ext cx="798617" cy="261610"/>
+            <a:off x="25821569" y="13970192"/>
+            <a:ext cx="984565" cy="318421"/>
           </a:xfrm>
           <a:prstGeom prst="rect">
             <a:avLst/>
@@ -5169,10 +5170,10 @@
           <a:p>
             <a:pPr algn="ctr"/>
             <a:r>
-              <a:rPr lang="ko-KR" altLang="en-US" sz="1100" dirty="0"/>
+              <a:rPr lang="ko-KR" altLang="en-US" sz="1469" dirty="0"/>
               <a:t>수강 정보</a:t>
             </a:r>
-            <a:endParaRPr lang="ko-KR" altLang="en-US" sz="1600" dirty="0"/>
+            <a:endParaRPr lang="ko-KR" altLang="en-US" sz="2135" dirty="0"/>
           </a:p>
         </p:txBody>
       </p:sp>
@@ -5184,8 +5185,8 @@
         </p:nvSpPr>
         <p:spPr>
           <a:xfrm>
-            <a:off x="15324371" y="18765038"/>
-            <a:ext cx="1556992" cy="726131"/>
+            <a:off x="20432499" y="19020100"/>
+            <a:ext cx="2075988" cy="968175"/>
           </a:xfrm>
           <a:prstGeom prst="rect">
             <a:avLst/>
@@ -5221,22 +5222,30 @@
           <a:p>
             <a:pPr algn="ctr"/>
             <a:r>
-              <a:rPr lang="ko-KR" altLang="en-US" sz="1100" dirty="0">
+              <a:rPr lang="ko-KR" altLang="en-US" sz="1469" dirty="0">
                 <a:solidFill>
                   <a:schemeClr val="tx1"/>
                 </a:solidFill>
               </a:rPr>
               <a:t>강의 평가 질문</a:t>
             </a:r>
+            <a:r>
+              <a:rPr lang="en-US" altLang="ko-KR" sz="1469" dirty="0">
+                <a:solidFill>
+                  <a:schemeClr val="tx1"/>
+                </a:solidFill>
+              </a:rPr>
+              <a:t/>
+            </a:r>
             <a:br>
-              <a:rPr lang="en-US" altLang="ko-KR" sz="1100" dirty="0">
+              <a:rPr lang="en-US" altLang="ko-KR" sz="1469" dirty="0">
                 <a:solidFill>
                   <a:schemeClr val="tx1"/>
                 </a:solidFill>
               </a:rPr>
             </a:br>
             <a:r>
-              <a:rPr lang="ko-KR" altLang="en-US" sz="1100" dirty="0">
+              <a:rPr lang="ko-KR" altLang="en-US" sz="1469" dirty="0">
                 <a:solidFill>
                   <a:schemeClr val="tx1"/>
                 </a:solidFill>
@@ -5254,8 +5263,8 @@
         </p:nvSpPr>
         <p:spPr>
           <a:xfrm>
-            <a:off x="24278136" y="18795817"/>
-            <a:ext cx="1556992" cy="726131"/>
+            <a:off x="32370855" y="19061136"/>
+            <a:ext cx="2075988" cy="968175"/>
           </a:xfrm>
           <a:prstGeom prst="rect">
             <a:avLst/>
@@ -5291,22 +5300,30 @@
           <a:p>
             <a:pPr algn="ctr"/>
             <a:r>
-              <a:rPr lang="ko-KR" altLang="en-US" sz="1100" dirty="0">
+              <a:rPr lang="ko-KR" altLang="en-US" sz="1469" dirty="0">
                 <a:solidFill>
                   <a:schemeClr val="tx1"/>
                 </a:solidFill>
               </a:rPr>
               <a:t>강의 평가 결과</a:t>
             </a:r>
+            <a:r>
+              <a:rPr lang="en-US" altLang="ko-KR" sz="1469" dirty="0">
+                <a:solidFill>
+                  <a:schemeClr val="tx1"/>
+                </a:solidFill>
+              </a:rPr>
+              <a:t/>
+            </a:r>
             <a:br>
-              <a:rPr lang="en-US" altLang="ko-KR" sz="1100" dirty="0">
+              <a:rPr lang="en-US" altLang="ko-KR" sz="1469" dirty="0">
                 <a:solidFill>
                   <a:schemeClr val="tx1"/>
                 </a:solidFill>
               </a:rPr>
             </a:br>
             <a:r>
-              <a:rPr lang="ko-KR" altLang="en-US" sz="1100" dirty="0">
+              <a:rPr lang="ko-KR" altLang="en-US" sz="1469" dirty="0">
                 <a:solidFill>
                   <a:schemeClr val="tx1"/>
                 </a:solidFill>
@@ -5320,6 +5337,2340 @@
     <p:extLst>
       <p:ext uri="{BB962C8B-B14F-4D97-AF65-F5344CB8AC3E}">
         <p14:creationId xmlns:p14="http://schemas.microsoft.com/office/powerpoint/2010/main" val="2670294775"/>
+      </p:ext>
+    </p:extLst>
+  </p:cSld>
+  <p:clrMapOvr>
+    <a:masterClrMapping/>
+  </p:clrMapOvr>
+</p:sld>
+</file>
+
+<file path=ppt/slides/slide2.xml><?xml version="1.0" encoding="utf-8"?>
+<p:sld xmlns:a="http://schemas.openxmlformats.org/drawingml/2006/main" xmlns:r="http://schemas.openxmlformats.org/officeDocument/2006/relationships" xmlns:p="http://schemas.openxmlformats.org/presentationml/2006/main">
+  <p:cSld>
+    <p:spTree>
+      <p:nvGrpSpPr>
+        <p:cNvPr id="1" name=""/>
+        <p:cNvGrpSpPr/>
+        <p:nvPr/>
+      </p:nvGrpSpPr>
+      <p:grpSpPr>
+        <a:xfrm>
+          <a:off x="0" y="0"/>
+          <a:ext cx="0" cy="0"/>
+          <a:chOff x="0" y="0"/>
+          <a:chExt cx="0" cy="0"/>
+        </a:xfrm>
+      </p:grpSpPr>
+      <p:sp>
+        <p:nvSpPr>
+          <p:cNvPr id="4" name="직사각형 3"/>
+          <p:cNvSpPr/>
+          <p:nvPr/>
+        </p:nvSpPr>
+        <p:spPr>
+          <a:xfrm>
+            <a:off x="22439648" y="12580742"/>
+            <a:ext cx="2612012" cy="968175"/>
+          </a:xfrm>
+          <a:prstGeom prst="rect">
+            <a:avLst/>
+          </a:prstGeom>
+          <a:noFill/>
+          <a:ln w="31750">
+            <a:solidFill>
+              <a:schemeClr val="accent1">
+                <a:shade val="50000"/>
+              </a:schemeClr>
+            </a:solidFill>
+          </a:ln>
+        </p:spPr>
+        <p:style>
+          <a:lnRef idx="2">
+            <a:schemeClr val="accent1">
+              <a:shade val="50000"/>
+            </a:schemeClr>
+          </a:lnRef>
+          <a:fillRef idx="1">
+            <a:schemeClr val="accent1"/>
+          </a:fillRef>
+          <a:effectRef idx="0">
+            <a:schemeClr val="accent1"/>
+          </a:effectRef>
+          <a:fontRef idx="minor">
+            <a:schemeClr val="lt1"/>
+          </a:fontRef>
+        </p:style>
+        <p:txBody>
+          <a:bodyPr rtlCol="0" anchor="ctr"/>
+          <a:lstStyle/>
+          <a:p>
+            <a:pPr algn="ctr"/>
+            <a:r>
+              <a:rPr lang="ko-KR" altLang="en-US" sz="1469" dirty="0">
+                <a:solidFill>
+                  <a:sysClr val="windowText" lastClr="000000"/>
+                </a:solidFill>
+              </a:rPr>
+              <a:t>강의평가</a:t>
+            </a:r>
+            <a:endParaRPr lang="en-US" altLang="ko-KR" sz="1469" dirty="0">
+              <a:solidFill>
+                <a:sysClr val="windowText" lastClr="000000"/>
+              </a:solidFill>
+            </a:endParaRPr>
+          </a:p>
+          <a:p>
+            <a:pPr algn="ctr"/>
+            <a:r>
+              <a:rPr lang="ko-KR" altLang="en-US" sz="1469" dirty="0">
+                <a:solidFill>
+                  <a:sysClr val="windowText" lastClr="000000"/>
+                </a:solidFill>
+              </a:rPr>
+              <a:t>수행 화면</a:t>
+            </a:r>
+          </a:p>
+        </p:txBody>
+      </p:sp>
+      <p:sp>
+        <p:nvSpPr>
+          <p:cNvPr id="5" name="직사각형 4"/>
+          <p:cNvSpPr/>
+          <p:nvPr/>
+        </p:nvSpPr>
+        <p:spPr>
+          <a:xfrm>
+            <a:off x="15859910" y="19001794"/>
+            <a:ext cx="2075988" cy="968175"/>
+          </a:xfrm>
+          <a:prstGeom prst="rect">
+            <a:avLst/>
+          </a:prstGeom>
+          <a:noFill/>
+          <a:ln w="31750">
+            <a:solidFill>
+              <a:schemeClr val="accent1">
+                <a:shade val="50000"/>
+              </a:schemeClr>
+            </a:solidFill>
+          </a:ln>
+        </p:spPr>
+        <p:style>
+          <a:lnRef idx="2">
+            <a:schemeClr val="accent1">
+              <a:shade val="50000"/>
+            </a:schemeClr>
+          </a:lnRef>
+          <a:fillRef idx="1">
+            <a:schemeClr val="accent1"/>
+          </a:fillRef>
+          <a:effectRef idx="0">
+            <a:schemeClr val="accent1"/>
+          </a:effectRef>
+          <a:fontRef idx="minor">
+            <a:schemeClr val="lt1"/>
+          </a:fontRef>
+        </p:style>
+        <p:txBody>
+          <a:bodyPr rtlCol="0" anchor="ctr"/>
+          <a:lstStyle/>
+          <a:p>
+            <a:pPr algn="ctr"/>
+            <a:r>
+              <a:rPr lang="ko-KR" altLang="en-US" sz="1469" dirty="0">
+                <a:solidFill>
+                  <a:schemeClr val="tx1"/>
+                </a:solidFill>
+              </a:rPr>
+              <a:t>강의평가 대상 선택</a:t>
+            </a:r>
+          </a:p>
+        </p:txBody>
+      </p:sp>
+      <p:cxnSp>
+        <p:nvCxnSpPr>
+          <p:cNvPr id="6" name="직선 화살표 연결선 5"/>
+          <p:cNvCxnSpPr>
+            <a:stCxn id="43" idx="2"/>
+          </p:cNvCxnSpPr>
+          <p:nvPr/>
+        </p:nvCxnSpPr>
+        <p:spPr>
+          <a:xfrm flipH="1">
+            <a:off x="19423492" y="16555859"/>
+            <a:ext cx="1037994" cy="2439695"/>
+          </a:xfrm>
+          <a:prstGeom prst="straightConnector1">
+            <a:avLst/>
+          </a:prstGeom>
+          <a:ln w="38100">
+            <a:headEnd w="lg" len="lg"/>
+            <a:tailEnd type="triangle"/>
+          </a:ln>
+        </p:spPr>
+        <p:style>
+          <a:lnRef idx="1">
+            <a:schemeClr val="accent1"/>
+          </a:lnRef>
+          <a:fillRef idx="0">
+            <a:schemeClr val="accent1"/>
+          </a:fillRef>
+          <a:effectRef idx="0">
+            <a:schemeClr val="accent1"/>
+          </a:effectRef>
+          <a:fontRef idx="minor">
+            <a:schemeClr val="tx1"/>
+          </a:fontRef>
+        </p:style>
+      </p:cxnSp>
+      <p:cxnSp>
+        <p:nvCxnSpPr>
+          <p:cNvPr id="7" name="직선 화살표 연결선 6"/>
+          <p:cNvCxnSpPr/>
+          <p:nvPr/>
+        </p:nvCxnSpPr>
+        <p:spPr>
+          <a:xfrm>
+            <a:off x="28538774" y="16671658"/>
+            <a:ext cx="4870068" cy="2323896"/>
+          </a:xfrm>
+          <a:prstGeom prst="straightConnector1">
+            <a:avLst/>
+          </a:prstGeom>
+          <a:ln w="38100">
+            <a:headEnd w="lg" len="lg"/>
+            <a:tailEnd type="triangle"/>
+          </a:ln>
+        </p:spPr>
+        <p:style>
+          <a:lnRef idx="1">
+            <a:schemeClr val="accent1"/>
+          </a:lnRef>
+          <a:fillRef idx="0">
+            <a:schemeClr val="accent1"/>
+          </a:fillRef>
+          <a:effectRef idx="0">
+            <a:schemeClr val="accent1"/>
+          </a:effectRef>
+          <a:fontRef idx="minor">
+            <a:schemeClr val="tx1"/>
+          </a:fontRef>
+        </p:style>
+      </p:cxnSp>
+      <p:cxnSp>
+        <p:nvCxnSpPr>
+          <p:cNvPr id="8" name="직선 화살표 연결선 7"/>
+          <p:cNvCxnSpPr>
+            <a:endCxn id="5" idx="0"/>
+          </p:cNvCxnSpPr>
+          <p:nvPr/>
+        </p:nvCxnSpPr>
+        <p:spPr>
+          <a:xfrm flipH="1">
+            <a:off x="16897904" y="16555859"/>
+            <a:ext cx="2995982" cy="2445935"/>
+          </a:xfrm>
+          <a:prstGeom prst="straightConnector1">
+            <a:avLst/>
+          </a:prstGeom>
+          <a:ln w="38100">
+            <a:headEnd w="lg" len="lg"/>
+            <a:tailEnd type="triangle"/>
+          </a:ln>
+        </p:spPr>
+        <p:style>
+          <a:lnRef idx="1">
+            <a:schemeClr val="accent1"/>
+          </a:lnRef>
+          <a:fillRef idx="0">
+            <a:schemeClr val="accent1"/>
+          </a:fillRef>
+          <a:effectRef idx="0">
+            <a:schemeClr val="accent1"/>
+          </a:effectRef>
+          <a:fontRef idx="minor">
+            <a:schemeClr val="tx1"/>
+          </a:fontRef>
+        </p:style>
+      </p:cxnSp>
+      <p:grpSp>
+        <p:nvGrpSpPr>
+          <p:cNvPr id="9" name="그룹 8"/>
+          <p:cNvGrpSpPr/>
+          <p:nvPr/>
+        </p:nvGrpSpPr>
+        <p:grpSpPr>
+          <a:xfrm rot="17174790">
+            <a:off x="15803475" y="16491723"/>
+            <a:ext cx="620391" cy="573119"/>
+            <a:chOff x="5764817" y="2081712"/>
+            <a:chExt cx="465295" cy="429840"/>
+          </a:xfrm>
+        </p:grpSpPr>
+        <p:sp>
+          <p:nvSpPr>
+            <p:cNvPr id="10" name="타원 9"/>
+            <p:cNvSpPr/>
+            <p:nvPr/>
+          </p:nvSpPr>
+          <p:spPr>
+            <a:xfrm>
+              <a:off x="5764817" y="2081712"/>
+              <a:ext cx="254984" cy="254984"/>
+            </a:xfrm>
+            <a:prstGeom prst="ellipse">
+              <a:avLst/>
+            </a:prstGeom>
+            <a:noFill/>
+            <a:ln w="38100">
+              <a:solidFill>
+                <a:schemeClr val="accent1"/>
+              </a:solidFill>
+            </a:ln>
+          </p:spPr>
+          <p:style>
+            <a:lnRef idx="2">
+              <a:schemeClr val="accent1">
+                <a:shade val="50000"/>
+              </a:schemeClr>
+            </a:lnRef>
+            <a:fillRef idx="1">
+              <a:schemeClr val="accent1"/>
+            </a:fillRef>
+            <a:effectRef idx="0">
+              <a:schemeClr val="accent1"/>
+            </a:effectRef>
+            <a:fontRef idx="minor">
+              <a:schemeClr val="lt1"/>
+            </a:fontRef>
+          </p:style>
+          <p:txBody>
+            <a:bodyPr rtlCol="0" anchor="ctr"/>
+            <a:lstStyle/>
+            <a:p>
+              <a:pPr algn="ctr"/>
+              <a:endParaRPr lang="ko-KR" altLang="en-US" sz="700"/>
+            </a:p>
+          </p:txBody>
+        </p:sp>
+        <p:cxnSp>
+          <p:nvCxnSpPr>
+            <p:cNvPr id="11" name="직선 연결선 10"/>
+            <p:cNvCxnSpPr>
+              <a:endCxn id="10" idx="5"/>
+            </p:cNvCxnSpPr>
+            <p:nvPr/>
+          </p:nvCxnSpPr>
+          <p:spPr>
+            <a:xfrm flipH="1" flipV="1">
+              <a:off x="5982459" y="2299354"/>
+              <a:ext cx="247653" cy="212198"/>
+            </a:xfrm>
+            <a:prstGeom prst="line">
+              <a:avLst/>
+            </a:prstGeom>
+            <a:ln w="38100">
+              <a:headEnd type="stealth" w="lg" len="lg"/>
+            </a:ln>
+          </p:spPr>
+          <p:style>
+            <a:lnRef idx="1">
+              <a:schemeClr val="accent1"/>
+            </a:lnRef>
+            <a:fillRef idx="0">
+              <a:schemeClr val="accent1"/>
+            </a:fillRef>
+            <a:effectRef idx="0">
+              <a:schemeClr val="accent1"/>
+            </a:effectRef>
+            <a:fontRef idx="minor">
+              <a:schemeClr val="tx1"/>
+            </a:fontRef>
+          </p:style>
+        </p:cxnSp>
+      </p:grpSp>
+      <p:grpSp>
+        <p:nvGrpSpPr>
+          <p:cNvPr id="12" name="그룹 11"/>
+          <p:cNvGrpSpPr/>
+          <p:nvPr/>
+        </p:nvGrpSpPr>
+        <p:grpSpPr>
+          <a:xfrm rot="14736320">
+            <a:off x="22818451" y="17467853"/>
+            <a:ext cx="620391" cy="573119"/>
+            <a:chOff x="5764817" y="2081712"/>
+            <a:chExt cx="465295" cy="429840"/>
+          </a:xfrm>
+        </p:grpSpPr>
+        <p:sp>
+          <p:nvSpPr>
+            <p:cNvPr id="13" name="타원 12"/>
+            <p:cNvSpPr/>
+            <p:nvPr/>
+          </p:nvSpPr>
+          <p:spPr>
+            <a:xfrm>
+              <a:off x="5764817" y="2081712"/>
+              <a:ext cx="254984" cy="254984"/>
+            </a:xfrm>
+            <a:prstGeom prst="ellipse">
+              <a:avLst/>
+            </a:prstGeom>
+            <a:noFill/>
+            <a:ln w="38100">
+              <a:solidFill>
+                <a:schemeClr val="accent1"/>
+              </a:solidFill>
+            </a:ln>
+          </p:spPr>
+          <p:style>
+            <a:lnRef idx="2">
+              <a:schemeClr val="accent1">
+                <a:shade val="50000"/>
+              </a:schemeClr>
+            </a:lnRef>
+            <a:fillRef idx="1">
+              <a:schemeClr val="accent1"/>
+            </a:fillRef>
+            <a:effectRef idx="0">
+              <a:schemeClr val="accent1"/>
+            </a:effectRef>
+            <a:fontRef idx="minor">
+              <a:schemeClr val="lt1"/>
+            </a:fontRef>
+          </p:style>
+          <p:txBody>
+            <a:bodyPr rtlCol="0" anchor="ctr"/>
+            <a:lstStyle/>
+            <a:p>
+              <a:pPr algn="ctr"/>
+              <a:endParaRPr lang="ko-KR" altLang="en-US" sz="700"/>
+            </a:p>
+          </p:txBody>
+        </p:sp>
+        <p:cxnSp>
+          <p:nvCxnSpPr>
+            <p:cNvPr id="14" name="직선 연결선 13"/>
+            <p:cNvCxnSpPr>
+              <a:endCxn id="13" idx="5"/>
+            </p:cNvCxnSpPr>
+            <p:nvPr/>
+          </p:nvCxnSpPr>
+          <p:spPr>
+            <a:xfrm flipH="1" flipV="1">
+              <a:off x="5982459" y="2299354"/>
+              <a:ext cx="247653" cy="212198"/>
+            </a:xfrm>
+            <a:prstGeom prst="line">
+              <a:avLst/>
+            </a:prstGeom>
+            <a:ln w="38100">
+              <a:headEnd type="stealth" w="lg" len="lg"/>
+            </a:ln>
+          </p:spPr>
+          <p:style>
+            <a:lnRef idx="1">
+              <a:schemeClr val="accent1"/>
+            </a:lnRef>
+            <a:fillRef idx="0">
+              <a:schemeClr val="accent1"/>
+            </a:fillRef>
+            <a:effectRef idx="0">
+              <a:schemeClr val="accent1"/>
+            </a:effectRef>
+            <a:fontRef idx="minor">
+              <a:schemeClr val="tx1"/>
+            </a:fontRef>
+          </p:style>
+        </p:cxnSp>
+      </p:grpSp>
+      <p:grpSp>
+        <p:nvGrpSpPr>
+          <p:cNvPr id="15" name="그룹 14"/>
+          <p:cNvGrpSpPr/>
+          <p:nvPr/>
+        </p:nvGrpSpPr>
+        <p:grpSpPr>
+          <a:xfrm rot="20874190">
+            <a:off x="30983267" y="17414736"/>
+            <a:ext cx="620391" cy="573119"/>
+            <a:chOff x="5764817" y="2081712"/>
+            <a:chExt cx="465295" cy="429840"/>
+          </a:xfrm>
+        </p:grpSpPr>
+        <p:sp>
+          <p:nvSpPr>
+            <p:cNvPr id="16" name="타원 15"/>
+            <p:cNvSpPr/>
+            <p:nvPr/>
+          </p:nvSpPr>
+          <p:spPr>
+            <a:xfrm>
+              <a:off x="5764817" y="2081712"/>
+              <a:ext cx="254984" cy="254984"/>
+            </a:xfrm>
+            <a:prstGeom prst="ellipse">
+              <a:avLst/>
+            </a:prstGeom>
+            <a:noFill/>
+            <a:ln w="38100">
+              <a:solidFill>
+                <a:schemeClr val="accent1"/>
+              </a:solidFill>
+            </a:ln>
+          </p:spPr>
+          <p:style>
+            <a:lnRef idx="2">
+              <a:schemeClr val="accent1">
+                <a:shade val="50000"/>
+              </a:schemeClr>
+            </a:lnRef>
+            <a:fillRef idx="1">
+              <a:schemeClr val="accent1"/>
+            </a:fillRef>
+            <a:effectRef idx="0">
+              <a:schemeClr val="accent1"/>
+            </a:effectRef>
+            <a:fontRef idx="minor">
+              <a:schemeClr val="lt1"/>
+            </a:fontRef>
+          </p:style>
+          <p:txBody>
+            <a:bodyPr rtlCol="0" anchor="ctr"/>
+            <a:lstStyle/>
+            <a:p>
+              <a:pPr algn="ctr"/>
+              <a:endParaRPr lang="ko-KR" altLang="en-US" sz="700"/>
+            </a:p>
+          </p:txBody>
+        </p:sp>
+        <p:cxnSp>
+          <p:nvCxnSpPr>
+            <p:cNvPr id="17" name="직선 연결선 16"/>
+            <p:cNvCxnSpPr>
+              <a:endCxn id="16" idx="5"/>
+            </p:cNvCxnSpPr>
+            <p:nvPr/>
+          </p:nvCxnSpPr>
+          <p:spPr>
+            <a:xfrm flipH="1" flipV="1">
+              <a:off x="5982459" y="2299354"/>
+              <a:ext cx="247653" cy="212198"/>
+            </a:xfrm>
+            <a:prstGeom prst="line">
+              <a:avLst/>
+            </a:prstGeom>
+            <a:ln w="38100">
+              <a:headEnd type="stealth" w="lg" len="lg"/>
+            </a:ln>
+          </p:spPr>
+          <p:style>
+            <a:lnRef idx="1">
+              <a:schemeClr val="accent1"/>
+            </a:lnRef>
+            <a:fillRef idx="0">
+              <a:schemeClr val="accent1"/>
+            </a:fillRef>
+            <a:effectRef idx="0">
+              <a:schemeClr val="accent1"/>
+            </a:effectRef>
+            <a:fontRef idx="minor">
+              <a:schemeClr val="tx1"/>
+            </a:fontRef>
+          </p:style>
+        </p:cxnSp>
+      </p:grpSp>
+      <p:sp>
+        <p:nvSpPr>
+          <p:cNvPr id="18" name="직사각형 17"/>
+          <p:cNvSpPr/>
+          <p:nvPr/>
+        </p:nvSpPr>
+        <p:spPr>
+          <a:xfrm>
+            <a:off x="22063415" y="19068312"/>
+            <a:ext cx="2075988" cy="968175"/>
+          </a:xfrm>
+          <a:prstGeom prst="rect">
+            <a:avLst/>
+          </a:prstGeom>
+          <a:noFill/>
+          <a:ln w="31750">
+            <a:solidFill>
+              <a:schemeClr val="accent1">
+                <a:shade val="50000"/>
+              </a:schemeClr>
+            </a:solidFill>
+          </a:ln>
+        </p:spPr>
+        <p:style>
+          <a:lnRef idx="2">
+            <a:schemeClr val="accent1">
+              <a:shade val="50000"/>
+            </a:schemeClr>
+          </a:lnRef>
+          <a:fillRef idx="1">
+            <a:schemeClr val="accent1"/>
+          </a:fillRef>
+          <a:effectRef idx="0">
+            <a:schemeClr val="accent1"/>
+          </a:effectRef>
+          <a:fontRef idx="minor">
+            <a:schemeClr val="lt1"/>
+          </a:fontRef>
+        </p:style>
+        <p:txBody>
+          <a:bodyPr rtlCol="0" anchor="ctr"/>
+          <a:lstStyle/>
+          <a:p>
+            <a:pPr algn="ctr"/>
+            <a:r>
+              <a:rPr lang="ko-KR" altLang="en-US" sz="1469" dirty="0">
+                <a:solidFill>
+                  <a:schemeClr val="tx1"/>
+                </a:solidFill>
+              </a:rPr>
+              <a:t>강의평가</a:t>
+            </a:r>
+            <a:endParaRPr lang="en-US" altLang="ko-KR" sz="1469" dirty="0">
+              <a:solidFill>
+                <a:schemeClr val="tx1"/>
+              </a:solidFill>
+            </a:endParaRPr>
+          </a:p>
+          <a:p>
+            <a:pPr algn="ctr"/>
+            <a:r>
+              <a:rPr lang="ko-KR" altLang="en-US" sz="1469" dirty="0">
+                <a:solidFill>
+                  <a:schemeClr val="tx1"/>
+                </a:solidFill>
+              </a:rPr>
+              <a:t>질문지 구성</a:t>
+            </a:r>
+          </a:p>
+        </p:txBody>
+      </p:sp>
+      <p:sp>
+        <p:nvSpPr>
+          <p:cNvPr id="19" name="직사각형 18"/>
+          <p:cNvSpPr/>
+          <p:nvPr/>
+        </p:nvSpPr>
+        <p:spPr>
+          <a:xfrm>
+            <a:off x="18474693" y="19001793"/>
+            <a:ext cx="2075988" cy="968175"/>
+          </a:xfrm>
+          <a:prstGeom prst="rect">
+            <a:avLst/>
+          </a:prstGeom>
+          <a:noFill/>
+          <a:ln w="31750">
+            <a:solidFill>
+              <a:schemeClr val="accent1">
+                <a:shade val="50000"/>
+              </a:schemeClr>
+            </a:solidFill>
+          </a:ln>
+        </p:spPr>
+        <p:style>
+          <a:lnRef idx="2">
+            <a:schemeClr val="accent1">
+              <a:shade val="50000"/>
+            </a:schemeClr>
+          </a:lnRef>
+          <a:fillRef idx="1">
+            <a:schemeClr val="accent1"/>
+          </a:fillRef>
+          <a:effectRef idx="0">
+            <a:schemeClr val="accent1"/>
+          </a:effectRef>
+          <a:fontRef idx="minor">
+            <a:schemeClr val="lt1"/>
+          </a:fontRef>
+        </p:style>
+        <p:txBody>
+          <a:bodyPr rtlCol="0" anchor="ctr"/>
+          <a:lstStyle/>
+          <a:p>
+            <a:pPr algn="ctr"/>
+            <a:r>
+              <a:rPr lang="ko-KR" altLang="en-US" sz="1469" dirty="0">
+                <a:solidFill>
+                  <a:schemeClr val="tx1"/>
+                </a:solidFill>
+              </a:rPr>
+              <a:t>강의평가 수행</a:t>
+            </a:r>
+          </a:p>
+        </p:txBody>
+      </p:sp>
+      <p:sp>
+        <p:nvSpPr>
+          <p:cNvPr id="20" name="직사각형 19"/>
+          <p:cNvSpPr/>
+          <p:nvPr/>
+        </p:nvSpPr>
+        <p:spPr>
+          <a:xfrm>
+            <a:off x="24601215" y="19071300"/>
+            <a:ext cx="2075988" cy="968175"/>
+          </a:xfrm>
+          <a:prstGeom prst="rect">
+            <a:avLst/>
+          </a:prstGeom>
+          <a:noFill/>
+          <a:ln w="31750">
+            <a:solidFill>
+              <a:schemeClr val="accent1">
+                <a:shade val="50000"/>
+              </a:schemeClr>
+            </a:solidFill>
+          </a:ln>
+        </p:spPr>
+        <p:style>
+          <a:lnRef idx="2">
+            <a:schemeClr val="accent1">
+              <a:shade val="50000"/>
+            </a:schemeClr>
+          </a:lnRef>
+          <a:fillRef idx="1">
+            <a:schemeClr val="accent1"/>
+          </a:fillRef>
+          <a:effectRef idx="0">
+            <a:schemeClr val="accent1"/>
+          </a:effectRef>
+          <a:fontRef idx="minor">
+            <a:schemeClr val="lt1"/>
+          </a:fontRef>
+        </p:style>
+        <p:txBody>
+          <a:bodyPr rtlCol="0" anchor="ctr"/>
+          <a:lstStyle/>
+          <a:p>
+            <a:pPr algn="ctr"/>
+            <a:r>
+              <a:rPr lang="ko-KR" altLang="en-US" sz="1469" dirty="0">
+                <a:solidFill>
+                  <a:schemeClr val="tx1"/>
+                </a:solidFill>
+              </a:rPr>
+              <a:t>강의평가 결과 등록</a:t>
+            </a:r>
+          </a:p>
+        </p:txBody>
+      </p:sp>
+      <p:sp>
+        <p:nvSpPr>
+          <p:cNvPr id="21" name="TextBox 20"/>
+          <p:cNvSpPr txBox="1"/>
+          <p:nvPr/>
+        </p:nvSpPr>
+        <p:spPr>
+          <a:xfrm rot="1863071">
+            <a:off x="30589095" y="17311473"/>
+            <a:ext cx="1973617" cy="318421"/>
+          </a:xfrm>
+          <a:prstGeom prst="rect">
+            <a:avLst/>
+          </a:prstGeom>
+          <a:noFill/>
+        </p:spPr>
+        <p:txBody>
+          <a:bodyPr wrap="none" rtlCol="0">
+            <a:spAutoFit/>
+          </a:bodyPr>
+          <a:lstStyle/>
+          <a:p>
+            <a:r>
+              <a:rPr lang="ko-KR" altLang="en-US" sz="1469" dirty="0"/>
+              <a:t>등록된 강의평가 결과</a:t>
+            </a:r>
+            <a:endParaRPr lang="ko-KR" altLang="en-US" sz="2135" dirty="0"/>
+          </a:p>
+        </p:txBody>
+      </p:sp>
+      <p:cxnSp>
+        <p:nvCxnSpPr>
+          <p:cNvPr id="22" name="직선 화살표 연결선 21"/>
+          <p:cNvCxnSpPr/>
+          <p:nvPr/>
+        </p:nvCxnSpPr>
+        <p:spPr>
+          <a:xfrm flipH="1">
+            <a:off x="22346865" y="20848585"/>
+            <a:ext cx="5106265" cy="2323896"/>
+          </a:xfrm>
+          <a:prstGeom prst="straightConnector1">
+            <a:avLst/>
+          </a:prstGeom>
+          <a:ln w="38100">
+            <a:headEnd w="lg" len="lg"/>
+            <a:tailEnd type="triangle"/>
+          </a:ln>
+        </p:spPr>
+        <p:style>
+          <a:lnRef idx="1">
+            <a:schemeClr val="accent1"/>
+          </a:lnRef>
+          <a:fillRef idx="0">
+            <a:schemeClr val="accent1"/>
+          </a:fillRef>
+          <a:effectRef idx="0">
+            <a:schemeClr val="accent1"/>
+          </a:effectRef>
+          <a:fontRef idx="minor">
+            <a:schemeClr val="tx1"/>
+          </a:fontRef>
+        </p:style>
+      </p:cxnSp>
+      <p:sp>
+        <p:nvSpPr>
+          <p:cNvPr id="23" name="TextBox 22"/>
+          <p:cNvSpPr txBox="1"/>
+          <p:nvPr/>
+        </p:nvSpPr>
+        <p:spPr>
+          <a:xfrm rot="20174509">
+            <a:off x="24232667" y="21016558"/>
+            <a:ext cx="1973617" cy="318421"/>
+          </a:xfrm>
+          <a:prstGeom prst="rect">
+            <a:avLst/>
+          </a:prstGeom>
+          <a:noFill/>
+        </p:spPr>
+        <p:txBody>
+          <a:bodyPr wrap="none" rtlCol="0">
+            <a:spAutoFit/>
+          </a:bodyPr>
+          <a:lstStyle/>
+          <a:p>
+            <a:pPr algn="ctr"/>
+            <a:r>
+              <a:rPr lang="ko-KR" altLang="en-US" sz="1469" dirty="0"/>
+              <a:t>강의평가 질문 리스트</a:t>
+            </a:r>
+            <a:endParaRPr lang="ko-KR" altLang="en-US" sz="2135" dirty="0"/>
+          </a:p>
+        </p:txBody>
+      </p:sp>
+      <p:grpSp>
+        <p:nvGrpSpPr>
+          <p:cNvPr id="24" name="그룹 23"/>
+          <p:cNvGrpSpPr/>
+          <p:nvPr/>
+        </p:nvGrpSpPr>
+        <p:grpSpPr>
+          <a:xfrm rot="17678427">
+            <a:off x="25158679" y="21145137"/>
+            <a:ext cx="620391" cy="573119"/>
+            <a:chOff x="5764817" y="2081712"/>
+            <a:chExt cx="465295" cy="429840"/>
+          </a:xfrm>
+        </p:grpSpPr>
+        <p:sp>
+          <p:nvSpPr>
+            <p:cNvPr id="25" name="타원 24"/>
+            <p:cNvSpPr/>
+            <p:nvPr/>
+          </p:nvSpPr>
+          <p:spPr>
+            <a:xfrm>
+              <a:off x="5764817" y="2081712"/>
+              <a:ext cx="254984" cy="254984"/>
+            </a:xfrm>
+            <a:prstGeom prst="ellipse">
+              <a:avLst/>
+            </a:prstGeom>
+            <a:noFill/>
+            <a:ln w="38100">
+              <a:solidFill>
+                <a:schemeClr val="accent1"/>
+              </a:solidFill>
+            </a:ln>
+          </p:spPr>
+          <p:style>
+            <a:lnRef idx="2">
+              <a:schemeClr val="accent1">
+                <a:shade val="50000"/>
+              </a:schemeClr>
+            </a:lnRef>
+            <a:fillRef idx="1">
+              <a:schemeClr val="accent1"/>
+            </a:fillRef>
+            <a:effectRef idx="0">
+              <a:schemeClr val="accent1"/>
+            </a:effectRef>
+            <a:fontRef idx="minor">
+              <a:schemeClr val="lt1"/>
+            </a:fontRef>
+          </p:style>
+          <p:txBody>
+            <a:bodyPr rtlCol="0" anchor="ctr"/>
+            <a:lstStyle/>
+            <a:p>
+              <a:pPr algn="ctr"/>
+              <a:endParaRPr lang="ko-KR" altLang="en-US" sz="700"/>
+            </a:p>
+          </p:txBody>
+        </p:sp>
+        <p:cxnSp>
+          <p:nvCxnSpPr>
+            <p:cNvPr id="26" name="직선 연결선 25"/>
+            <p:cNvCxnSpPr>
+              <a:endCxn id="25" idx="5"/>
+            </p:cNvCxnSpPr>
+            <p:nvPr/>
+          </p:nvCxnSpPr>
+          <p:spPr>
+            <a:xfrm flipH="1" flipV="1">
+              <a:off x="5982459" y="2299354"/>
+              <a:ext cx="247653" cy="212198"/>
+            </a:xfrm>
+            <a:prstGeom prst="line">
+              <a:avLst/>
+            </a:prstGeom>
+            <a:ln w="38100">
+              <a:headEnd type="stealth" w="lg" len="lg"/>
+            </a:ln>
+          </p:spPr>
+          <p:style>
+            <a:lnRef idx="1">
+              <a:schemeClr val="accent1"/>
+            </a:lnRef>
+            <a:fillRef idx="0">
+              <a:schemeClr val="accent1"/>
+            </a:fillRef>
+            <a:effectRef idx="0">
+              <a:schemeClr val="accent1"/>
+            </a:effectRef>
+            <a:fontRef idx="minor">
+              <a:schemeClr val="tx1"/>
+            </a:fontRef>
+          </p:style>
+        </p:cxnSp>
+      </p:grpSp>
+      <p:sp>
+        <p:nvSpPr>
+          <p:cNvPr id="27" name="TextBox 26"/>
+          <p:cNvSpPr txBox="1"/>
+          <p:nvPr/>
+        </p:nvSpPr>
+        <p:spPr>
+          <a:xfrm rot="19786301">
+            <a:off x="15178474" y="16259100"/>
+            <a:ext cx="1362873" cy="544508"/>
+          </a:xfrm>
+          <a:prstGeom prst="rect">
+            <a:avLst/>
+          </a:prstGeom>
+          <a:noFill/>
+        </p:spPr>
+        <p:txBody>
+          <a:bodyPr wrap="none" rtlCol="0">
+            <a:spAutoFit/>
+          </a:bodyPr>
+          <a:lstStyle/>
+          <a:p>
+            <a:pPr algn="ctr"/>
+            <a:r>
+              <a:rPr lang="ko-KR" altLang="en-US" sz="1469" dirty="0"/>
+              <a:t>강의평가 대상</a:t>
+            </a:r>
+            <a:endParaRPr lang="en-US" altLang="ko-KR" sz="1469" dirty="0"/>
+          </a:p>
+          <a:p>
+            <a:pPr algn="ctr"/>
+            <a:r>
+              <a:rPr lang="ko-KR" altLang="en-US" sz="1469" dirty="0"/>
+              <a:t>입력 정보</a:t>
+            </a:r>
+            <a:endParaRPr lang="ko-KR" altLang="en-US" sz="2135" dirty="0"/>
+          </a:p>
+        </p:txBody>
+      </p:sp>
+      <p:sp>
+        <p:nvSpPr>
+          <p:cNvPr id="28" name="TextBox 27"/>
+          <p:cNvSpPr txBox="1"/>
+          <p:nvPr/>
+        </p:nvSpPr>
+        <p:spPr>
+          <a:xfrm rot="17360752">
+            <a:off x="21935144" y="17355537"/>
+            <a:ext cx="1552027" cy="544508"/>
+          </a:xfrm>
+          <a:prstGeom prst="rect">
+            <a:avLst/>
+          </a:prstGeom>
+          <a:noFill/>
+        </p:spPr>
+        <p:txBody>
+          <a:bodyPr wrap="none" rtlCol="0">
+            <a:spAutoFit/>
+          </a:bodyPr>
+          <a:lstStyle/>
+          <a:p>
+            <a:pPr algn="ctr"/>
+            <a:r>
+              <a:rPr lang="ko-KR" altLang="en-US" sz="1469" dirty="0"/>
+              <a:t>구성된 </a:t>
+            </a:r>
+            <a:endParaRPr lang="en-US" altLang="ko-KR" sz="1469" dirty="0"/>
+          </a:p>
+          <a:p>
+            <a:pPr algn="ctr"/>
+            <a:r>
+              <a:rPr lang="ko-KR" altLang="en-US" sz="1469" dirty="0"/>
+              <a:t>강의평가 질문지</a:t>
+            </a:r>
+            <a:endParaRPr lang="ko-KR" altLang="en-US" sz="2135" dirty="0"/>
+          </a:p>
+        </p:txBody>
+      </p:sp>
+      <p:cxnSp>
+        <p:nvCxnSpPr>
+          <p:cNvPr id="29" name="직선 화살표 연결선 28"/>
+          <p:cNvCxnSpPr>
+            <a:endCxn id="18" idx="0"/>
+          </p:cNvCxnSpPr>
+          <p:nvPr/>
+        </p:nvCxnSpPr>
+        <p:spPr>
+          <a:xfrm flipH="1">
+            <a:off x="23101409" y="16622754"/>
+            <a:ext cx="703090" cy="2445558"/>
+          </a:xfrm>
+          <a:prstGeom prst="straightConnector1">
+            <a:avLst/>
+          </a:prstGeom>
+          <a:ln w="38100">
+            <a:headEnd w="lg" len="lg"/>
+            <a:tailEnd type="triangle"/>
+          </a:ln>
+        </p:spPr>
+        <p:style>
+          <a:lnRef idx="1">
+            <a:schemeClr val="accent1"/>
+          </a:lnRef>
+          <a:fillRef idx="0">
+            <a:schemeClr val="accent1"/>
+          </a:fillRef>
+          <a:effectRef idx="0">
+            <a:schemeClr val="accent1"/>
+          </a:effectRef>
+          <a:fontRef idx="minor">
+            <a:schemeClr val="tx1"/>
+          </a:fontRef>
+        </p:style>
+      </p:cxnSp>
+      <p:cxnSp>
+        <p:nvCxnSpPr>
+          <p:cNvPr id="30" name="직선 화살표 연결선 29"/>
+          <p:cNvCxnSpPr/>
+          <p:nvPr/>
+        </p:nvCxnSpPr>
+        <p:spPr>
+          <a:xfrm>
+            <a:off x="26961820" y="18360577"/>
+            <a:ext cx="2996843" cy="2379959"/>
+          </a:xfrm>
+          <a:prstGeom prst="straightConnector1">
+            <a:avLst/>
+          </a:prstGeom>
+          <a:ln w="38100">
+            <a:headEnd w="lg" len="lg"/>
+            <a:tailEnd type="triangle"/>
+          </a:ln>
+        </p:spPr>
+        <p:style>
+          <a:lnRef idx="1">
+            <a:schemeClr val="accent1"/>
+          </a:lnRef>
+          <a:fillRef idx="0">
+            <a:schemeClr val="accent1"/>
+          </a:fillRef>
+          <a:effectRef idx="0">
+            <a:schemeClr val="accent1"/>
+          </a:effectRef>
+          <a:fontRef idx="minor">
+            <a:schemeClr val="tx1"/>
+          </a:fontRef>
+        </p:style>
+      </p:cxnSp>
+      <p:grpSp>
+        <p:nvGrpSpPr>
+          <p:cNvPr id="31" name="그룹 30"/>
+          <p:cNvGrpSpPr/>
+          <p:nvPr/>
+        </p:nvGrpSpPr>
+        <p:grpSpPr>
+          <a:xfrm rot="12612328">
+            <a:off x="20079025" y="20593541"/>
+            <a:ext cx="620391" cy="573119"/>
+            <a:chOff x="5764817" y="2081712"/>
+            <a:chExt cx="465295" cy="429840"/>
+          </a:xfrm>
+        </p:grpSpPr>
+        <p:sp>
+          <p:nvSpPr>
+            <p:cNvPr id="32" name="타원 31"/>
+            <p:cNvSpPr/>
+            <p:nvPr/>
+          </p:nvSpPr>
+          <p:spPr>
+            <a:xfrm>
+              <a:off x="5764817" y="2081712"/>
+              <a:ext cx="254984" cy="254984"/>
+            </a:xfrm>
+            <a:prstGeom prst="ellipse">
+              <a:avLst/>
+            </a:prstGeom>
+            <a:noFill/>
+            <a:ln w="38100">
+              <a:solidFill>
+                <a:schemeClr val="accent1"/>
+              </a:solidFill>
+            </a:ln>
+          </p:spPr>
+          <p:style>
+            <a:lnRef idx="2">
+              <a:schemeClr val="accent1">
+                <a:shade val="50000"/>
+              </a:schemeClr>
+            </a:lnRef>
+            <a:fillRef idx="1">
+              <a:schemeClr val="accent1"/>
+            </a:fillRef>
+            <a:effectRef idx="0">
+              <a:schemeClr val="accent1"/>
+            </a:effectRef>
+            <a:fontRef idx="minor">
+              <a:schemeClr val="lt1"/>
+            </a:fontRef>
+          </p:style>
+          <p:txBody>
+            <a:bodyPr rtlCol="0" anchor="ctr"/>
+            <a:lstStyle/>
+            <a:p>
+              <a:pPr algn="ctr"/>
+              <a:endParaRPr lang="ko-KR" altLang="en-US" sz="700"/>
+            </a:p>
+          </p:txBody>
+        </p:sp>
+        <p:cxnSp>
+          <p:nvCxnSpPr>
+            <p:cNvPr id="33" name="직선 연결선 32"/>
+            <p:cNvCxnSpPr>
+              <a:endCxn id="32" idx="5"/>
+            </p:cNvCxnSpPr>
+            <p:nvPr/>
+          </p:nvCxnSpPr>
+          <p:spPr>
+            <a:xfrm flipH="1" flipV="1">
+              <a:off x="5982459" y="2299354"/>
+              <a:ext cx="247653" cy="212198"/>
+            </a:xfrm>
+            <a:prstGeom prst="line">
+              <a:avLst/>
+            </a:prstGeom>
+            <a:ln w="38100">
+              <a:headEnd type="stealth" w="lg" len="lg"/>
+            </a:ln>
+          </p:spPr>
+          <p:style>
+            <a:lnRef idx="1">
+              <a:schemeClr val="accent1"/>
+            </a:lnRef>
+            <a:fillRef idx="0">
+              <a:schemeClr val="accent1"/>
+            </a:fillRef>
+            <a:effectRef idx="0">
+              <a:schemeClr val="accent1"/>
+            </a:effectRef>
+            <a:fontRef idx="minor">
+              <a:schemeClr val="tx1"/>
+            </a:fontRef>
+          </p:style>
+        </p:cxnSp>
+      </p:grpSp>
+      <p:sp>
+        <p:nvSpPr>
+          <p:cNvPr id="34" name="TextBox 33"/>
+          <p:cNvSpPr txBox="1"/>
+          <p:nvPr/>
+        </p:nvSpPr>
+        <p:spPr>
+          <a:xfrm rot="4447922">
+            <a:off x="19341696" y="20822954"/>
+            <a:ext cx="1362873" cy="544508"/>
+          </a:xfrm>
+          <a:prstGeom prst="rect">
+            <a:avLst/>
+          </a:prstGeom>
+          <a:noFill/>
+        </p:spPr>
+        <p:txBody>
+          <a:bodyPr wrap="none" rtlCol="0">
+            <a:spAutoFit/>
+          </a:bodyPr>
+          <a:lstStyle/>
+          <a:p>
+            <a:pPr algn="ctr"/>
+            <a:r>
+              <a:rPr lang="ko-KR" altLang="en-US" sz="1469" dirty="0"/>
+              <a:t>등록할</a:t>
+            </a:r>
+            <a:endParaRPr lang="en-US" altLang="ko-KR" sz="1469" dirty="0"/>
+          </a:p>
+          <a:p>
+            <a:pPr algn="ctr"/>
+            <a:r>
+              <a:rPr lang="ko-KR" altLang="en-US" sz="1469" dirty="0"/>
+              <a:t>강의평가 결과</a:t>
+            </a:r>
+            <a:endParaRPr lang="ko-KR" altLang="en-US" sz="2135" dirty="0"/>
+          </a:p>
+        </p:txBody>
+      </p:sp>
+      <p:sp>
+        <p:nvSpPr>
+          <p:cNvPr id="35" name="TextBox 34"/>
+          <p:cNvSpPr txBox="1"/>
+          <p:nvPr/>
+        </p:nvSpPr>
+        <p:spPr>
+          <a:xfrm rot="2900980">
+            <a:off x="26828301" y="19697638"/>
+            <a:ext cx="1973617" cy="318421"/>
+          </a:xfrm>
+          <a:prstGeom prst="rect">
+            <a:avLst/>
+          </a:prstGeom>
+          <a:noFill/>
+        </p:spPr>
+        <p:txBody>
+          <a:bodyPr wrap="none" rtlCol="0">
+            <a:spAutoFit/>
+          </a:bodyPr>
+          <a:lstStyle/>
+          <a:p>
+            <a:r>
+              <a:rPr lang="ko-KR" altLang="en-US" sz="1469" dirty="0"/>
+              <a:t>등록할 강의평가 결과</a:t>
+            </a:r>
+            <a:endParaRPr lang="ko-KR" altLang="en-US" sz="2135" dirty="0"/>
+          </a:p>
+        </p:txBody>
+      </p:sp>
+      <p:grpSp>
+        <p:nvGrpSpPr>
+          <p:cNvPr id="36" name="그룹 35"/>
+          <p:cNvGrpSpPr/>
+          <p:nvPr/>
+        </p:nvGrpSpPr>
+        <p:grpSpPr>
+          <a:xfrm rot="278979">
+            <a:off x="27830329" y="19399660"/>
+            <a:ext cx="620391" cy="573119"/>
+            <a:chOff x="5764817" y="2081712"/>
+            <a:chExt cx="465295" cy="429840"/>
+          </a:xfrm>
+        </p:grpSpPr>
+        <p:sp>
+          <p:nvSpPr>
+            <p:cNvPr id="37" name="타원 36"/>
+            <p:cNvSpPr/>
+            <p:nvPr/>
+          </p:nvSpPr>
+          <p:spPr>
+            <a:xfrm>
+              <a:off x="5764817" y="2081712"/>
+              <a:ext cx="254984" cy="254984"/>
+            </a:xfrm>
+            <a:prstGeom prst="ellipse">
+              <a:avLst/>
+            </a:prstGeom>
+            <a:noFill/>
+            <a:ln w="38100">
+              <a:solidFill>
+                <a:schemeClr val="accent1"/>
+              </a:solidFill>
+            </a:ln>
+          </p:spPr>
+          <p:style>
+            <a:lnRef idx="2">
+              <a:schemeClr val="accent1">
+                <a:shade val="50000"/>
+              </a:schemeClr>
+            </a:lnRef>
+            <a:fillRef idx="1">
+              <a:schemeClr val="accent1"/>
+            </a:fillRef>
+            <a:effectRef idx="0">
+              <a:schemeClr val="accent1"/>
+            </a:effectRef>
+            <a:fontRef idx="minor">
+              <a:schemeClr val="lt1"/>
+            </a:fontRef>
+          </p:style>
+          <p:txBody>
+            <a:bodyPr rtlCol="0" anchor="ctr"/>
+            <a:lstStyle/>
+            <a:p>
+              <a:pPr algn="ctr"/>
+              <a:endParaRPr lang="ko-KR" altLang="en-US" sz="700"/>
+            </a:p>
+          </p:txBody>
+        </p:sp>
+        <p:cxnSp>
+          <p:nvCxnSpPr>
+            <p:cNvPr id="38" name="직선 연결선 37"/>
+            <p:cNvCxnSpPr>
+              <a:endCxn id="37" idx="5"/>
+            </p:cNvCxnSpPr>
+            <p:nvPr/>
+          </p:nvCxnSpPr>
+          <p:spPr>
+            <a:xfrm flipH="1" flipV="1">
+              <a:off x="5982459" y="2299354"/>
+              <a:ext cx="247653" cy="212198"/>
+            </a:xfrm>
+            <a:prstGeom prst="line">
+              <a:avLst/>
+            </a:prstGeom>
+            <a:ln w="38100">
+              <a:headEnd type="stealth" w="lg" len="lg"/>
+            </a:ln>
+          </p:spPr>
+          <p:style>
+            <a:lnRef idx="1">
+              <a:schemeClr val="accent1"/>
+            </a:lnRef>
+            <a:fillRef idx="0">
+              <a:schemeClr val="accent1"/>
+            </a:fillRef>
+            <a:effectRef idx="0">
+              <a:schemeClr val="accent1"/>
+            </a:effectRef>
+            <a:fontRef idx="minor">
+              <a:schemeClr val="tx1"/>
+            </a:fontRef>
+          </p:style>
+        </p:cxnSp>
+      </p:grpSp>
+      <p:grpSp>
+        <p:nvGrpSpPr>
+          <p:cNvPr id="39" name="그룹 38"/>
+          <p:cNvGrpSpPr/>
+          <p:nvPr/>
+        </p:nvGrpSpPr>
+        <p:grpSpPr>
+          <a:xfrm rot="10800000">
+            <a:off x="28624891" y="19399849"/>
+            <a:ext cx="620391" cy="573119"/>
+            <a:chOff x="5764817" y="2081712"/>
+            <a:chExt cx="465295" cy="429840"/>
+          </a:xfrm>
+        </p:grpSpPr>
+        <p:sp>
+          <p:nvSpPr>
+            <p:cNvPr id="40" name="타원 39"/>
+            <p:cNvSpPr/>
+            <p:nvPr/>
+          </p:nvSpPr>
+          <p:spPr>
+            <a:xfrm>
+              <a:off x="5764817" y="2081712"/>
+              <a:ext cx="254984" cy="254984"/>
+            </a:xfrm>
+            <a:prstGeom prst="ellipse">
+              <a:avLst/>
+            </a:prstGeom>
+            <a:noFill/>
+            <a:ln w="38100">
+              <a:solidFill>
+                <a:schemeClr val="accent1"/>
+              </a:solidFill>
+            </a:ln>
+          </p:spPr>
+          <p:style>
+            <a:lnRef idx="2">
+              <a:schemeClr val="accent1">
+                <a:shade val="50000"/>
+              </a:schemeClr>
+            </a:lnRef>
+            <a:fillRef idx="1">
+              <a:schemeClr val="accent1"/>
+            </a:fillRef>
+            <a:effectRef idx="0">
+              <a:schemeClr val="accent1"/>
+            </a:effectRef>
+            <a:fontRef idx="minor">
+              <a:schemeClr val="lt1"/>
+            </a:fontRef>
+          </p:style>
+          <p:txBody>
+            <a:bodyPr rtlCol="0" anchor="ctr"/>
+            <a:lstStyle/>
+            <a:p>
+              <a:pPr algn="ctr"/>
+              <a:endParaRPr lang="ko-KR" altLang="en-US" sz="700"/>
+            </a:p>
+          </p:txBody>
+        </p:sp>
+        <p:cxnSp>
+          <p:nvCxnSpPr>
+            <p:cNvPr id="41" name="직선 연결선 40"/>
+            <p:cNvCxnSpPr>
+              <a:endCxn id="40" idx="5"/>
+            </p:cNvCxnSpPr>
+            <p:nvPr/>
+          </p:nvCxnSpPr>
+          <p:spPr>
+            <a:xfrm flipH="1" flipV="1">
+              <a:off x="5982459" y="2299354"/>
+              <a:ext cx="247653" cy="212198"/>
+            </a:xfrm>
+            <a:prstGeom prst="line">
+              <a:avLst/>
+            </a:prstGeom>
+            <a:ln w="38100">
+              <a:headEnd type="stealth" w="lg" len="lg"/>
+            </a:ln>
+          </p:spPr>
+          <p:style>
+            <a:lnRef idx="1">
+              <a:schemeClr val="accent1"/>
+            </a:lnRef>
+            <a:fillRef idx="0">
+              <a:schemeClr val="accent1"/>
+            </a:fillRef>
+            <a:effectRef idx="0">
+              <a:schemeClr val="accent1"/>
+            </a:effectRef>
+            <a:fontRef idx="minor">
+              <a:schemeClr val="tx1"/>
+            </a:fontRef>
+          </p:style>
+        </p:cxnSp>
+      </p:grpSp>
+      <p:sp>
+        <p:nvSpPr>
+          <p:cNvPr id="42" name="TextBox 41"/>
+          <p:cNvSpPr txBox="1"/>
+          <p:nvPr/>
+        </p:nvSpPr>
+        <p:spPr>
+          <a:xfrm rot="2306805">
+            <a:off x="28320272" y="19426257"/>
+            <a:ext cx="1973617" cy="318421"/>
+          </a:xfrm>
+          <a:prstGeom prst="rect">
+            <a:avLst/>
+          </a:prstGeom>
+          <a:noFill/>
+        </p:spPr>
+        <p:txBody>
+          <a:bodyPr wrap="none" rtlCol="0">
+            <a:spAutoFit/>
+          </a:bodyPr>
+          <a:lstStyle/>
+          <a:p>
+            <a:r>
+              <a:rPr lang="ko-KR" altLang="en-US" sz="1469" dirty="0"/>
+              <a:t>등록된 강의평가 결과</a:t>
+            </a:r>
+            <a:endParaRPr lang="ko-KR" altLang="en-US" sz="2135" dirty="0"/>
+          </a:p>
+        </p:txBody>
+      </p:sp>
+      <p:sp>
+        <p:nvSpPr>
+          <p:cNvPr id="43" name="직사각형 42"/>
+          <p:cNvSpPr/>
+          <p:nvPr/>
+        </p:nvSpPr>
+        <p:spPr>
+          <a:xfrm>
+            <a:off x="19423492" y="15587684"/>
+            <a:ext cx="2075988" cy="968175"/>
+          </a:xfrm>
+          <a:prstGeom prst="rect">
+            <a:avLst/>
+          </a:prstGeom>
+          <a:noFill/>
+          <a:ln w="31750">
+            <a:solidFill>
+              <a:schemeClr val="accent1">
+                <a:shade val="50000"/>
+              </a:schemeClr>
+            </a:solidFill>
+          </a:ln>
+        </p:spPr>
+        <p:style>
+          <a:lnRef idx="2">
+            <a:schemeClr val="accent1">
+              <a:shade val="50000"/>
+            </a:schemeClr>
+          </a:lnRef>
+          <a:fillRef idx="1">
+            <a:schemeClr val="accent1"/>
+          </a:fillRef>
+          <a:effectRef idx="0">
+            <a:schemeClr val="accent1"/>
+          </a:effectRef>
+          <a:fontRef idx="minor">
+            <a:schemeClr val="lt1"/>
+          </a:fontRef>
+        </p:style>
+        <p:txBody>
+          <a:bodyPr rtlCol="0" anchor="ctr"/>
+          <a:lstStyle/>
+          <a:p>
+            <a:pPr algn="ctr"/>
+            <a:r>
+              <a:rPr lang="ko-KR" altLang="en-US" sz="1469" dirty="0" smtClean="0">
+                <a:solidFill>
+                  <a:schemeClr val="tx1"/>
+                </a:solidFill>
+              </a:rPr>
+              <a:t>입력</a:t>
+            </a:r>
+            <a:endParaRPr lang="ko-KR" altLang="en-US" sz="1469" dirty="0">
+              <a:solidFill>
+                <a:schemeClr val="tx1"/>
+              </a:solidFill>
+            </a:endParaRPr>
+          </a:p>
+        </p:txBody>
+      </p:sp>
+      <p:cxnSp>
+        <p:nvCxnSpPr>
+          <p:cNvPr id="44" name="직선 화살표 연결선 43"/>
+          <p:cNvCxnSpPr>
+            <a:stCxn id="4" idx="2"/>
+            <a:endCxn id="43" idx="0"/>
+          </p:cNvCxnSpPr>
+          <p:nvPr/>
+        </p:nvCxnSpPr>
+        <p:spPr>
+          <a:xfrm flipH="1">
+            <a:off x="20461478" y="13548918"/>
+            <a:ext cx="3284176" cy="2038767"/>
+          </a:xfrm>
+          <a:prstGeom prst="straightConnector1">
+            <a:avLst/>
+          </a:prstGeom>
+          <a:ln w="38100">
+            <a:headEnd w="lg" len="lg"/>
+            <a:tailEnd type="triangle"/>
+          </a:ln>
+        </p:spPr>
+        <p:style>
+          <a:lnRef idx="1">
+            <a:schemeClr val="accent1"/>
+          </a:lnRef>
+          <a:fillRef idx="0">
+            <a:schemeClr val="accent1"/>
+          </a:fillRef>
+          <a:effectRef idx="0">
+            <a:schemeClr val="accent1"/>
+          </a:effectRef>
+          <a:fontRef idx="minor">
+            <a:schemeClr val="tx1"/>
+          </a:fontRef>
+        </p:style>
+      </p:cxnSp>
+      <p:sp>
+        <p:nvSpPr>
+          <p:cNvPr id="45" name="직사각형 44"/>
+          <p:cNvSpPr/>
+          <p:nvPr/>
+        </p:nvSpPr>
+        <p:spPr>
+          <a:xfrm>
+            <a:off x="23170790" y="15621132"/>
+            <a:ext cx="2075988" cy="968175"/>
+          </a:xfrm>
+          <a:prstGeom prst="rect">
+            <a:avLst/>
+          </a:prstGeom>
+          <a:noFill/>
+          <a:ln w="31750">
+            <a:solidFill>
+              <a:schemeClr val="accent1">
+                <a:shade val="50000"/>
+              </a:schemeClr>
+            </a:solidFill>
+          </a:ln>
+        </p:spPr>
+        <p:style>
+          <a:lnRef idx="2">
+            <a:schemeClr val="accent1">
+              <a:shade val="50000"/>
+            </a:schemeClr>
+          </a:lnRef>
+          <a:fillRef idx="1">
+            <a:schemeClr val="accent1"/>
+          </a:fillRef>
+          <a:effectRef idx="0">
+            <a:schemeClr val="accent1"/>
+          </a:effectRef>
+          <a:fontRef idx="minor">
+            <a:schemeClr val="lt1"/>
+          </a:fontRef>
+        </p:style>
+        <p:txBody>
+          <a:bodyPr rtlCol="0" anchor="ctr"/>
+          <a:lstStyle/>
+          <a:p>
+            <a:pPr algn="ctr"/>
+            <a:r>
+              <a:rPr lang="ko-KR" altLang="en-US" sz="1469" dirty="0" smtClean="0">
+                <a:solidFill>
+                  <a:schemeClr val="tx1"/>
+                </a:solidFill>
+              </a:rPr>
+              <a:t>변환</a:t>
+            </a:r>
+            <a:endParaRPr lang="ko-KR" altLang="en-US" sz="1469" dirty="0">
+              <a:solidFill>
+                <a:schemeClr val="tx1"/>
+              </a:solidFill>
+            </a:endParaRPr>
+          </a:p>
+        </p:txBody>
+      </p:sp>
+      <p:grpSp>
+        <p:nvGrpSpPr>
+          <p:cNvPr id="46" name="그룹 45"/>
+          <p:cNvGrpSpPr/>
+          <p:nvPr/>
+        </p:nvGrpSpPr>
+        <p:grpSpPr>
+          <a:xfrm rot="5672329">
+            <a:off x="21275608" y="14179639"/>
+            <a:ext cx="620391" cy="573119"/>
+            <a:chOff x="5764817" y="2081712"/>
+            <a:chExt cx="465295" cy="429840"/>
+          </a:xfrm>
+        </p:grpSpPr>
+        <p:sp>
+          <p:nvSpPr>
+            <p:cNvPr id="47" name="타원 46"/>
+            <p:cNvSpPr/>
+            <p:nvPr/>
+          </p:nvSpPr>
+          <p:spPr>
+            <a:xfrm>
+              <a:off x="5764817" y="2081712"/>
+              <a:ext cx="254984" cy="254984"/>
+            </a:xfrm>
+            <a:prstGeom prst="ellipse">
+              <a:avLst/>
+            </a:prstGeom>
+            <a:noFill/>
+            <a:ln w="38100">
+              <a:solidFill>
+                <a:schemeClr val="accent1"/>
+              </a:solidFill>
+            </a:ln>
+          </p:spPr>
+          <p:style>
+            <a:lnRef idx="2">
+              <a:schemeClr val="accent1">
+                <a:shade val="50000"/>
+              </a:schemeClr>
+            </a:lnRef>
+            <a:fillRef idx="1">
+              <a:schemeClr val="accent1"/>
+            </a:fillRef>
+            <a:effectRef idx="0">
+              <a:schemeClr val="accent1"/>
+            </a:effectRef>
+            <a:fontRef idx="minor">
+              <a:schemeClr val="lt1"/>
+            </a:fontRef>
+          </p:style>
+          <p:txBody>
+            <a:bodyPr rtlCol="0" anchor="ctr"/>
+            <a:lstStyle/>
+            <a:p>
+              <a:pPr algn="ctr"/>
+              <a:endParaRPr lang="ko-KR" altLang="en-US" sz="700"/>
+            </a:p>
+          </p:txBody>
+        </p:sp>
+        <p:cxnSp>
+          <p:nvCxnSpPr>
+            <p:cNvPr id="48" name="직선 연결선 47"/>
+            <p:cNvCxnSpPr>
+              <a:endCxn id="47" idx="5"/>
+            </p:cNvCxnSpPr>
+            <p:nvPr/>
+          </p:nvCxnSpPr>
+          <p:spPr>
+            <a:xfrm flipH="1" flipV="1">
+              <a:off x="5982459" y="2299354"/>
+              <a:ext cx="247653" cy="212198"/>
+            </a:xfrm>
+            <a:prstGeom prst="line">
+              <a:avLst/>
+            </a:prstGeom>
+            <a:ln w="38100">
+              <a:headEnd type="stealth" w="lg" len="lg"/>
+            </a:ln>
+          </p:spPr>
+          <p:style>
+            <a:lnRef idx="1">
+              <a:schemeClr val="accent1"/>
+            </a:lnRef>
+            <a:fillRef idx="0">
+              <a:schemeClr val="accent1"/>
+            </a:fillRef>
+            <a:effectRef idx="0">
+              <a:schemeClr val="accent1"/>
+            </a:effectRef>
+            <a:fontRef idx="minor">
+              <a:schemeClr val="tx1"/>
+            </a:fontRef>
+          </p:style>
+        </p:cxnSp>
+      </p:grpSp>
+      <p:sp>
+        <p:nvSpPr>
+          <p:cNvPr id="49" name="TextBox 48"/>
+          <p:cNvSpPr txBox="1"/>
+          <p:nvPr/>
+        </p:nvSpPr>
+        <p:spPr>
+          <a:xfrm rot="19188507">
+            <a:off x="20281304" y="14066989"/>
+            <a:ext cx="1784463" cy="318421"/>
+          </a:xfrm>
+          <a:prstGeom prst="rect">
+            <a:avLst/>
+          </a:prstGeom>
+          <a:noFill/>
+        </p:spPr>
+        <p:txBody>
+          <a:bodyPr wrap="none" rtlCol="0">
+            <a:spAutoFit/>
+          </a:bodyPr>
+          <a:lstStyle/>
+          <a:p>
+            <a:pPr algn="ctr"/>
+            <a:r>
+              <a:rPr lang="ko-KR" altLang="en-US" sz="1469" dirty="0"/>
+              <a:t>강의평가 화면 정보</a:t>
+            </a:r>
+            <a:endParaRPr lang="ko-KR" altLang="en-US" sz="2135" dirty="0"/>
+          </a:p>
+        </p:txBody>
+      </p:sp>
+      <p:cxnSp>
+        <p:nvCxnSpPr>
+          <p:cNvPr id="50" name="직선 화살표 연결선 49"/>
+          <p:cNvCxnSpPr>
+            <a:stCxn id="4" idx="2"/>
+            <a:endCxn id="45" idx="0"/>
+          </p:cNvCxnSpPr>
+          <p:nvPr/>
+        </p:nvCxnSpPr>
+        <p:spPr>
+          <a:xfrm>
+            <a:off x="23745654" y="13548913"/>
+            <a:ext cx="463129" cy="2072216"/>
+          </a:xfrm>
+          <a:prstGeom prst="straightConnector1">
+            <a:avLst/>
+          </a:prstGeom>
+          <a:ln w="38100">
+            <a:headEnd w="lg" len="lg"/>
+            <a:tailEnd type="triangle"/>
+          </a:ln>
+        </p:spPr>
+        <p:style>
+          <a:lnRef idx="1">
+            <a:schemeClr val="accent1"/>
+          </a:lnRef>
+          <a:fillRef idx="0">
+            <a:schemeClr val="accent1"/>
+          </a:fillRef>
+          <a:effectRef idx="0">
+            <a:schemeClr val="accent1"/>
+          </a:effectRef>
+          <a:fontRef idx="minor">
+            <a:schemeClr val="tx1"/>
+          </a:fontRef>
+        </p:style>
+      </p:cxnSp>
+      <p:grpSp>
+        <p:nvGrpSpPr>
+          <p:cNvPr id="51" name="그룹 50"/>
+          <p:cNvGrpSpPr/>
+          <p:nvPr/>
+        </p:nvGrpSpPr>
+        <p:grpSpPr>
+          <a:xfrm rot="2052325">
+            <a:off x="24036519" y="14269220"/>
+            <a:ext cx="620391" cy="573119"/>
+            <a:chOff x="5764817" y="2081712"/>
+            <a:chExt cx="465295" cy="429840"/>
+          </a:xfrm>
+        </p:grpSpPr>
+        <p:sp>
+          <p:nvSpPr>
+            <p:cNvPr id="52" name="타원 51"/>
+            <p:cNvSpPr/>
+            <p:nvPr/>
+          </p:nvSpPr>
+          <p:spPr>
+            <a:xfrm>
+              <a:off x="5764817" y="2081712"/>
+              <a:ext cx="254984" cy="254984"/>
+            </a:xfrm>
+            <a:prstGeom prst="ellipse">
+              <a:avLst/>
+            </a:prstGeom>
+            <a:noFill/>
+            <a:ln w="38100">
+              <a:solidFill>
+                <a:schemeClr val="accent1"/>
+              </a:solidFill>
+            </a:ln>
+          </p:spPr>
+          <p:style>
+            <a:lnRef idx="2">
+              <a:schemeClr val="accent1">
+                <a:shade val="50000"/>
+              </a:schemeClr>
+            </a:lnRef>
+            <a:fillRef idx="1">
+              <a:schemeClr val="accent1"/>
+            </a:fillRef>
+            <a:effectRef idx="0">
+              <a:schemeClr val="accent1"/>
+            </a:effectRef>
+            <a:fontRef idx="minor">
+              <a:schemeClr val="lt1"/>
+            </a:fontRef>
+          </p:style>
+          <p:txBody>
+            <a:bodyPr rtlCol="0" anchor="ctr"/>
+            <a:lstStyle/>
+            <a:p>
+              <a:pPr algn="ctr"/>
+              <a:endParaRPr lang="ko-KR" altLang="en-US" sz="700"/>
+            </a:p>
+          </p:txBody>
+        </p:sp>
+        <p:cxnSp>
+          <p:nvCxnSpPr>
+            <p:cNvPr id="53" name="직선 연결선 52"/>
+            <p:cNvCxnSpPr>
+              <a:endCxn id="52" idx="5"/>
+            </p:cNvCxnSpPr>
+            <p:nvPr/>
+          </p:nvCxnSpPr>
+          <p:spPr>
+            <a:xfrm flipH="1" flipV="1">
+              <a:off x="5982459" y="2299354"/>
+              <a:ext cx="247653" cy="212198"/>
+            </a:xfrm>
+            <a:prstGeom prst="line">
+              <a:avLst/>
+            </a:prstGeom>
+            <a:ln w="38100">
+              <a:headEnd type="stealth" w="lg" len="lg"/>
+            </a:ln>
+          </p:spPr>
+          <p:style>
+            <a:lnRef idx="1">
+              <a:schemeClr val="accent1"/>
+            </a:lnRef>
+            <a:fillRef idx="0">
+              <a:schemeClr val="accent1"/>
+            </a:fillRef>
+            <a:effectRef idx="0">
+              <a:schemeClr val="accent1"/>
+            </a:effectRef>
+            <a:fontRef idx="minor">
+              <a:schemeClr val="tx1"/>
+            </a:fontRef>
+          </p:style>
+        </p:cxnSp>
+      </p:grpSp>
+      <p:sp>
+        <p:nvSpPr>
+          <p:cNvPr id="54" name="TextBox 53"/>
+          <p:cNvSpPr txBox="1"/>
+          <p:nvPr/>
+        </p:nvSpPr>
+        <p:spPr>
+          <a:xfrm rot="4709987">
+            <a:off x="24235496" y="14345356"/>
+            <a:ext cx="984565" cy="318421"/>
+          </a:xfrm>
+          <a:prstGeom prst="rect">
+            <a:avLst/>
+          </a:prstGeom>
+          <a:noFill/>
+        </p:spPr>
+        <p:txBody>
+          <a:bodyPr wrap="none" rtlCol="0">
+            <a:spAutoFit/>
+          </a:bodyPr>
+          <a:lstStyle/>
+          <a:p>
+            <a:pPr algn="ctr"/>
+            <a:r>
+              <a:rPr lang="ko-KR" altLang="en-US" sz="1469" dirty="0"/>
+              <a:t>회원 정보</a:t>
+            </a:r>
+            <a:endParaRPr lang="ko-KR" altLang="en-US" sz="2135" dirty="0"/>
+          </a:p>
+        </p:txBody>
+      </p:sp>
+      <p:grpSp>
+        <p:nvGrpSpPr>
+          <p:cNvPr id="55" name="그룹 54"/>
+          <p:cNvGrpSpPr/>
+          <p:nvPr/>
+        </p:nvGrpSpPr>
+        <p:grpSpPr>
+          <a:xfrm rot="13016792">
+            <a:off x="23384268" y="14470786"/>
+            <a:ext cx="620391" cy="573119"/>
+            <a:chOff x="5764817" y="2081712"/>
+            <a:chExt cx="465295" cy="429840"/>
+          </a:xfrm>
+        </p:grpSpPr>
+        <p:sp>
+          <p:nvSpPr>
+            <p:cNvPr id="56" name="타원 55"/>
+            <p:cNvSpPr/>
+            <p:nvPr/>
+          </p:nvSpPr>
+          <p:spPr>
+            <a:xfrm>
+              <a:off x="5764817" y="2081712"/>
+              <a:ext cx="254984" cy="254984"/>
+            </a:xfrm>
+            <a:prstGeom prst="ellipse">
+              <a:avLst/>
+            </a:prstGeom>
+            <a:noFill/>
+            <a:ln w="38100">
+              <a:solidFill>
+                <a:schemeClr val="accent1"/>
+              </a:solidFill>
+            </a:ln>
+          </p:spPr>
+          <p:style>
+            <a:lnRef idx="2">
+              <a:schemeClr val="accent1">
+                <a:shade val="50000"/>
+              </a:schemeClr>
+            </a:lnRef>
+            <a:fillRef idx="1">
+              <a:schemeClr val="accent1"/>
+            </a:fillRef>
+            <a:effectRef idx="0">
+              <a:schemeClr val="accent1"/>
+            </a:effectRef>
+            <a:fontRef idx="minor">
+              <a:schemeClr val="lt1"/>
+            </a:fontRef>
+          </p:style>
+          <p:txBody>
+            <a:bodyPr rtlCol="0" anchor="ctr"/>
+            <a:lstStyle/>
+            <a:p>
+              <a:pPr algn="ctr"/>
+              <a:endParaRPr lang="ko-KR" altLang="en-US" sz="700"/>
+            </a:p>
+          </p:txBody>
+        </p:sp>
+        <p:cxnSp>
+          <p:nvCxnSpPr>
+            <p:cNvPr id="57" name="직선 연결선 56"/>
+            <p:cNvCxnSpPr>
+              <a:endCxn id="56" idx="5"/>
+            </p:cNvCxnSpPr>
+            <p:nvPr/>
+          </p:nvCxnSpPr>
+          <p:spPr>
+            <a:xfrm flipH="1" flipV="1">
+              <a:off x="5982459" y="2299354"/>
+              <a:ext cx="247653" cy="212198"/>
+            </a:xfrm>
+            <a:prstGeom prst="line">
+              <a:avLst/>
+            </a:prstGeom>
+            <a:ln w="38100">
+              <a:headEnd type="stealth" w="lg" len="lg"/>
+            </a:ln>
+          </p:spPr>
+          <p:style>
+            <a:lnRef idx="1">
+              <a:schemeClr val="accent1"/>
+            </a:lnRef>
+            <a:fillRef idx="0">
+              <a:schemeClr val="accent1"/>
+            </a:fillRef>
+            <a:effectRef idx="0">
+              <a:schemeClr val="accent1"/>
+            </a:effectRef>
+            <a:fontRef idx="minor">
+              <a:schemeClr val="tx1"/>
+            </a:fontRef>
+          </p:style>
+        </p:cxnSp>
+      </p:grpSp>
+      <p:sp>
+        <p:nvSpPr>
+          <p:cNvPr id="58" name="TextBox 57"/>
+          <p:cNvSpPr txBox="1"/>
+          <p:nvPr/>
+        </p:nvSpPr>
+        <p:spPr>
+          <a:xfrm rot="4709987">
+            <a:off x="22847012" y="14732944"/>
+            <a:ext cx="984565" cy="318421"/>
+          </a:xfrm>
+          <a:prstGeom prst="rect">
+            <a:avLst/>
+          </a:prstGeom>
+          <a:noFill/>
+        </p:spPr>
+        <p:txBody>
+          <a:bodyPr wrap="none" rtlCol="0">
+            <a:spAutoFit/>
+          </a:bodyPr>
+          <a:lstStyle/>
+          <a:p>
+            <a:pPr algn="ctr"/>
+            <a:r>
+              <a:rPr lang="ko-KR" altLang="en-US" sz="1469" dirty="0"/>
+              <a:t>수강 정보</a:t>
+            </a:r>
+            <a:endParaRPr lang="ko-KR" altLang="en-US" sz="2135" dirty="0"/>
+          </a:p>
+        </p:txBody>
+      </p:sp>
+      <p:sp>
+        <p:nvSpPr>
+          <p:cNvPr id="59" name="직사각형 58"/>
+          <p:cNvSpPr/>
+          <p:nvPr/>
+        </p:nvSpPr>
+        <p:spPr>
+          <a:xfrm>
+            <a:off x="26511160" y="15625731"/>
+            <a:ext cx="2075988" cy="968175"/>
+          </a:xfrm>
+          <a:prstGeom prst="rect">
+            <a:avLst/>
+          </a:prstGeom>
+          <a:noFill/>
+          <a:ln w="31750">
+            <a:solidFill>
+              <a:schemeClr val="accent1">
+                <a:shade val="50000"/>
+              </a:schemeClr>
+            </a:solidFill>
+          </a:ln>
+        </p:spPr>
+        <p:style>
+          <a:lnRef idx="2">
+            <a:schemeClr val="accent1">
+              <a:shade val="50000"/>
+            </a:schemeClr>
+          </a:lnRef>
+          <a:fillRef idx="1">
+            <a:schemeClr val="accent1"/>
+          </a:fillRef>
+          <a:effectRef idx="0">
+            <a:schemeClr val="accent1"/>
+          </a:effectRef>
+          <a:fontRef idx="minor">
+            <a:schemeClr val="lt1"/>
+          </a:fontRef>
+        </p:style>
+        <p:txBody>
+          <a:bodyPr rtlCol="0" anchor="ctr"/>
+          <a:lstStyle/>
+          <a:p>
+            <a:pPr algn="ctr"/>
+            <a:r>
+              <a:rPr lang="ko-KR" altLang="en-US" sz="1469" dirty="0" smtClean="0">
+                <a:solidFill>
+                  <a:schemeClr val="tx1"/>
+                </a:solidFill>
+              </a:rPr>
+              <a:t>출력</a:t>
+            </a:r>
+            <a:endParaRPr lang="ko-KR" altLang="en-US" sz="1469" dirty="0">
+              <a:solidFill>
+                <a:schemeClr val="tx1"/>
+              </a:solidFill>
+            </a:endParaRPr>
+          </a:p>
+        </p:txBody>
+      </p:sp>
+      <p:cxnSp>
+        <p:nvCxnSpPr>
+          <p:cNvPr id="60" name="직선 화살표 연결선 59"/>
+          <p:cNvCxnSpPr>
+            <a:stCxn id="4" idx="2"/>
+            <a:endCxn id="59" idx="0"/>
+          </p:cNvCxnSpPr>
+          <p:nvPr/>
+        </p:nvCxnSpPr>
+        <p:spPr>
+          <a:xfrm>
+            <a:off x="23745658" y="13548916"/>
+            <a:ext cx="3803500" cy="2076815"/>
+          </a:xfrm>
+          <a:prstGeom prst="straightConnector1">
+            <a:avLst/>
+          </a:prstGeom>
+          <a:ln w="38100">
+            <a:headEnd w="lg" len="lg"/>
+            <a:tailEnd type="triangle"/>
+          </a:ln>
+        </p:spPr>
+        <p:style>
+          <a:lnRef idx="1">
+            <a:schemeClr val="accent1"/>
+          </a:lnRef>
+          <a:fillRef idx="0">
+            <a:schemeClr val="accent1"/>
+          </a:fillRef>
+          <a:effectRef idx="0">
+            <a:schemeClr val="accent1"/>
+          </a:effectRef>
+          <a:fontRef idx="minor">
+            <a:schemeClr val="tx1"/>
+          </a:fontRef>
+        </p:style>
+      </p:cxnSp>
+      <p:grpSp>
+        <p:nvGrpSpPr>
+          <p:cNvPr id="61" name="그룹 60"/>
+          <p:cNvGrpSpPr/>
+          <p:nvPr/>
+        </p:nvGrpSpPr>
+        <p:grpSpPr>
+          <a:xfrm rot="367939">
+            <a:off x="25792986" y="14074954"/>
+            <a:ext cx="620391" cy="573119"/>
+            <a:chOff x="5764817" y="2081712"/>
+            <a:chExt cx="465295" cy="429840"/>
+          </a:xfrm>
+        </p:grpSpPr>
+        <p:sp>
+          <p:nvSpPr>
+            <p:cNvPr id="62" name="타원 61"/>
+            <p:cNvSpPr/>
+            <p:nvPr/>
+          </p:nvSpPr>
+          <p:spPr>
+            <a:xfrm>
+              <a:off x="5764817" y="2081712"/>
+              <a:ext cx="254984" cy="254984"/>
+            </a:xfrm>
+            <a:prstGeom prst="ellipse">
+              <a:avLst/>
+            </a:prstGeom>
+            <a:noFill/>
+            <a:ln w="38100">
+              <a:solidFill>
+                <a:schemeClr val="accent1"/>
+              </a:solidFill>
+            </a:ln>
+          </p:spPr>
+          <p:style>
+            <a:lnRef idx="2">
+              <a:schemeClr val="accent1">
+                <a:shade val="50000"/>
+              </a:schemeClr>
+            </a:lnRef>
+            <a:fillRef idx="1">
+              <a:schemeClr val="accent1"/>
+            </a:fillRef>
+            <a:effectRef idx="0">
+              <a:schemeClr val="accent1"/>
+            </a:effectRef>
+            <a:fontRef idx="minor">
+              <a:schemeClr val="lt1"/>
+            </a:fontRef>
+          </p:style>
+          <p:txBody>
+            <a:bodyPr rtlCol="0" anchor="ctr"/>
+            <a:lstStyle/>
+            <a:p>
+              <a:pPr algn="ctr"/>
+              <a:endParaRPr lang="ko-KR" altLang="en-US" sz="700"/>
+            </a:p>
+          </p:txBody>
+        </p:sp>
+        <p:cxnSp>
+          <p:nvCxnSpPr>
+            <p:cNvPr id="63" name="직선 연결선 62"/>
+            <p:cNvCxnSpPr>
+              <a:endCxn id="62" idx="5"/>
+            </p:cNvCxnSpPr>
+            <p:nvPr/>
+          </p:nvCxnSpPr>
+          <p:spPr>
+            <a:xfrm flipH="1" flipV="1">
+              <a:off x="5982459" y="2299354"/>
+              <a:ext cx="247653" cy="212198"/>
+            </a:xfrm>
+            <a:prstGeom prst="line">
+              <a:avLst/>
+            </a:prstGeom>
+            <a:ln w="38100">
+              <a:headEnd type="stealth" w="lg" len="lg"/>
+            </a:ln>
+          </p:spPr>
+          <p:style>
+            <a:lnRef idx="1">
+              <a:schemeClr val="accent1"/>
+            </a:lnRef>
+            <a:fillRef idx="0">
+              <a:schemeClr val="accent1"/>
+            </a:fillRef>
+            <a:effectRef idx="0">
+              <a:schemeClr val="accent1"/>
+            </a:effectRef>
+            <a:fontRef idx="minor">
+              <a:schemeClr val="tx1"/>
+            </a:fontRef>
+          </p:style>
+        </p:cxnSp>
+      </p:grpSp>
+      <p:sp>
+        <p:nvSpPr>
+          <p:cNvPr id="64" name="TextBox 63"/>
+          <p:cNvSpPr txBox="1"/>
+          <p:nvPr/>
+        </p:nvSpPr>
+        <p:spPr>
+          <a:xfrm rot="3004916">
+            <a:off x="25821569" y="13970192"/>
+            <a:ext cx="984565" cy="318421"/>
+          </a:xfrm>
+          <a:prstGeom prst="rect">
+            <a:avLst/>
+          </a:prstGeom>
+          <a:noFill/>
+        </p:spPr>
+        <p:txBody>
+          <a:bodyPr wrap="none" rtlCol="0">
+            <a:spAutoFit/>
+          </a:bodyPr>
+          <a:lstStyle/>
+          <a:p>
+            <a:pPr algn="ctr"/>
+            <a:r>
+              <a:rPr lang="ko-KR" altLang="en-US" sz="1469" dirty="0"/>
+              <a:t>수강 정보</a:t>
+            </a:r>
+            <a:endParaRPr lang="ko-KR" altLang="en-US" sz="2135" dirty="0"/>
+          </a:p>
+        </p:txBody>
+      </p:sp>
+      <p:sp>
+        <p:nvSpPr>
+          <p:cNvPr id="66" name="직사각형 65"/>
+          <p:cNvSpPr/>
+          <p:nvPr/>
+        </p:nvSpPr>
+        <p:spPr>
+          <a:xfrm>
+            <a:off x="32370855" y="19061136"/>
+            <a:ext cx="2075988" cy="968175"/>
+          </a:xfrm>
+          <a:prstGeom prst="rect">
+            <a:avLst/>
+          </a:prstGeom>
+          <a:noFill/>
+          <a:ln w="31750">
+            <a:solidFill>
+              <a:schemeClr val="accent1">
+                <a:shade val="50000"/>
+              </a:schemeClr>
+            </a:solidFill>
+          </a:ln>
+        </p:spPr>
+        <p:style>
+          <a:lnRef idx="2">
+            <a:schemeClr val="accent1">
+              <a:shade val="50000"/>
+            </a:schemeClr>
+          </a:lnRef>
+          <a:fillRef idx="1">
+            <a:schemeClr val="accent1"/>
+          </a:fillRef>
+          <a:effectRef idx="0">
+            <a:schemeClr val="accent1"/>
+          </a:effectRef>
+          <a:fontRef idx="minor">
+            <a:schemeClr val="lt1"/>
+          </a:fontRef>
+        </p:style>
+        <p:txBody>
+          <a:bodyPr rtlCol="0" anchor="ctr"/>
+          <a:lstStyle/>
+          <a:p>
+            <a:pPr algn="ctr"/>
+            <a:r>
+              <a:rPr lang="ko-KR" altLang="en-US" sz="1469" dirty="0">
+                <a:solidFill>
+                  <a:schemeClr val="tx1"/>
+                </a:solidFill>
+              </a:rPr>
+              <a:t>강의 평가 결과</a:t>
+            </a:r>
+            <a:r>
+              <a:rPr lang="en-US" altLang="ko-KR" sz="1469" dirty="0">
+                <a:solidFill>
+                  <a:schemeClr val="tx1"/>
+                </a:solidFill>
+              </a:rPr>
+              <a:t/>
+            </a:r>
+            <a:br>
+              <a:rPr lang="en-US" altLang="ko-KR" sz="1469" dirty="0">
+                <a:solidFill>
+                  <a:schemeClr val="tx1"/>
+                </a:solidFill>
+              </a:rPr>
+            </a:br>
+            <a:r>
+              <a:rPr lang="ko-KR" altLang="en-US" sz="1469" dirty="0">
+                <a:solidFill>
+                  <a:schemeClr val="tx1"/>
+                </a:solidFill>
+              </a:rPr>
+              <a:t>정보 저장</a:t>
+            </a:r>
+          </a:p>
+        </p:txBody>
+      </p:sp>
+    </p:spTree>
+    <p:extLst>
+      <p:ext uri="{BB962C8B-B14F-4D97-AF65-F5344CB8AC3E}">
+        <p14:creationId xmlns:p14="http://schemas.microsoft.com/office/powerpoint/2010/main" val="2058003421"/>
       </p:ext>
     </p:extLst>
   </p:cSld>

--- a/SDD 관련 자료/작업 결과물/대화 모형도/이전 파일/강의평가 수행.pptx
+++ b/SDD 관련 자료/작업 결과물/대화 모형도/이전 파일/강의평가 수행.pptx
@@ -7,6 +7,7 @@
   <p:sldIdLst>
     <p:sldId id="258" r:id="rId2"/>
     <p:sldId id="259" r:id="rId3"/>
+    <p:sldId id="260" r:id="rId4"/>
   </p:sldIdLst>
   <p:sldSz cx="47999650" cy="35999738"/>
   <p:notesSz cx="6858000" cy="9144000"/>
@@ -7680,6 +7681,1080 @@
 </p:sld>
 </file>
 
+<file path=ppt/slides/slide3.xml><?xml version="1.0" encoding="utf-8"?>
+<p:sld xmlns:a="http://schemas.openxmlformats.org/drawingml/2006/main" xmlns:r="http://schemas.openxmlformats.org/officeDocument/2006/relationships" xmlns:p="http://schemas.openxmlformats.org/presentationml/2006/main">
+  <p:cSld>
+    <p:spTree>
+      <p:nvGrpSpPr>
+        <p:cNvPr id="1" name=""/>
+        <p:cNvGrpSpPr/>
+        <p:nvPr/>
+      </p:nvGrpSpPr>
+      <p:grpSpPr>
+        <a:xfrm>
+          <a:off x="0" y="0"/>
+          <a:ext cx="0" cy="0"/>
+          <a:chOff x="0" y="0"/>
+          <a:chExt cx="0" cy="0"/>
+        </a:xfrm>
+      </p:grpSpPr>
+      <p:sp>
+        <p:nvSpPr>
+          <p:cNvPr id="4" name="직사각형 3"/>
+          <p:cNvSpPr/>
+          <p:nvPr/>
+        </p:nvSpPr>
+        <p:spPr>
+          <a:xfrm>
+            <a:off x="22439648" y="12580742"/>
+            <a:ext cx="2612012" cy="968175"/>
+          </a:xfrm>
+          <a:prstGeom prst="rect">
+            <a:avLst/>
+          </a:prstGeom>
+          <a:noFill/>
+          <a:ln w="31750">
+            <a:solidFill>
+              <a:schemeClr val="accent1">
+                <a:shade val="50000"/>
+              </a:schemeClr>
+            </a:solidFill>
+          </a:ln>
+        </p:spPr>
+        <p:style>
+          <a:lnRef idx="2">
+            <a:schemeClr val="accent1">
+              <a:shade val="50000"/>
+            </a:schemeClr>
+          </a:lnRef>
+          <a:fillRef idx="1">
+            <a:schemeClr val="accent1"/>
+          </a:fillRef>
+          <a:effectRef idx="0">
+            <a:schemeClr val="accent1"/>
+          </a:effectRef>
+          <a:fontRef idx="minor">
+            <a:schemeClr val="lt1"/>
+          </a:fontRef>
+        </p:style>
+        <p:txBody>
+          <a:bodyPr rtlCol="0" anchor="ctr"/>
+          <a:lstStyle/>
+          <a:p>
+            <a:pPr algn="ctr"/>
+            <a:r>
+              <a:rPr lang="ko-KR" altLang="en-US" sz="1469" dirty="0">
+                <a:solidFill>
+                  <a:sysClr val="windowText" lastClr="000000"/>
+                </a:solidFill>
+              </a:rPr>
+              <a:t>강의평가</a:t>
+            </a:r>
+            <a:endParaRPr lang="en-US" altLang="ko-KR" sz="1469" dirty="0">
+              <a:solidFill>
+                <a:sysClr val="windowText" lastClr="000000"/>
+              </a:solidFill>
+            </a:endParaRPr>
+          </a:p>
+          <a:p>
+            <a:pPr algn="ctr"/>
+            <a:r>
+              <a:rPr lang="ko-KR" altLang="en-US" sz="1469" dirty="0">
+                <a:solidFill>
+                  <a:sysClr val="windowText" lastClr="000000"/>
+                </a:solidFill>
+              </a:rPr>
+              <a:t>수행 화면</a:t>
+            </a:r>
+          </a:p>
+        </p:txBody>
+      </p:sp>
+      <p:sp>
+        <p:nvSpPr>
+          <p:cNvPr id="5" name="직사각형 4"/>
+          <p:cNvSpPr/>
+          <p:nvPr/>
+        </p:nvSpPr>
+        <p:spPr>
+          <a:xfrm>
+            <a:off x="17448600" y="18995554"/>
+            <a:ext cx="2075988" cy="968175"/>
+          </a:xfrm>
+          <a:prstGeom prst="rect">
+            <a:avLst/>
+          </a:prstGeom>
+          <a:noFill/>
+          <a:ln w="31750">
+            <a:solidFill>
+              <a:schemeClr val="accent1">
+                <a:shade val="50000"/>
+              </a:schemeClr>
+            </a:solidFill>
+          </a:ln>
+        </p:spPr>
+        <p:style>
+          <a:lnRef idx="2">
+            <a:schemeClr val="accent1">
+              <a:shade val="50000"/>
+            </a:schemeClr>
+          </a:lnRef>
+          <a:fillRef idx="1">
+            <a:schemeClr val="accent1"/>
+          </a:fillRef>
+          <a:effectRef idx="0">
+            <a:schemeClr val="accent1"/>
+          </a:effectRef>
+          <a:fontRef idx="minor">
+            <a:schemeClr val="lt1"/>
+          </a:fontRef>
+        </p:style>
+        <p:txBody>
+          <a:bodyPr rtlCol="0" anchor="ctr"/>
+          <a:lstStyle/>
+          <a:p>
+            <a:pPr algn="ctr"/>
+            <a:r>
+              <a:rPr lang="ko-KR" altLang="en-US" sz="1469" dirty="0">
+                <a:solidFill>
+                  <a:schemeClr val="tx1"/>
+                </a:solidFill>
+              </a:rPr>
+              <a:t>강의평가 대상 선택</a:t>
+            </a:r>
+          </a:p>
+        </p:txBody>
+      </p:sp>
+      <p:cxnSp>
+        <p:nvCxnSpPr>
+          <p:cNvPr id="6" name="직선 화살표 연결선 5"/>
+          <p:cNvCxnSpPr>
+            <a:stCxn id="43" idx="2"/>
+            <a:endCxn id="5" idx="0"/>
+          </p:cNvCxnSpPr>
+          <p:nvPr/>
+        </p:nvCxnSpPr>
+        <p:spPr>
+          <a:xfrm flipH="1">
+            <a:off x="18486594" y="16531354"/>
+            <a:ext cx="956050" cy="2464200"/>
+          </a:xfrm>
+          <a:prstGeom prst="straightConnector1">
+            <a:avLst/>
+          </a:prstGeom>
+          <a:ln w="38100">
+            <a:headEnd w="lg" len="lg"/>
+            <a:tailEnd type="triangle"/>
+          </a:ln>
+        </p:spPr>
+        <p:style>
+          <a:lnRef idx="1">
+            <a:schemeClr val="accent1"/>
+          </a:lnRef>
+          <a:fillRef idx="0">
+            <a:schemeClr val="accent1"/>
+          </a:fillRef>
+          <a:effectRef idx="0">
+            <a:schemeClr val="accent1"/>
+          </a:effectRef>
+          <a:fontRef idx="minor">
+            <a:schemeClr val="tx1"/>
+          </a:fontRef>
+        </p:style>
+      </p:cxnSp>
+      <p:cxnSp>
+        <p:nvCxnSpPr>
+          <p:cNvPr id="7" name="직선 화살표 연결선 6"/>
+          <p:cNvCxnSpPr>
+            <a:stCxn id="59" idx="2"/>
+            <a:endCxn id="66" idx="0"/>
+          </p:cNvCxnSpPr>
+          <p:nvPr/>
+        </p:nvCxnSpPr>
+        <p:spPr>
+          <a:xfrm>
+            <a:off x="27549154" y="16593906"/>
+            <a:ext cx="674001" cy="2487462"/>
+          </a:xfrm>
+          <a:prstGeom prst="straightConnector1">
+            <a:avLst/>
+          </a:prstGeom>
+          <a:ln w="38100">
+            <a:headEnd w="lg" len="lg"/>
+            <a:tailEnd type="triangle"/>
+          </a:ln>
+        </p:spPr>
+        <p:style>
+          <a:lnRef idx="1">
+            <a:schemeClr val="accent1"/>
+          </a:lnRef>
+          <a:fillRef idx="0">
+            <a:schemeClr val="accent1"/>
+          </a:fillRef>
+          <a:effectRef idx="0">
+            <a:schemeClr val="accent1"/>
+          </a:effectRef>
+          <a:fontRef idx="minor">
+            <a:schemeClr val="tx1"/>
+          </a:fontRef>
+        </p:style>
+      </p:cxnSp>
+      <p:cxnSp>
+        <p:nvCxnSpPr>
+          <p:cNvPr id="8" name="직선 화살표 연결선 7"/>
+          <p:cNvCxnSpPr>
+            <a:endCxn id="70" idx="0"/>
+          </p:cNvCxnSpPr>
+          <p:nvPr/>
+        </p:nvCxnSpPr>
+        <p:spPr>
+          <a:xfrm flipH="1">
+            <a:off x="16263953" y="16531354"/>
+            <a:ext cx="2599488" cy="2464199"/>
+          </a:xfrm>
+          <a:prstGeom prst="straightConnector1">
+            <a:avLst/>
+          </a:prstGeom>
+          <a:ln w="38100">
+            <a:headEnd w="lg" len="lg"/>
+            <a:tailEnd type="triangle"/>
+          </a:ln>
+        </p:spPr>
+        <p:style>
+          <a:lnRef idx="1">
+            <a:schemeClr val="accent1"/>
+          </a:lnRef>
+          <a:fillRef idx="0">
+            <a:schemeClr val="accent1"/>
+          </a:fillRef>
+          <a:effectRef idx="0">
+            <a:schemeClr val="accent1"/>
+          </a:effectRef>
+          <a:fontRef idx="minor">
+            <a:schemeClr val="tx1"/>
+          </a:fontRef>
+        </p:style>
+      </p:cxnSp>
+      <p:sp>
+        <p:nvSpPr>
+          <p:cNvPr id="18" name="직사각형 17"/>
+          <p:cNvSpPr/>
+          <p:nvPr/>
+        </p:nvSpPr>
+        <p:spPr>
+          <a:xfrm>
+            <a:off x="22063415" y="19068312"/>
+            <a:ext cx="2075988" cy="968175"/>
+          </a:xfrm>
+          <a:prstGeom prst="rect">
+            <a:avLst/>
+          </a:prstGeom>
+          <a:noFill/>
+          <a:ln w="31750">
+            <a:solidFill>
+              <a:schemeClr val="accent1">
+                <a:shade val="50000"/>
+              </a:schemeClr>
+            </a:solidFill>
+          </a:ln>
+        </p:spPr>
+        <p:style>
+          <a:lnRef idx="2">
+            <a:schemeClr val="accent1">
+              <a:shade val="50000"/>
+            </a:schemeClr>
+          </a:lnRef>
+          <a:fillRef idx="1">
+            <a:schemeClr val="accent1"/>
+          </a:fillRef>
+          <a:effectRef idx="0">
+            <a:schemeClr val="accent1"/>
+          </a:effectRef>
+          <a:fontRef idx="minor">
+            <a:schemeClr val="lt1"/>
+          </a:fontRef>
+        </p:style>
+        <p:txBody>
+          <a:bodyPr rtlCol="0" anchor="ctr"/>
+          <a:lstStyle/>
+          <a:p>
+            <a:pPr algn="ctr"/>
+            <a:r>
+              <a:rPr lang="ko-KR" altLang="en-US" sz="1469" dirty="0">
+                <a:solidFill>
+                  <a:schemeClr val="tx1"/>
+                </a:solidFill>
+              </a:rPr>
+              <a:t>강의평가</a:t>
+            </a:r>
+            <a:endParaRPr lang="en-US" altLang="ko-KR" sz="1469" dirty="0">
+              <a:solidFill>
+                <a:schemeClr val="tx1"/>
+              </a:solidFill>
+            </a:endParaRPr>
+          </a:p>
+          <a:p>
+            <a:pPr algn="ctr"/>
+            <a:r>
+              <a:rPr lang="ko-KR" altLang="en-US" sz="1469" dirty="0">
+                <a:solidFill>
+                  <a:schemeClr val="tx1"/>
+                </a:solidFill>
+              </a:rPr>
+              <a:t>질문지 구성</a:t>
+            </a:r>
+          </a:p>
+        </p:txBody>
+      </p:sp>
+      <p:sp>
+        <p:nvSpPr>
+          <p:cNvPr id="19" name="직사각형 18"/>
+          <p:cNvSpPr/>
+          <p:nvPr/>
+        </p:nvSpPr>
+        <p:spPr>
+          <a:xfrm>
+            <a:off x="19669084" y="19004526"/>
+            <a:ext cx="2075988" cy="968175"/>
+          </a:xfrm>
+          <a:prstGeom prst="rect">
+            <a:avLst/>
+          </a:prstGeom>
+          <a:noFill/>
+          <a:ln w="31750">
+            <a:solidFill>
+              <a:schemeClr val="accent1">
+                <a:shade val="50000"/>
+              </a:schemeClr>
+            </a:solidFill>
+          </a:ln>
+        </p:spPr>
+        <p:style>
+          <a:lnRef idx="2">
+            <a:schemeClr val="accent1">
+              <a:shade val="50000"/>
+            </a:schemeClr>
+          </a:lnRef>
+          <a:fillRef idx="1">
+            <a:schemeClr val="accent1"/>
+          </a:fillRef>
+          <a:effectRef idx="0">
+            <a:schemeClr val="accent1"/>
+          </a:effectRef>
+          <a:fontRef idx="minor">
+            <a:schemeClr val="lt1"/>
+          </a:fontRef>
+        </p:style>
+        <p:txBody>
+          <a:bodyPr rtlCol="0" anchor="ctr"/>
+          <a:lstStyle/>
+          <a:p>
+            <a:pPr algn="ctr"/>
+            <a:r>
+              <a:rPr lang="ko-KR" altLang="en-US" sz="1469" dirty="0">
+                <a:solidFill>
+                  <a:schemeClr val="tx1"/>
+                </a:solidFill>
+              </a:rPr>
+              <a:t>강의평가 수행</a:t>
+            </a:r>
+          </a:p>
+        </p:txBody>
+      </p:sp>
+      <p:sp>
+        <p:nvSpPr>
+          <p:cNvPr id="20" name="직사각형 19"/>
+          <p:cNvSpPr/>
+          <p:nvPr/>
+        </p:nvSpPr>
+        <p:spPr>
+          <a:xfrm>
+            <a:off x="24601215" y="19071300"/>
+            <a:ext cx="2075988" cy="968175"/>
+          </a:xfrm>
+          <a:prstGeom prst="rect">
+            <a:avLst/>
+          </a:prstGeom>
+          <a:noFill/>
+          <a:ln w="31750">
+            <a:solidFill>
+              <a:schemeClr val="accent1">
+                <a:shade val="50000"/>
+              </a:schemeClr>
+            </a:solidFill>
+          </a:ln>
+        </p:spPr>
+        <p:style>
+          <a:lnRef idx="2">
+            <a:schemeClr val="accent1">
+              <a:shade val="50000"/>
+            </a:schemeClr>
+          </a:lnRef>
+          <a:fillRef idx="1">
+            <a:schemeClr val="accent1"/>
+          </a:fillRef>
+          <a:effectRef idx="0">
+            <a:schemeClr val="accent1"/>
+          </a:effectRef>
+          <a:fontRef idx="minor">
+            <a:schemeClr val="lt1"/>
+          </a:fontRef>
+        </p:style>
+        <p:txBody>
+          <a:bodyPr rtlCol="0" anchor="ctr"/>
+          <a:lstStyle/>
+          <a:p>
+            <a:pPr algn="ctr"/>
+            <a:r>
+              <a:rPr lang="ko-KR" altLang="en-US" sz="1469" dirty="0">
+                <a:solidFill>
+                  <a:schemeClr val="tx1"/>
+                </a:solidFill>
+              </a:rPr>
+              <a:t>강의평가 결과 등록</a:t>
+            </a:r>
+          </a:p>
+        </p:txBody>
+      </p:sp>
+      <p:cxnSp>
+        <p:nvCxnSpPr>
+          <p:cNvPr id="29" name="직선 화살표 연결선 28"/>
+          <p:cNvCxnSpPr>
+            <a:endCxn id="18" idx="0"/>
+          </p:cNvCxnSpPr>
+          <p:nvPr/>
+        </p:nvCxnSpPr>
+        <p:spPr>
+          <a:xfrm flipH="1">
+            <a:off x="23101409" y="16622754"/>
+            <a:ext cx="703090" cy="2445558"/>
+          </a:xfrm>
+          <a:prstGeom prst="straightConnector1">
+            <a:avLst/>
+          </a:prstGeom>
+          <a:ln w="38100">
+            <a:headEnd w="lg" len="lg"/>
+            <a:tailEnd type="triangle"/>
+          </a:ln>
+        </p:spPr>
+        <p:style>
+          <a:lnRef idx="1">
+            <a:schemeClr val="accent1"/>
+          </a:lnRef>
+          <a:fillRef idx="0">
+            <a:schemeClr val="accent1"/>
+          </a:fillRef>
+          <a:effectRef idx="0">
+            <a:schemeClr val="accent1"/>
+          </a:effectRef>
+          <a:fontRef idx="minor">
+            <a:schemeClr val="tx1"/>
+          </a:fontRef>
+        </p:style>
+      </p:cxnSp>
+      <p:sp>
+        <p:nvSpPr>
+          <p:cNvPr id="43" name="직사각형 42"/>
+          <p:cNvSpPr/>
+          <p:nvPr/>
+        </p:nvSpPr>
+        <p:spPr>
+          <a:xfrm>
+            <a:off x="18404650" y="15563179"/>
+            <a:ext cx="2075988" cy="968175"/>
+          </a:xfrm>
+          <a:prstGeom prst="rect">
+            <a:avLst/>
+          </a:prstGeom>
+          <a:noFill/>
+          <a:ln w="31750">
+            <a:solidFill>
+              <a:schemeClr val="accent1">
+                <a:shade val="50000"/>
+              </a:schemeClr>
+            </a:solidFill>
+          </a:ln>
+        </p:spPr>
+        <p:style>
+          <a:lnRef idx="2">
+            <a:schemeClr val="accent1">
+              <a:shade val="50000"/>
+            </a:schemeClr>
+          </a:lnRef>
+          <a:fillRef idx="1">
+            <a:schemeClr val="accent1"/>
+          </a:fillRef>
+          <a:effectRef idx="0">
+            <a:schemeClr val="accent1"/>
+          </a:effectRef>
+          <a:fontRef idx="minor">
+            <a:schemeClr val="lt1"/>
+          </a:fontRef>
+        </p:style>
+        <p:txBody>
+          <a:bodyPr rtlCol="0" anchor="ctr"/>
+          <a:lstStyle/>
+          <a:p>
+            <a:pPr algn="ctr"/>
+            <a:r>
+              <a:rPr lang="ko-KR" altLang="en-US" sz="1469" dirty="0">
+                <a:solidFill>
+                  <a:sysClr val="windowText" lastClr="000000"/>
+                </a:solidFill>
+              </a:rPr>
+              <a:t>강의평가</a:t>
+            </a:r>
+            <a:endParaRPr lang="en-US" altLang="ko-KR" sz="1469" dirty="0">
+              <a:solidFill>
+                <a:sysClr val="windowText" lastClr="000000"/>
+              </a:solidFill>
+            </a:endParaRPr>
+          </a:p>
+          <a:p>
+            <a:pPr algn="ctr"/>
+            <a:r>
+              <a:rPr lang="ko-KR" altLang="en-US" sz="1469" dirty="0">
+                <a:solidFill>
+                  <a:sysClr val="windowText" lastClr="000000"/>
+                </a:solidFill>
+              </a:rPr>
+              <a:t>수행 </a:t>
+            </a:r>
+            <a:r>
+              <a:rPr lang="ko-KR" altLang="en-US" sz="1469" dirty="0" smtClean="0">
+                <a:solidFill>
+                  <a:schemeClr val="tx1"/>
+                </a:solidFill>
+              </a:rPr>
+              <a:t>입력</a:t>
+            </a:r>
+            <a:endParaRPr lang="ko-KR" altLang="en-US" sz="1469" dirty="0">
+              <a:solidFill>
+                <a:schemeClr val="tx1"/>
+              </a:solidFill>
+            </a:endParaRPr>
+          </a:p>
+        </p:txBody>
+      </p:sp>
+      <p:cxnSp>
+        <p:nvCxnSpPr>
+          <p:cNvPr id="44" name="직선 화살표 연결선 43"/>
+          <p:cNvCxnSpPr>
+            <a:stCxn id="4" idx="2"/>
+            <a:endCxn id="43" idx="0"/>
+          </p:cNvCxnSpPr>
+          <p:nvPr/>
+        </p:nvCxnSpPr>
+        <p:spPr>
+          <a:xfrm flipH="1">
+            <a:off x="19442644" y="13548917"/>
+            <a:ext cx="4303010" cy="2014262"/>
+          </a:xfrm>
+          <a:prstGeom prst="straightConnector1">
+            <a:avLst/>
+          </a:prstGeom>
+          <a:ln w="38100">
+            <a:headEnd w="lg" len="lg"/>
+            <a:tailEnd type="triangle"/>
+          </a:ln>
+        </p:spPr>
+        <p:style>
+          <a:lnRef idx="1">
+            <a:schemeClr val="accent1"/>
+          </a:lnRef>
+          <a:fillRef idx="0">
+            <a:schemeClr val="accent1"/>
+          </a:fillRef>
+          <a:effectRef idx="0">
+            <a:schemeClr val="accent1"/>
+          </a:effectRef>
+          <a:fontRef idx="minor">
+            <a:schemeClr val="tx1"/>
+          </a:fontRef>
+        </p:style>
+      </p:cxnSp>
+      <p:sp>
+        <p:nvSpPr>
+          <p:cNvPr id="45" name="직사각형 44"/>
+          <p:cNvSpPr/>
+          <p:nvPr/>
+        </p:nvSpPr>
+        <p:spPr>
+          <a:xfrm>
+            <a:off x="23170790" y="15621132"/>
+            <a:ext cx="2075988" cy="968175"/>
+          </a:xfrm>
+          <a:prstGeom prst="rect">
+            <a:avLst/>
+          </a:prstGeom>
+          <a:noFill/>
+          <a:ln w="31750">
+            <a:solidFill>
+              <a:schemeClr val="accent1">
+                <a:shade val="50000"/>
+              </a:schemeClr>
+            </a:solidFill>
+          </a:ln>
+        </p:spPr>
+        <p:style>
+          <a:lnRef idx="2">
+            <a:schemeClr val="accent1">
+              <a:shade val="50000"/>
+            </a:schemeClr>
+          </a:lnRef>
+          <a:fillRef idx="1">
+            <a:schemeClr val="accent1"/>
+          </a:fillRef>
+          <a:effectRef idx="0">
+            <a:schemeClr val="accent1"/>
+          </a:effectRef>
+          <a:fontRef idx="minor">
+            <a:schemeClr val="lt1"/>
+          </a:fontRef>
+        </p:style>
+        <p:txBody>
+          <a:bodyPr rtlCol="0" anchor="ctr"/>
+          <a:lstStyle/>
+          <a:p>
+            <a:pPr algn="ctr"/>
+            <a:r>
+              <a:rPr lang="ko-KR" altLang="en-US" sz="1469" dirty="0">
+                <a:solidFill>
+                  <a:sysClr val="windowText" lastClr="000000"/>
+                </a:solidFill>
+              </a:rPr>
+              <a:t>강의평가</a:t>
+            </a:r>
+            <a:endParaRPr lang="en-US" altLang="ko-KR" sz="1469" dirty="0">
+              <a:solidFill>
+                <a:sysClr val="windowText" lastClr="000000"/>
+              </a:solidFill>
+            </a:endParaRPr>
+          </a:p>
+          <a:p>
+            <a:pPr algn="ctr"/>
+            <a:r>
+              <a:rPr lang="ko-KR" altLang="en-US" sz="1469" dirty="0">
+                <a:solidFill>
+                  <a:sysClr val="windowText" lastClr="000000"/>
+                </a:solidFill>
+              </a:rPr>
+              <a:t>수행 </a:t>
+            </a:r>
+            <a:r>
+              <a:rPr lang="ko-KR" altLang="en-US" sz="1469" dirty="0" smtClean="0">
+                <a:solidFill>
+                  <a:schemeClr val="tx1"/>
+                </a:solidFill>
+              </a:rPr>
+              <a:t>처리</a:t>
+            </a:r>
+            <a:endParaRPr lang="ko-KR" altLang="en-US" sz="1469" dirty="0">
+              <a:solidFill>
+                <a:schemeClr val="tx1"/>
+              </a:solidFill>
+            </a:endParaRPr>
+          </a:p>
+        </p:txBody>
+      </p:sp>
+      <p:cxnSp>
+        <p:nvCxnSpPr>
+          <p:cNvPr id="50" name="직선 화살표 연결선 49"/>
+          <p:cNvCxnSpPr>
+            <a:stCxn id="4" idx="2"/>
+            <a:endCxn id="45" idx="0"/>
+          </p:cNvCxnSpPr>
+          <p:nvPr/>
+        </p:nvCxnSpPr>
+        <p:spPr>
+          <a:xfrm>
+            <a:off x="23745654" y="13548913"/>
+            <a:ext cx="463129" cy="2072216"/>
+          </a:xfrm>
+          <a:prstGeom prst="straightConnector1">
+            <a:avLst/>
+          </a:prstGeom>
+          <a:ln w="38100">
+            <a:headEnd w="lg" len="lg"/>
+            <a:tailEnd type="triangle"/>
+          </a:ln>
+        </p:spPr>
+        <p:style>
+          <a:lnRef idx="1">
+            <a:schemeClr val="accent1"/>
+          </a:lnRef>
+          <a:fillRef idx="0">
+            <a:schemeClr val="accent1"/>
+          </a:fillRef>
+          <a:effectRef idx="0">
+            <a:schemeClr val="accent1"/>
+          </a:effectRef>
+          <a:fontRef idx="minor">
+            <a:schemeClr val="tx1"/>
+          </a:fontRef>
+        </p:style>
+      </p:cxnSp>
+      <p:sp>
+        <p:nvSpPr>
+          <p:cNvPr id="59" name="직사각형 58"/>
+          <p:cNvSpPr/>
+          <p:nvPr/>
+        </p:nvSpPr>
+        <p:spPr>
+          <a:xfrm>
+            <a:off x="26511160" y="15625731"/>
+            <a:ext cx="2075988" cy="968175"/>
+          </a:xfrm>
+          <a:prstGeom prst="rect">
+            <a:avLst/>
+          </a:prstGeom>
+          <a:noFill/>
+          <a:ln w="31750">
+            <a:solidFill>
+              <a:schemeClr val="accent1">
+                <a:shade val="50000"/>
+              </a:schemeClr>
+            </a:solidFill>
+          </a:ln>
+        </p:spPr>
+        <p:style>
+          <a:lnRef idx="2">
+            <a:schemeClr val="accent1">
+              <a:shade val="50000"/>
+            </a:schemeClr>
+          </a:lnRef>
+          <a:fillRef idx="1">
+            <a:schemeClr val="accent1"/>
+          </a:fillRef>
+          <a:effectRef idx="0">
+            <a:schemeClr val="accent1"/>
+          </a:effectRef>
+          <a:fontRef idx="minor">
+            <a:schemeClr val="lt1"/>
+          </a:fontRef>
+        </p:style>
+        <p:txBody>
+          <a:bodyPr rtlCol="0" anchor="ctr"/>
+          <a:lstStyle/>
+          <a:p>
+            <a:pPr algn="ctr"/>
+            <a:r>
+              <a:rPr lang="ko-KR" altLang="en-US" sz="1469" dirty="0">
+                <a:solidFill>
+                  <a:sysClr val="windowText" lastClr="000000"/>
+                </a:solidFill>
+              </a:rPr>
+              <a:t>강의평가</a:t>
+            </a:r>
+            <a:endParaRPr lang="en-US" altLang="ko-KR" sz="1469" dirty="0">
+              <a:solidFill>
+                <a:sysClr val="windowText" lastClr="000000"/>
+              </a:solidFill>
+            </a:endParaRPr>
+          </a:p>
+          <a:p>
+            <a:pPr algn="ctr"/>
+            <a:r>
+              <a:rPr lang="ko-KR" altLang="en-US" sz="1469" dirty="0">
+                <a:solidFill>
+                  <a:sysClr val="windowText" lastClr="000000"/>
+                </a:solidFill>
+              </a:rPr>
+              <a:t>수행 </a:t>
+            </a:r>
+            <a:r>
+              <a:rPr lang="ko-KR" altLang="en-US" sz="1469" dirty="0" smtClean="0">
+                <a:solidFill>
+                  <a:schemeClr val="tx1"/>
+                </a:solidFill>
+              </a:rPr>
+              <a:t>출력</a:t>
+            </a:r>
+            <a:endParaRPr lang="ko-KR" altLang="en-US" sz="1469" dirty="0">
+              <a:solidFill>
+                <a:schemeClr val="tx1"/>
+              </a:solidFill>
+            </a:endParaRPr>
+          </a:p>
+        </p:txBody>
+      </p:sp>
+      <p:cxnSp>
+        <p:nvCxnSpPr>
+          <p:cNvPr id="60" name="직선 화살표 연결선 59"/>
+          <p:cNvCxnSpPr>
+            <a:stCxn id="4" idx="2"/>
+            <a:endCxn id="59" idx="0"/>
+          </p:cNvCxnSpPr>
+          <p:nvPr/>
+        </p:nvCxnSpPr>
+        <p:spPr>
+          <a:xfrm>
+            <a:off x="23745658" y="13548916"/>
+            <a:ext cx="3803500" cy="2076815"/>
+          </a:xfrm>
+          <a:prstGeom prst="straightConnector1">
+            <a:avLst/>
+          </a:prstGeom>
+          <a:ln w="38100">
+            <a:headEnd w="lg" len="lg"/>
+            <a:tailEnd type="triangle"/>
+          </a:ln>
+        </p:spPr>
+        <p:style>
+          <a:lnRef idx="1">
+            <a:schemeClr val="accent1"/>
+          </a:lnRef>
+          <a:fillRef idx="0">
+            <a:schemeClr val="accent1"/>
+          </a:fillRef>
+          <a:effectRef idx="0">
+            <a:schemeClr val="accent1"/>
+          </a:effectRef>
+          <a:fontRef idx="minor">
+            <a:schemeClr val="tx1"/>
+          </a:fontRef>
+        </p:style>
+      </p:cxnSp>
+      <p:sp>
+        <p:nvSpPr>
+          <p:cNvPr id="66" name="직사각형 65"/>
+          <p:cNvSpPr/>
+          <p:nvPr/>
+        </p:nvSpPr>
+        <p:spPr>
+          <a:xfrm>
+            <a:off x="27185161" y="19081368"/>
+            <a:ext cx="2075988" cy="968175"/>
+          </a:xfrm>
+          <a:prstGeom prst="rect">
+            <a:avLst/>
+          </a:prstGeom>
+          <a:noFill/>
+          <a:ln w="31750">
+            <a:solidFill>
+              <a:schemeClr val="accent1">
+                <a:shade val="50000"/>
+              </a:schemeClr>
+            </a:solidFill>
+          </a:ln>
+        </p:spPr>
+        <p:style>
+          <a:lnRef idx="2">
+            <a:schemeClr val="accent1">
+              <a:shade val="50000"/>
+            </a:schemeClr>
+          </a:lnRef>
+          <a:fillRef idx="1">
+            <a:schemeClr val="accent1"/>
+          </a:fillRef>
+          <a:effectRef idx="0">
+            <a:schemeClr val="accent1"/>
+          </a:effectRef>
+          <a:fontRef idx="minor">
+            <a:schemeClr val="lt1"/>
+          </a:fontRef>
+        </p:style>
+        <p:txBody>
+          <a:bodyPr rtlCol="0" anchor="ctr"/>
+          <a:lstStyle/>
+          <a:p>
+            <a:pPr algn="ctr"/>
+            <a:r>
+              <a:rPr lang="ko-KR" altLang="en-US" sz="1469" dirty="0">
+                <a:solidFill>
+                  <a:schemeClr val="tx1"/>
+                </a:solidFill>
+              </a:rPr>
+              <a:t>강의 평가 결과</a:t>
+            </a:r>
+            <a:r>
+              <a:rPr lang="en-US" altLang="ko-KR" sz="1469" dirty="0">
+                <a:solidFill>
+                  <a:schemeClr val="tx1"/>
+                </a:solidFill>
+              </a:rPr>
+              <a:t/>
+            </a:r>
+            <a:br>
+              <a:rPr lang="en-US" altLang="ko-KR" sz="1469" dirty="0">
+                <a:solidFill>
+                  <a:schemeClr val="tx1"/>
+                </a:solidFill>
+              </a:rPr>
+            </a:br>
+            <a:r>
+              <a:rPr lang="ko-KR" altLang="en-US" sz="1469" dirty="0">
+                <a:solidFill>
+                  <a:schemeClr val="tx1"/>
+                </a:solidFill>
+              </a:rPr>
+              <a:t>정보 저장</a:t>
+            </a:r>
+          </a:p>
+        </p:txBody>
+      </p:sp>
+      <p:sp>
+        <p:nvSpPr>
+          <p:cNvPr id="70" name="직사각형 69"/>
+          <p:cNvSpPr/>
+          <p:nvPr/>
+        </p:nvSpPr>
+        <p:spPr>
+          <a:xfrm>
+            <a:off x="15225959" y="18995553"/>
+            <a:ext cx="2075988" cy="968175"/>
+          </a:xfrm>
+          <a:prstGeom prst="rect">
+            <a:avLst/>
+          </a:prstGeom>
+          <a:noFill/>
+          <a:ln w="31750">
+            <a:solidFill>
+              <a:schemeClr val="accent1">
+                <a:shade val="50000"/>
+              </a:schemeClr>
+            </a:solidFill>
+          </a:ln>
+        </p:spPr>
+        <p:style>
+          <a:lnRef idx="2">
+            <a:schemeClr val="accent1">
+              <a:shade val="50000"/>
+            </a:schemeClr>
+          </a:lnRef>
+          <a:fillRef idx="1">
+            <a:schemeClr val="accent1"/>
+          </a:fillRef>
+          <a:effectRef idx="0">
+            <a:schemeClr val="accent1"/>
+          </a:effectRef>
+          <a:fontRef idx="minor">
+            <a:schemeClr val="lt1"/>
+          </a:fontRef>
+        </p:style>
+        <p:txBody>
+          <a:bodyPr rtlCol="0" anchor="ctr"/>
+          <a:lstStyle/>
+          <a:p>
+            <a:pPr algn="ctr"/>
+            <a:r>
+              <a:rPr lang="ko-KR" altLang="en-US" sz="1469" dirty="0">
+                <a:solidFill>
+                  <a:schemeClr val="tx1"/>
+                </a:solidFill>
+              </a:rPr>
+              <a:t>강의 평가 질문</a:t>
+            </a:r>
+            <a:r>
+              <a:rPr lang="en-US" altLang="ko-KR" sz="1469" dirty="0">
+                <a:solidFill>
+                  <a:schemeClr val="tx1"/>
+                </a:solidFill>
+              </a:rPr>
+              <a:t/>
+            </a:r>
+            <a:br>
+              <a:rPr lang="en-US" altLang="ko-KR" sz="1469" dirty="0">
+                <a:solidFill>
+                  <a:schemeClr val="tx1"/>
+                </a:solidFill>
+              </a:rPr>
+            </a:br>
+            <a:r>
+              <a:rPr lang="ko-KR" altLang="en-US" sz="1469" dirty="0">
+                <a:solidFill>
+                  <a:schemeClr val="tx1"/>
+                </a:solidFill>
+              </a:rPr>
+              <a:t>정보 읽음</a:t>
+            </a:r>
+          </a:p>
+        </p:txBody>
+      </p:sp>
+      <p:cxnSp>
+        <p:nvCxnSpPr>
+          <p:cNvPr id="74" name="직선 화살표 연결선 73"/>
+          <p:cNvCxnSpPr>
+            <a:endCxn id="19" idx="0"/>
+          </p:cNvCxnSpPr>
+          <p:nvPr/>
+        </p:nvCxnSpPr>
+        <p:spPr>
+          <a:xfrm>
+            <a:off x="19978442" y="16531354"/>
+            <a:ext cx="728636" cy="2473172"/>
+          </a:xfrm>
+          <a:prstGeom prst="straightConnector1">
+            <a:avLst/>
+          </a:prstGeom>
+          <a:ln w="38100">
+            <a:headEnd w="lg" len="lg"/>
+            <a:tailEnd type="triangle"/>
+          </a:ln>
+        </p:spPr>
+        <p:style>
+          <a:lnRef idx="1">
+            <a:schemeClr val="accent1"/>
+          </a:lnRef>
+          <a:fillRef idx="0">
+            <a:schemeClr val="accent1"/>
+          </a:fillRef>
+          <a:effectRef idx="0">
+            <a:schemeClr val="accent1"/>
+          </a:effectRef>
+          <a:fontRef idx="minor">
+            <a:schemeClr val="tx1"/>
+          </a:fontRef>
+        </p:style>
+      </p:cxnSp>
+      <p:cxnSp>
+        <p:nvCxnSpPr>
+          <p:cNvPr id="77" name="직선 화살표 연결선 76"/>
+          <p:cNvCxnSpPr>
+            <a:endCxn id="20" idx="0"/>
+          </p:cNvCxnSpPr>
+          <p:nvPr/>
+        </p:nvCxnSpPr>
+        <p:spPr>
+          <a:xfrm>
+            <a:off x="24715237" y="16622754"/>
+            <a:ext cx="923972" cy="2448546"/>
+          </a:xfrm>
+          <a:prstGeom prst="straightConnector1">
+            <a:avLst/>
+          </a:prstGeom>
+          <a:ln w="38100">
+            <a:headEnd w="lg" len="lg"/>
+            <a:tailEnd type="triangle"/>
+          </a:ln>
+        </p:spPr>
+        <p:style>
+          <a:lnRef idx="1">
+            <a:schemeClr val="accent1"/>
+          </a:lnRef>
+          <a:fillRef idx="0">
+            <a:schemeClr val="accent1"/>
+          </a:fillRef>
+          <a:effectRef idx="0">
+            <a:schemeClr val="accent1"/>
+          </a:effectRef>
+          <a:fontRef idx="minor">
+            <a:schemeClr val="tx1"/>
+          </a:fontRef>
+        </p:style>
+      </p:cxnSp>
+    </p:spTree>
+    <p:extLst>
+      <p:ext uri="{BB962C8B-B14F-4D97-AF65-F5344CB8AC3E}">
+        <p14:creationId xmlns:p14="http://schemas.microsoft.com/office/powerpoint/2010/main" val="3244017512"/>
+      </p:ext>
+    </p:extLst>
+  </p:cSld>
+  <p:clrMapOvr>
+    <a:masterClrMapping/>
+  </p:clrMapOvr>
+</p:sld>
+</file>
+
 <file path=ppt/theme/theme1.xml><?xml version="1.0" encoding="utf-8"?>
 <a:theme xmlns:a="http://schemas.openxmlformats.org/drawingml/2006/main" name="Office 테마">
   <a:themeElements>

--- a/SDD 관련 자료/작업 결과물/대화 모형도/이전 파일/강의평가 수행.pptx
+++ b/SDD 관련 자료/작업 결과물/대화 모형도/이전 파일/강의평가 수행.pptx
@@ -8742,6 +8742,916 @@
           </a:fontRef>
         </p:style>
       </p:cxnSp>
+      <p:grpSp>
+        <p:nvGrpSpPr>
+          <p:cNvPr id="21" name="그룹 20"/>
+          <p:cNvGrpSpPr/>
+          <p:nvPr/>
+        </p:nvGrpSpPr>
+        <p:grpSpPr>
+          <a:xfrm rot="15224143">
+            <a:off x="18346991" y="17718612"/>
+            <a:ext cx="620391" cy="573119"/>
+            <a:chOff x="5764817" y="2081712"/>
+            <a:chExt cx="465295" cy="429840"/>
+          </a:xfrm>
+        </p:grpSpPr>
+        <p:sp>
+          <p:nvSpPr>
+            <p:cNvPr id="22" name="타원 21"/>
+            <p:cNvSpPr/>
+            <p:nvPr/>
+          </p:nvSpPr>
+          <p:spPr>
+            <a:xfrm>
+              <a:off x="5764817" y="2081712"/>
+              <a:ext cx="254984" cy="254984"/>
+            </a:xfrm>
+            <a:prstGeom prst="ellipse">
+              <a:avLst/>
+            </a:prstGeom>
+            <a:noFill/>
+            <a:ln w="38100">
+              <a:solidFill>
+                <a:schemeClr val="accent1"/>
+              </a:solidFill>
+            </a:ln>
+          </p:spPr>
+          <p:style>
+            <a:lnRef idx="2">
+              <a:schemeClr val="accent1">
+                <a:shade val="50000"/>
+              </a:schemeClr>
+            </a:lnRef>
+            <a:fillRef idx="1">
+              <a:schemeClr val="accent1"/>
+            </a:fillRef>
+            <a:effectRef idx="0">
+              <a:schemeClr val="accent1"/>
+            </a:effectRef>
+            <a:fontRef idx="minor">
+              <a:schemeClr val="lt1"/>
+            </a:fontRef>
+          </p:style>
+          <p:txBody>
+            <a:bodyPr rtlCol="0" anchor="ctr"/>
+            <a:lstStyle/>
+            <a:p>
+              <a:pPr algn="ctr"/>
+              <a:endParaRPr lang="ko-KR" altLang="en-US" sz="700"/>
+            </a:p>
+          </p:txBody>
+        </p:sp>
+        <p:cxnSp>
+          <p:nvCxnSpPr>
+            <p:cNvPr id="23" name="직선 연결선 22"/>
+            <p:cNvCxnSpPr>
+              <a:endCxn id="22" idx="5"/>
+            </p:cNvCxnSpPr>
+            <p:nvPr/>
+          </p:nvCxnSpPr>
+          <p:spPr>
+            <a:xfrm flipH="1" flipV="1">
+              <a:off x="5982459" y="2299354"/>
+              <a:ext cx="247653" cy="212198"/>
+            </a:xfrm>
+            <a:prstGeom prst="line">
+              <a:avLst/>
+            </a:prstGeom>
+            <a:ln w="38100">
+              <a:headEnd type="stealth" w="lg" len="lg"/>
+            </a:ln>
+          </p:spPr>
+          <p:style>
+            <a:lnRef idx="1">
+              <a:schemeClr val="accent1"/>
+            </a:lnRef>
+            <a:fillRef idx="0">
+              <a:schemeClr val="accent1"/>
+            </a:fillRef>
+            <a:effectRef idx="0">
+              <a:schemeClr val="accent1"/>
+            </a:effectRef>
+            <a:fontRef idx="minor">
+              <a:schemeClr val="tx1"/>
+            </a:fontRef>
+          </p:style>
+        </p:cxnSp>
+      </p:grpSp>
+      <p:grpSp>
+        <p:nvGrpSpPr>
+          <p:cNvPr id="24" name="그룹 23"/>
+          <p:cNvGrpSpPr/>
+          <p:nvPr/>
+        </p:nvGrpSpPr>
+        <p:grpSpPr>
+          <a:xfrm rot="14803764">
+            <a:off x="22824346" y="17535579"/>
+            <a:ext cx="620391" cy="573119"/>
+            <a:chOff x="5764817" y="2081712"/>
+            <a:chExt cx="465295" cy="429840"/>
+          </a:xfrm>
+        </p:grpSpPr>
+        <p:sp>
+          <p:nvSpPr>
+            <p:cNvPr id="25" name="타원 24"/>
+            <p:cNvSpPr/>
+            <p:nvPr/>
+          </p:nvSpPr>
+          <p:spPr>
+            <a:xfrm>
+              <a:off x="5764817" y="2081712"/>
+              <a:ext cx="254984" cy="254984"/>
+            </a:xfrm>
+            <a:prstGeom prst="ellipse">
+              <a:avLst/>
+            </a:prstGeom>
+            <a:noFill/>
+            <a:ln w="38100">
+              <a:solidFill>
+                <a:schemeClr val="accent1"/>
+              </a:solidFill>
+            </a:ln>
+          </p:spPr>
+          <p:style>
+            <a:lnRef idx="2">
+              <a:schemeClr val="accent1">
+                <a:shade val="50000"/>
+              </a:schemeClr>
+            </a:lnRef>
+            <a:fillRef idx="1">
+              <a:schemeClr val="accent1"/>
+            </a:fillRef>
+            <a:effectRef idx="0">
+              <a:schemeClr val="accent1"/>
+            </a:effectRef>
+            <a:fontRef idx="minor">
+              <a:schemeClr val="lt1"/>
+            </a:fontRef>
+          </p:style>
+          <p:txBody>
+            <a:bodyPr rtlCol="0" anchor="ctr"/>
+            <a:lstStyle/>
+            <a:p>
+              <a:pPr algn="ctr"/>
+              <a:endParaRPr lang="ko-KR" altLang="en-US" sz="700"/>
+            </a:p>
+          </p:txBody>
+        </p:sp>
+        <p:cxnSp>
+          <p:nvCxnSpPr>
+            <p:cNvPr id="26" name="직선 연결선 25"/>
+            <p:cNvCxnSpPr>
+              <a:endCxn id="25" idx="5"/>
+            </p:cNvCxnSpPr>
+            <p:nvPr/>
+          </p:nvCxnSpPr>
+          <p:spPr>
+            <a:xfrm flipH="1" flipV="1">
+              <a:off x="5982459" y="2299354"/>
+              <a:ext cx="247653" cy="212198"/>
+            </a:xfrm>
+            <a:prstGeom prst="line">
+              <a:avLst/>
+            </a:prstGeom>
+            <a:ln w="38100">
+              <a:headEnd type="stealth" w="lg" len="lg"/>
+            </a:ln>
+          </p:spPr>
+          <p:style>
+            <a:lnRef idx="1">
+              <a:schemeClr val="accent1"/>
+            </a:lnRef>
+            <a:fillRef idx="0">
+              <a:schemeClr val="accent1"/>
+            </a:fillRef>
+            <a:effectRef idx="0">
+              <a:schemeClr val="accent1"/>
+            </a:effectRef>
+            <a:fontRef idx="minor">
+              <a:schemeClr val="tx1"/>
+            </a:fontRef>
+          </p:style>
+        </p:cxnSp>
+      </p:grpSp>
+      <p:grpSp>
+        <p:nvGrpSpPr>
+          <p:cNvPr id="27" name="그룹 26"/>
+          <p:cNvGrpSpPr/>
+          <p:nvPr/>
+        </p:nvGrpSpPr>
+        <p:grpSpPr>
+          <a:xfrm rot="12460804">
+            <a:off x="25145432" y="17557632"/>
+            <a:ext cx="620391" cy="573119"/>
+            <a:chOff x="5764817" y="2081712"/>
+            <a:chExt cx="465295" cy="429840"/>
+          </a:xfrm>
+        </p:grpSpPr>
+        <p:sp>
+          <p:nvSpPr>
+            <p:cNvPr id="28" name="타원 27"/>
+            <p:cNvSpPr/>
+            <p:nvPr/>
+          </p:nvSpPr>
+          <p:spPr>
+            <a:xfrm>
+              <a:off x="5764817" y="2081712"/>
+              <a:ext cx="254984" cy="254984"/>
+            </a:xfrm>
+            <a:prstGeom prst="ellipse">
+              <a:avLst/>
+            </a:prstGeom>
+            <a:noFill/>
+            <a:ln w="38100">
+              <a:solidFill>
+                <a:schemeClr val="accent1"/>
+              </a:solidFill>
+            </a:ln>
+          </p:spPr>
+          <p:style>
+            <a:lnRef idx="2">
+              <a:schemeClr val="accent1">
+                <a:shade val="50000"/>
+              </a:schemeClr>
+            </a:lnRef>
+            <a:fillRef idx="1">
+              <a:schemeClr val="accent1"/>
+            </a:fillRef>
+            <a:effectRef idx="0">
+              <a:schemeClr val="accent1"/>
+            </a:effectRef>
+            <a:fontRef idx="minor">
+              <a:schemeClr val="lt1"/>
+            </a:fontRef>
+          </p:style>
+          <p:txBody>
+            <a:bodyPr rtlCol="0" anchor="ctr"/>
+            <a:lstStyle/>
+            <a:p>
+              <a:pPr algn="ctr"/>
+              <a:endParaRPr lang="ko-KR" altLang="en-US" sz="700"/>
+            </a:p>
+          </p:txBody>
+        </p:sp>
+        <p:cxnSp>
+          <p:nvCxnSpPr>
+            <p:cNvPr id="30" name="직선 연결선 29"/>
+            <p:cNvCxnSpPr>
+              <a:endCxn id="28" idx="5"/>
+            </p:cNvCxnSpPr>
+            <p:nvPr/>
+          </p:nvCxnSpPr>
+          <p:spPr>
+            <a:xfrm flipH="1" flipV="1">
+              <a:off x="5982459" y="2299354"/>
+              <a:ext cx="247653" cy="212198"/>
+            </a:xfrm>
+            <a:prstGeom prst="line">
+              <a:avLst/>
+            </a:prstGeom>
+            <a:ln w="38100">
+              <a:headEnd type="stealth" w="lg" len="lg"/>
+            </a:ln>
+          </p:spPr>
+          <p:style>
+            <a:lnRef idx="1">
+              <a:schemeClr val="accent1"/>
+            </a:lnRef>
+            <a:fillRef idx="0">
+              <a:schemeClr val="accent1"/>
+            </a:fillRef>
+            <a:effectRef idx="0">
+              <a:schemeClr val="accent1"/>
+            </a:effectRef>
+            <a:fontRef idx="minor">
+              <a:schemeClr val="tx1"/>
+            </a:fontRef>
+          </p:style>
+        </p:cxnSp>
+      </p:grpSp>
+      <p:sp>
+        <p:nvSpPr>
+          <p:cNvPr id="31" name="TextBox 30"/>
+          <p:cNvSpPr txBox="1"/>
+          <p:nvPr/>
+        </p:nvSpPr>
+        <p:spPr>
+          <a:xfrm rot="4010996">
+            <a:off x="24751260" y="17454369"/>
+            <a:ext cx="1973617" cy="318421"/>
+          </a:xfrm>
+          <a:prstGeom prst="rect">
+            <a:avLst/>
+          </a:prstGeom>
+          <a:noFill/>
+        </p:spPr>
+        <p:txBody>
+          <a:bodyPr wrap="none" rtlCol="0">
+            <a:spAutoFit/>
+          </a:bodyPr>
+          <a:lstStyle/>
+          <a:p>
+            <a:r>
+              <a:rPr lang="ko-KR" altLang="en-US" sz="1469" dirty="0"/>
+              <a:t>등록된 강의평가 결과</a:t>
+            </a:r>
+            <a:endParaRPr lang="ko-KR" altLang="en-US" sz="2135" dirty="0"/>
+          </a:p>
+        </p:txBody>
+      </p:sp>
+      <p:sp>
+        <p:nvSpPr>
+          <p:cNvPr id="32" name="TextBox 31"/>
+          <p:cNvSpPr txBox="1"/>
+          <p:nvPr/>
+        </p:nvSpPr>
+        <p:spPr>
+          <a:xfrm rot="19076103">
+            <a:off x="15944713" y="17400633"/>
+            <a:ext cx="1973617" cy="318421"/>
+          </a:xfrm>
+          <a:prstGeom prst="rect">
+            <a:avLst/>
+          </a:prstGeom>
+          <a:noFill/>
+        </p:spPr>
+        <p:txBody>
+          <a:bodyPr wrap="none" rtlCol="0">
+            <a:spAutoFit/>
+          </a:bodyPr>
+          <a:lstStyle/>
+          <a:p>
+            <a:pPr algn="ctr"/>
+            <a:r>
+              <a:rPr lang="ko-KR" altLang="en-US" sz="1469" dirty="0"/>
+              <a:t>강의평가 질문 리스트</a:t>
+            </a:r>
+            <a:endParaRPr lang="ko-KR" altLang="en-US" sz="2135" dirty="0"/>
+          </a:p>
+        </p:txBody>
+      </p:sp>
+      <p:grpSp>
+        <p:nvGrpSpPr>
+          <p:cNvPr id="33" name="그룹 32"/>
+          <p:cNvGrpSpPr/>
+          <p:nvPr/>
+        </p:nvGrpSpPr>
+        <p:grpSpPr>
+          <a:xfrm rot="16580021">
+            <a:off x="16870725" y="17529212"/>
+            <a:ext cx="620391" cy="573119"/>
+            <a:chOff x="5764817" y="2081712"/>
+            <a:chExt cx="465295" cy="429840"/>
+          </a:xfrm>
+        </p:grpSpPr>
+        <p:sp>
+          <p:nvSpPr>
+            <p:cNvPr id="34" name="타원 33"/>
+            <p:cNvSpPr/>
+            <p:nvPr/>
+          </p:nvSpPr>
+          <p:spPr>
+            <a:xfrm>
+              <a:off x="5764817" y="2081712"/>
+              <a:ext cx="254984" cy="254984"/>
+            </a:xfrm>
+            <a:prstGeom prst="ellipse">
+              <a:avLst/>
+            </a:prstGeom>
+            <a:noFill/>
+            <a:ln w="38100">
+              <a:solidFill>
+                <a:schemeClr val="accent1"/>
+              </a:solidFill>
+            </a:ln>
+          </p:spPr>
+          <p:style>
+            <a:lnRef idx="2">
+              <a:schemeClr val="accent1">
+                <a:shade val="50000"/>
+              </a:schemeClr>
+            </a:lnRef>
+            <a:fillRef idx="1">
+              <a:schemeClr val="accent1"/>
+            </a:fillRef>
+            <a:effectRef idx="0">
+              <a:schemeClr val="accent1"/>
+            </a:effectRef>
+            <a:fontRef idx="minor">
+              <a:schemeClr val="lt1"/>
+            </a:fontRef>
+          </p:style>
+          <p:txBody>
+            <a:bodyPr rtlCol="0" anchor="ctr"/>
+            <a:lstStyle/>
+            <a:p>
+              <a:pPr algn="ctr"/>
+              <a:endParaRPr lang="ko-KR" altLang="en-US" sz="700"/>
+            </a:p>
+          </p:txBody>
+        </p:sp>
+        <p:cxnSp>
+          <p:nvCxnSpPr>
+            <p:cNvPr id="35" name="직선 연결선 34"/>
+            <p:cNvCxnSpPr>
+              <a:endCxn id="34" idx="5"/>
+            </p:cNvCxnSpPr>
+            <p:nvPr/>
+          </p:nvCxnSpPr>
+          <p:spPr>
+            <a:xfrm flipH="1" flipV="1">
+              <a:off x="5982459" y="2299354"/>
+              <a:ext cx="247653" cy="212198"/>
+            </a:xfrm>
+            <a:prstGeom prst="line">
+              <a:avLst/>
+            </a:prstGeom>
+            <a:ln w="38100">
+              <a:headEnd type="stealth" w="lg" len="lg"/>
+            </a:ln>
+          </p:spPr>
+          <p:style>
+            <a:lnRef idx="1">
+              <a:schemeClr val="accent1"/>
+            </a:lnRef>
+            <a:fillRef idx="0">
+              <a:schemeClr val="accent1"/>
+            </a:fillRef>
+            <a:effectRef idx="0">
+              <a:schemeClr val="accent1"/>
+            </a:effectRef>
+            <a:fontRef idx="minor">
+              <a:schemeClr val="tx1"/>
+            </a:fontRef>
+          </p:style>
+        </p:cxnSp>
+      </p:grpSp>
+      <p:sp>
+        <p:nvSpPr>
+          <p:cNvPr id="36" name="TextBox 35"/>
+          <p:cNvSpPr txBox="1"/>
+          <p:nvPr/>
+        </p:nvSpPr>
+        <p:spPr>
+          <a:xfrm rot="17835654">
+            <a:off x="17671200" y="17524232"/>
+            <a:ext cx="1362873" cy="544508"/>
+          </a:xfrm>
+          <a:prstGeom prst="rect">
+            <a:avLst/>
+          </a:prstGeom>
+          <a:noFill/>
+        </p:spPr>
+        <p:txBody>
+          <a:bodyPr wrap="none" rtlCol="0">
+            <a:spAutoFit/>
+          </a:bodyPr>
+          <a:lstStyle/>
+          <a:p>
+            <a:pPr algn="ctr"/>
+            <a:r>
+              <a:rPr lang="ko-KR" altLang="en-US" sz="1469" dirty="0"/>
+              <a:t>강의평가 대상</a:t>
+            </a:r>
+            <a:endParaRPr lang="en-US" altLang="ko-KR" sz="1469" dirty="0"/>
+          </a:p>
+          <a:p>
+            <a:pPr algn="ctr"/>
+            <a:r>
+              <a:rPr lang="ko-KR" altLang="en-US" sz="1469" dirty="0"/>
+              <a:t>입력 정보</a:t>
+            </a:r>
+            <a:endParaRPr lang="ko-KR" altLang="en-US" sz="2135" dirty="0"/>
+          </a:p>
+        </p:txBody>
+      </p:sp>
+      <p:sp>
+        <p:nvSpPr>
+          <p:cNvPr id="37" name="TextBox 36"/>
+          <p:cNvSpPr txBox="1"/>
+          <p:nvPr/>
+        </p:nvSpPr>
+        <p:spPr>
+          <a:xfrm rot="17677972">
+            <a:off x="21941039" y="17423263"/>
+            <a:ext cx="1552027" cy="544508"/>
+          </a:xfrm>
+          <a:prstGeom prst="rect">
+            <a:avLst/>
+          </a:prstGeom>
+          <a:noFill/>
+        </p:spPr>
+        <p:txBody>
+          <a:bodyPr wrap="none" rtlCol="0">
+            <a:spAutoFit/>
+          </a:bodyPr>
+          <a:lstStyle/>
+          <a:p>
+            <a:pPr algn="ctr"/>
+            <a:r>
+              <a:rPr lang="ko-KR" altLang="en-US" sz="1469" dirty="0"/>
+              <a:t>구성된 </a:t>
+            </a:r>
+            <a:endParaRPr lang="en-US" altLang="ko-KR" sz="1469" dirty="0"/>
+          </a:p>
+          <a:p>
+            <a:pPr algn="ctr"/>
+            <a:r>
+              <a:rPr lang="ko-KR" altLang="en-US" sz="1469" dirty="0"/>
+              <a:t>강의평가 질문지</a:t>
+            </a:r>
+            <a:endParaRPr lang="ko-KR" altLang="en-US" sz="2135" dirty="0"/>
+          </a:p>
+        </p:txBody>
+      </p:sp>
+      <p:grpSp>
+        <p:nvGrpSpPr>
+          <p:cNvPr id="38" name="그룹 37"/>
+          <p:cNvGrpSpPr/>
+          <p:nvPr/>
+        </p:nvGrpSpPr>
+        <p:grpSpPr>
+          <a:xfrm rot="1552488">
+            <a:off x="24652008" y="17580710"/>
+            <a:ext cx="620391" cy="573119"/>
+            <a:chOff x="5764817" y="2081712"/>
+            <a:chExt cx="465295" cy="429840"/>
+          </a:xfrm>
+        </p:grpSpPr>
+        <p:sp>
+          <p:nvSpPr>
+            <p:cNvPr id="39" name="타원 38"/>
+            <p:cNvSpPr/>
+            <p:nvPr/>
+          </p:nvSpPr>
+          <p:spPr>
+            <a:xfrm>
+              <a:off x="5764817" y="2081712"/>
+              <a:ext cx="254984" cy="254984"/>
+            </a:xfrm>
+            <a:prstGeom prst="ellipse">
+              <a:avLst/>
+            </a:prstGeom>
+            <a:noFill/>
+            <a:ln w="38100">
+              <a:solidFill>
+                <a:schemeClr val="accent1"/>
+              </a:solidFill>
+            </a:ln>
+          </p:spPr>
+          <p:style>
+            <a:lnRef idx="2">
+              <a:schemeClr val="accent1">
+                <a:shade val="50000"/>
+              </a:schemeClr>
+            </a:lnRef>
+            <a:fillRef idx="1">
+              <a:schemeClr val="accent1"/>
+            </a:fillRef>
+            <a:effectRef idx="0">
+              <a:schemeClr val="accent1"/>
+            </a:effectRef>
+            <a:fontRef idx="minor">
+              <a:schemeClr val="lt1"/>
+            </a:fontRef>
+          </p:style>
+          <p:txBody>
+            <a:bodyPr rtlCol="0" anchor="ctr"/>
+            <a:lstStyle/>
+            <a:p>
+              <a:pPr algn="ctr"/>
+              <a:endParaRPr lang="ko-KR" altLang="en-US" sz="700"/>
+            </a:p>
+          </p:txBody>
+        </p:sp>
+        <p:cxnSp>
+          <p:nvCxnSpPr>
+            <p:cNvPr id="40" name="직선 연결선 39"/>
+            <p:cNvCxnSpPr>
+              <a:endCxn id="39" idx="5"/>
+            </p:cNvCxnSpPr>
+            <p:nvPr/>
+          </p:nvCxnSpPr>
+          <p:spPr>
+            <a:xfrm flipH="1" flipV="1">
+              <a:off x="5982459" y="2299354"/>
+              <a:ext cx="247653" cy="212198"/>
+            </a:xfrm>
+            <a:prstGeom prst="line">
+              <a:avLst/>
+            </a:prstGeom>
+            <a:ln w="38100">
+              <a:headEnd type="stealth" w="lg" len="lg"/>
+            </a:ln>
+          </p:spPr>
+          <p:style>
+            <a:lnRef idx="1">
+              <a:schemeClr val="accent1"/>
+            </a:lnRef>
+            <a:fillRef idx="0">
+              <a:schemeClr val="accent1"/>
+            </a:fillRef>
+            <a:effectRef idx="0">
+              <a:schemeClr val="accent1"/>
+            </a:effectRef>
+            <a:fontRef idx="minor">
+              <a:schemeClr val="tx1"/>
+            </a:fontRef>
+          </p:style>
+        </p:cxnSp>
+      </p:grpSp>
+      <p:sp>
+        <p:nvSpPr>
+          <p:cNvPr id="41" name="TextBox 40"/>
+          <p:cNvSpPr txBox="1"/>
+          <p:nvPr/>
+        </p:nvSpPr>
+        <p:spPr>
+          <a:xfrm rot="4447922">
+            <a:off x="23914679" y="17810123"/>
+            <a:ext cx="1362873" cy="544508"/>
+          </a:xfrm>
+          <a:prstGeom prst="rect">
+            <a:avLst/>
+          </a:prstGeom>
+          <a:noFill/>
+        </p:spPr>
+        <p:txBody>
+          <a:bodyPr wrap="none" rtlCol="0">
+            <a:spAutoFit/>
+          </a:bodyPr>
+          <a:lstStyle/>
+          <a:p>
+            <a:pPr algn="ctr"/>
+            <a:r>
+              <a:rPr lang="ko-KR" altLang="en-US" sz="1469" dirty="0"/>
+              <a:t>등록할</a:t>
+            </a:r>
+            <a:endParaRPr lang="en-US" altLang="ko-KR" sz="1469" dirty="0"/>
+          </a:p>
+          <a:p>
+            <a:pPr algn="ctr"/>
+            <a:r>
+              <a:rPr lang="ko-KR" altLang="en-US" sz="1469" dirty="0"/>
+              <a:t>강의평가 결과</a:t>
+            </a:r>
+            <a:endParaRPr lang="ko-KR" altLang="en-US" sz="2135" dirty="0"/>
+          </a:p>
+        </p:txBody>
+      </p:sp>
+      <p:sp>
+        <p:nvSpPr>
+          <p:cNvPr id="42" name="TextBox 41"/>
+          <p:cNvSpPr txBox="1"/>
+          <p:nvPr/>
+        </p:nvSpPr>
+        <p:spPr>
+          <a:xfrm rot="4464574">
+            <a:off x="18736156" y="17819144"/>
+            <a:ext cx="1973617" cy="318421"/>
+          </a:xfrm>
+          <a:prstGeom prst="rect">
+            <a:avLst/>
+          </a:prstGeom>
+          <a:noFill/>
+        </p:spPr>
+        <p:txBody>
+          <a:bodyPr wrap="none" rtlCol="0">
+            <a:spAutoFit/>
+          </a:bodyPr>
+          <a:lstStyle/>
+          <a:p>
+            <a:r>
+              <a:rPr lang="ko-KR" altLang="en-US" sz="1469" dirty="0"/>
+              <a:t>등록할 강의평가 결과</a:t>
+            </a:r>
+            <a:endParaRPr lang="ko-KR" altLang="en-US" sz="2135" dirty="0"/>
+          </a:p>
+        </p:txBody>
+      </p:sp>
+      <p:grpSp>
+        <p:nvGrpSpPr>
+          <p:cNvPr id="46" name="그룹 45"/>
+          <p:cNvGrpSpPr/>
+          <p:nvPr/>
+        </p:nvGrpSpPr>
+        <p:grpSpPr>
+          <a:xfrm rot="12431207">
+            <a:off x="19738184" y="17521166"/>
+            <a:ext cx="620391" cy="573119"/>
+            <a:chOff x="5764817" y="2081712"/>
+            <a:chExt cx="465295" cy="429840"/>
+          </a:xfrm>
+        </p:grpSpPr>
+        <p:sp>
+          <p:nvSpPr>
+            <p:cNvPr id="47" name="타원 46"/>
+            <p:cNvSpPr/>
+            <p:nvPr/>
+          </p:nvSpPr>
+          <p:spPr>
+            <a:xfrm>
+              <a:off x="5764817" y="2081712"/>
+              <a:ext cx="254984" cy="254984"/>
+            </a:xfrm>
+            <a:prstGeom prst="ellipse">
+              <a:avLst/>
+            </a:prstGeom>
+            <a:noFill/>
+            <a:ln w="38100">
+              <a:solidFill>
+                <a:schemeClr val="accent1"/>
+              </a:solidFill>
+            </a:ln>
+          </p:spPr>
+          <p:style>
+            <a:lnRef idx="2">
+              <a:schemeClr val="accent1">
+                <a:shade val="50000"/>
+              </a:schemeClr>
+            </a:lnRef>
+            <a:fillRef idx="1">
+              <a:schemeClr val="accent1"/>
+            </a:fillRef>
+            <a:effectRef idx="0">
+              <a:schemeClr val="accent1"/>
+            </a:effectRef>
+            <a:fontRef idx="minor">
+              <a:schemeClr val="lt1"/>
+            </a:fontRef>
+          </p:style>
+          <p:txBody>
+            <a:bodyPr rtlCol="0" anchor="ctr"/>
+            <a:lstStyle/>
+            <a:p>
+              <a:pPr algn="ctr"/>
+              <a:endParaRPr lang="ko-KR" altLang="en-US" sz="700"/>
+            </a:p>
+          </p:txBody>
+        </p:sp>
+        <p:cxnSp>
+          <p:nvCxnSpPr>
+            <p:cNvPr id="48" name="직선 연결선 47"/>
+            <p:cNvCxnSpPr>
+              <a:endCxn id="47" idx="5"/>
+            </p:cNvCxnSpPr>
+            <p:nvPr/>
+          </p:nvCxnSpPr>
+          <p:spPr>
+            <a:xfrm flipH="1" flipV="1">
+              <a:off x="5982459" y="2299354"/>
+              <a:ext cx="247653" cy="212198"/>
+            </a:xfrm>
+            <a:prstGeom prst="line">
+              <a:avLst/>
+            </a:prstGeom>
+            <a:ln w="38100">
+              <a:headEnd type="stealth" w="lg" len="lg"/>
+            </a:ln>
+          </p:spPr>
+          <p:style>
+            <a:lnRef idx="1">
+              <a:schemeClr val="accent1"/>
+            </a:lnRef>
+            <a:fillRef idx="0">
+              <a:schemeClr val="accent1"/>
+            </a:fillRef>
+            <a:effectRef idx="0">
+              <a:schemeClr val="accent1"/>
+            </a:effectRef>
+            <a:fontRef idx="minor">
+              <a:schemeClr val="tx1"/>
+            </a:fontRef>
+          </p:style>
+        </p:cxnSp>
+      </p:grpSp>
+      <p:grpSp>
+        <p:nvGrpSpPr>
+          <p:cNvPr id="49" name="그룹 48"/>
+          <p:cNvGrpSpPr/>
+          <p:nvPr/>
+        </p:nvGrpSpPr>
+        <p:grpSpPr>
+          <a:xfrm rot="2058776">
+            <a:off x="27881916" y="17527078"/>
+            <a:ext cx="620391" cy="573119"/>
+            <a:chOff x="5764817" y="2081712"/>
+            <a:chExt cx="465295" cy="429840"/>
+          </a:xfrm>
+        </p:grpSpPr>
+        <p:sp>
+          <p:nvSpPr>
+            <p:cNvPr id="51" name="타원 50"/>
+            <p:cNvSpPr/>
+            <p:nvPr/>
+          </p:nvSpPr>
+          <p:spPr>
+            <a:xfrm>
+              <a:off x="5764817" y="2081712"/>
+              <a:ext cx="254984" cy="254984"/>
+            </a:xfrm>
+            <a:prstGeom prst="ellipse">
+              <a:avLst/>
+            </a:prstGeom>
+            <a:noFill/>
+            <a:ln w="38100">
+              <a:solidFill>
+                <a:schemeClr val="accent1"/>
+              </a:solidFill>
+            </a:ln>
+          </p:spPr>
+          <p:style>
+            <a:lnRef idx="2">
+              <a:schemeClr val="accent1">
+                <a:shade val="50000"/>
+              </a:schemeClr>
+            </a:lnRef>
+            <a:fillRef idx="1">
+              <a:schemeClr val="accent1"/>
+            </a:fillRef>
+            <a:effectRef idx="0">
+              <a:schemeClr val="accent1"/>
+            </a:effectRef>
+            <a:fontRef idx="minor">
+              <a:schemeClr val="lt1"/>
+            </a:fontRef>
+          </p:style>
+          <p:txBody>
+            <a:bodyPr rtlCol="0" anchor="ctr"/>
+            <a:lstStyle/>
+            <a:p>
+              <a:pPr algn="ctr"/>
+              <a:endParaRPr lang="ko-KR" altLang="en-US" sz="700"/>
+            </a:p>
+          </p:txBody>
+        </p:sp>
+        <p:cxnSp>
+          <p:nvCxnSpPr>
+            <p:cNvPr id="52" name="직선 연결선 51"/>
+            <p:cNvCxnSpPr>
+              <a:endCxn id="51" idx="5"/>
+            </p:cNvCxnSpPr>
+            <p:nvPr/>
+          </p:nvCxnSpPr>
+          <p:spPr>
+            <a:xfrm flipH="1" flipV="1">
+              <a:off x="5982459" y="2299354"/>
+              <a:ext cx="247653" cy="212198"/>
+            </a:xfrm>
+            <a:prstGeom prst="line">
+              <a:avLst/>
+            </a:prstGeom>
+            <a:ln w="38100">
+              <a:headEnd type="stealth" w="lg" len="lg"/>
+            </a:ln>
+          </p:spPr>
+          <p:style>
+            <a:lnRef idx="1">
+              <a:schemeClr val="accent1"/>
+            </a:lnRef>
+            <a:fillRef idx="0">
+              <a:schemeClr val="accent1"/>
+            </a:fillRef>
+            <a:effectRef idx="0">
+              <a:schemeClr val="accent1"/>
+            </a:effectRef>
+            <a:fontRef idx="minor">
+              <a:schemeClr val="tx1"/>
+            </a:fontRef>
+          </p:style>
+        </p:cxnSp>
+      </p:grpSp>
+      <p:sp>
+        <p:nvSpPr>
+          <p:cNvPr id="53" name="TextBox 52"/>
+          <p:cNvSpPr txBox="1"/>
+          <p:nvPr/>
+        </p:nvSpPr>
+        <p:spPr>
+          <a:xfrm rot="4458128">
+            <a:off x="27577297" y="17553486"/>
+            <a:ext cx="1973617" cy="318421"/>
+          </a:xfrm>
+          <a:prstGeom prst="rect">
+            <a:avLst/>
+          </a:prstGeom>
+          <a:noFill/>
+        </p:spPr>
+        <p:txBody>
+          <a:bodyPr wrap="none" rtlCol="0">
+            <a:spAutoFit/>
+          </a:bodyPr>
+          <a:lstStyle/>
+          <a:p>
+            <a:r>
+              <a:rPr lang="ko-KR" altLang="en-US" sz="1469" dirty="0"/>
+              <a:t>등록된 강의평가 결과</a:t>
+            </a:r>
+            <a:endParaRPr lang="ko-KR" altLang="en-US" sz="2135" dirty="0"/>
+          </a:p>
+        </p:txBody>
+      </p:sp>
     </p:spTree>
     <p:extLst>
       <p:ext uri="{BB962C8B-B14F-4D97-AF65-F5344CB8AC3E}">
